--- a/doc/Java ITL A - Uvod.pptx
+++ b/doc/Java ITL A - Uvod.pptx
@@ -5,27 +5,23 @@
     <p:sldMasterId id="2147483745" r:id="rId1"/>
   </p:sldMasterIdLst>
   <p:notesMasterIdLst>
-    <p:notesMasterId r:id="rId17"/>
+    <p:notesMasterId r:id="rId13"/>
   </p:notesMasterIdLst>
   <p:handoutMasterIdLst>
-    <p:handoutMasterId r:id="rId18"/>
+    <p:handoutMasterId r:id="rId14"/>
   </p:handoutMasterIdLst>
   <p:sldIdLst>
     <p:sldId id="266" r:id="rId2"/>
     <p:sldId id="340" r:id="rId3"/>
-    <p:sldId id="347" r:id="rId4"/>
-    <p:sldId id="259" r:id="rId5"/>
-    <p:sldId id="348" r:id="rId6"/>
-    <p:sldId id="354" r:id="rId7"/>
-    <p:sldId id="355" r:id="rId8"/>
-    <p:sldId id="356" r:id="rId9"/>
-    <p:sldId id="268" r:id="rId10"/>
-    <p:sldId id="267" r:id="rId11"/>
-    <p:sldId id="353" r:id="rId12"/>
-    <p:sldId id="351" r:id="rId13"/>
-    <p:sldId id="352" r:id="rId14"/>
-    <p:sldId id="349" r:id="rId15"/>
-    <p:sldId id="344" r:id="rId16"/>
+    <p:sldId id="354" r:id="rId4"/>
+    <p:sldId id="355" r:id="rId5"/>
+    <p:sldId id="268" r:id="rId6"/>
+    <p:sldId id="267" r:id="rId7"/>
+    <p:sldId id="351" r:id="rId8"/>
+    <p:sldId id="349" r:id="rId9"/>
+    <p:sldId id="339" r:id="rId10"/>
+    <p:sldId id="337" r:id="rId11"/>
+    <p:sldId id="338" r:id="rId12"/>
   </p:sldIdLst>
   <p:sldSz cx="9144000" cy="5143500" type="screen16x9"/>
   <p:notesSz cx="6858000" cy="9144000"/>
@@ -330,7 +326,7 @@
           <a:p>
             <a:fld id="{60402F77-F1A7-45F9-88C8-3916BDFBDA68}" type="datetimeFigureOut">
               <a:rPr lang="sk-SK" smtClean="0"/>
-              <a:t>13. 11. 2018</a:t>
+              <a:t>4. 3. 2022</a:t>
             </a:fld>
             <a:endParaRPr lang="sk-SK"/>
           </a:p>
@@ -798,7 +794,7 @@
   <p:cSld>
     <p:spTree>
       <p:nvGrpSpPr>
-        <p:cNvPr id="1" name="Shape 86"/>
+        <p:cNvPr id="1" name="Shape 52"/>
         <p:cNvGrpSpPr/>
         <p:nvPr/>
       </p:nvGrpSpPr>
@@ -812,7 +808,7 @@
       </p:grpSpPr>
       <p:sp>
         <p:nvSpPr>
-          <p:cNvPr id="87" name="Shape 87"/>
+          <p:cNvPr id="53" name="Shape 53"/>
           <p:cNvSpPr>
             <a:spLocks noGrp="1" noRot="1" noChangeAspect="1"/>
           </p:cNvSpPr>
@@ -863,7 +859,7 @@
       </p:sp>
       <p:sp>
         <p:nvSpPr>
-          <p:cNvPr id="88" name="Shape 88"/>
+          <p:cNvPr id="54" name="Shape 54"/>
           <p:cNvSpPr txBox="1">
             <a:spLocks noGrp="1"/>
           </p:cNvSpPr>
@@ -886,7 +882,7 @@
           </a:bodyPr>
           <a:lstStyle/>
           <a:p>
-            <a:pPr lvl="0" rtl="0">
+            <a:pPr>
               <a:spcBef>
                 <a:spcPts val="0"/>
               </a:spcBef>
@@ -899,7 +895,7 @@
     </p:spTree>
     <p:extLst>
       <p:ext uri="{BB962C8B-B14F-4D97-AF65-F5344CB8AC3E}">
-        <p14:creationId xmlns:p14="http://schemas.microsoft.com/office/powerpoint/2010/main" val="1446152618"/>
+        <p14:creationId xmlns:p14="http://schemas.microsoft.com/office/powerpoint/2010/main" val="1470869757"/>
       </p:ext>
     </p:extLst>
   </p:cSld>
@@ -914,7 +910,7 @@
   <p:cSld>
     <p:spTree>
       <p:nvGrpSpPr>
-        <p:cNvPr id="1" name="Shape 86"/>
+        <p:cNvPr id="1" name="Shape 52"/>
         <p:cNvGrpSpPr/>
         <p:nvPr/>
       </p:nvGrpSpPr>
@@ -928,7 +924,7 @@
       </p:grpSpPr>
       <p:sp>
         <p:nvSpPr>
-          <p:cNvPr id="87" name="Shape 87"/>
+          <p:cNvPr id="53" name="Shape 53"/>
           <p:cNvSpPr>
             <a:spLocks noGrp="1" noRot="1" noChangeAspect="1"/>
           </p:cNvSpPr>
@@ -979,7 +975,7 @@
       </p:sp>
       <p:sp>
         <p:nvSpPr>
-          <p:cNvPr id="88" name="Shape 88"/>
+          <p:cNvPr id="54" name="Shape 54"/>
           <p:cNvSpPr txBox="1">
             <a:spLocks noGrp="1"/>
           </p:cNvSpPr>
@@ -1002,7 +998,7 @@
           </a:bodyPr>
           <a:lstStyle/>
           <a:p>
-            <a:pPr lvl="0" rtl="0">
+            <a:pPr>
               <a:spcBef>
                 <a:spcPts val="0"/>
               </a:spcBef>
@@ -1015,7 +1011,7 @@
     </p:spTree>
     <p:extLst>
       <p:ext uri="{BB962C8B-B14F-4D97-AF65-F5344CB8AC3E}">
-        <p14:creationId xmlns:p14="http://schemas.microsoft.com/office/powerpoint/2010/main" val="713705893"/>
+        <p14:creationId xmlns:p14="http://schemas.microsoft.com/office/powerpoint/2010/main" val="1261019986"/>
       </p:ext>
     </p:extLst>
   </p:cSld>
@@ -1025,12 +1021,12 @@
 </p:notes>
 </file>
 
-<file path=ppt/notesSlides/notesSlide12.xml><?xml version="1.0" encoding="utf-8"?>
+<file path=ppt/notesSlides/notesSlide2.xml><?xml version="1.0" encoding="utf-8"?>
 <p:notes xmlns:a="http://schemas.openxmlformats.org/drawingml/2006/main" xmlns:r="http://schemas.openxmlformats.org/officeDocument/2006/relationships" xmlns:p="http://schemas.openxmlformats.org/presentationml/2006/main" showMasterSp="0" showMasterPhAnim="0">
   <p:cSld>
     <p:spTree>
       <p:nvGrpSpPr>
-        <p:cNvPr id="1" name="Shape 86"/>
+        <p:cNvPr id="1" name="Shape 79"/>
         <p:cNvGrpSpPr/>
         <p:nvPr/>
       </p:nvGrpSpPr>
@@ -1044,7 +1040,7 @@
       </p:grpSpPr>
       <p:sp>
         <p:nvSpPr>
-          <p:cNvPr id="87" name="Shape 87"/>
+          <p:cNvPr id="80" name="Shape 80"/>
           <p:cNvSpPr>
             <a:spLocks noGrp="1" noRot="1" noChangeAspect="1"/>
           </p:cNvSpPr>
@@ -1095,7 +1091,7 @@
       </p:sp>
       <p:sp>
         <p:nvSpPr>
-          <p:cNvPr id="88" name="Shape 88"/>
+          <p:cNvPr id="81" name="Shape 81"/>
           <p:cNvSpPr txBox="1">
             <a:spLocks noGrp="1"/>
           </p:cNvSpPr>
@@ -1118,7 +1114,7 @@
           </a:bodyPr>
           <a:lstStyle/>
           <a:p>
-            <a:pPr lvl="0" rtl="0">
+            <a:pPr>
               <a:spcBef>
                 <a:spcPts val="0"/>
               </a:spcBef>
@@ -1131,7 +1127,7 @@
     </p:spTree>
     <p:extLst>
       <p:ext uri="{BB962C8B-B14F-4D97-AF65-F5344CB8AC3E}">
-        <p14:creationId xmlns:p14="http://schemas.microsoft.com/office/powerpoint/2010/main" val="3373877450"/>
+        <p14:creationId xmlns:p14="http://schemas.microsoft.com/office/powerpoint/2010/main" val="1875109711"/>
       </p:ext>
     </p:extLst>
   </p:cSld>
@@ -1141,12 +1137,12 @@
 </p:notes>
 </file>
 
-<file path=ppt/notesSlides/notesSlide13.xml><?xml version="1.0" encoding="utf-8"?>
+<file path=ppt/notesSlides/notesSlide3.xml><?xml version="1.0" encoding="utf-8"?>
 <p:notes xmlns:a="http://schemas.openxmlformats.org/drawingml/2006/main" xmlns:r="http://schemas.openxmlformats.org/officeDocument/2006/relationships" xmlns:p="http://schemas.openxmlformats.org/presentationml/2006/main" showMasterSp="0" showMasterPhAnim="0">
   <p:cSld>
     <p:spTree>
       <p:nvGrpSpPr>
-        <p:cNvPr id="1" name="Shape 86"/>
+        <p:cNvPr id="1" name="Shape 79"/>
         <p:cNvGrpSpPr/>
         <p:nvPr/>
       </p:nvGrpSpPr>
@@ -1160,7 +1156,7 @@
       </p:grpSpPr>
       <p:sp>
         <p:nvSpPr>
-          <p:cNvPr id="87" name="Shape 87"/>
+          <p:cNvPr id="80" name="Shape 80"/>
           <p:cNvSpPr>
             <a:spLocks noGrp="1" noRot="1" noChangeAspect="1"/>
           </p:cNvSpPr>
@@ -1211,7 +1207,7 @@
       </p:sp>
       <p:sp>
         <p:nvSpPr>
-          <p:cNvPr id="88" name="Shape 88"/>
+          <p:cNvPr id="81" name="Shape 81"/>
           <p:cNvSpPr txBox="1">
             <a:spLocks noGrp="1"/>
           </p:cNvSpPr>
@@ -1234,7 +1230,7 @@
           </a:bodyPr>
           <a:lstStyle/>
           <a:p>
-            <a:pPr lvl="0" rtl="0">
+            <a:pPr>
               <a:spcBef>
                 <a:spcPts val="0"/>
               </a:spcBef>
@@ -1247,7 +1243,7 @@
     </p:spTree>
     <p:extLst>
       <p:ext uri="{BB962C8B-B14F-4D97-AF65-F5344CB8AC3E}">
-        <p14:creationId xmlns:p14="http://schemas.microsoft.com/office/powerpoint/2010/main" val="299087085"/>
+        <p14:creationId xmlns:p14="http://schemas.microsoft.com/office/powerpoint/2010/main" val="1771350635"/>
       </p:ext>
     </p:extLst>
   </p:cSld>
@@ -1257,12 +1253,12 @@
 </p:notes>
 </file>
 
-<file path=ppt/notesSlides/notesSlide14.xml><?xml version="1.0" encoding="utf-8"?>
+<file path=ppt/notesSlides/notesSlide4.xml><?xml version="1.0" encoding="utf-8"?>
 <p:notes xmlns:a="http://schemas.openxmlformats.org/drawingml/2006/main" xmlns:r="http://schemas.openxmlformats.org/officeDocument/2006/relationships" xmlns:p="http://schemas.openxmlformats.org/presentationml/2006/main" showMasterSp="0" showMasterPhAnim="0">
   <p:cSld>
     <p:spTree>
       <p:nvGrpSpPr>
-        <p:cNvPr id="1" name="Shape 86"/>
+        <p:cNvPr id="1" name="Shape 79"/>
         <p:cNvGrpSpPr/>
         <p:nvPr/>
       </p:nvGrpSpPr>
@@ -1276,7 +1272,7 @@
       </p:grpSpPr>
       <p:sp>
         <p:nvSpPr>
-          <p:cNvPr id="87" name="Shape 87"/>
+          <p:cNvPr id="80" name="Shape 80"/>
           <p:cNvSpPr>
             <a:spLocks noGrp="1" noRot="1" noChangeAspect="1"/>
           </p:cNvSpPr>
@@ -1327,7 +1323,7 @@
       </p:sp>
       <p:sp>
         <p:nvSpPr>
-          <p:cNvPr id="88" name="Shape 88"/>
+          <p:cNvPr id="81" name="Shape 81"/>
           <p:cNvSpPr txBox="1">
             <a:spLocks noGrp="1"/>
           </p:cNvSpPr>
@@ -1350,7 +1346,7 @@
           </a:bodyPr>
           <a:lstStyle/>
           <a:p>
-            <a:pPr lvl="0" rtl="0">
+            <a:pPr>
               <a:spcBef>
                 <a:spcPts val="0"/>
               </a:spcBef>
@@ -1363,7 +1359,7 @@
     </p:spTree>
     <p:extLst>
       <p:ext uri="{BB962C8B-B14F-4D97-AF65-F5344CB8AC3E}">
-        <p14:creationId xmlns:p14="http://schemas.microsoft.com/office/powerpoint/2010/main" val="1534169799"/>
+        <p14:creationId xmlns:p14="http://schemas.microsoft.com/office/powerpoint/2010/main" val="1071012595"/>
       </p:ext>
     </p:extLst>
   </p:cSld>
@@ -1373,12 +1369,12 @@
 </p:notes>
 </file>
 
-<file path=ppt/notesSlides/notesSlide15.xml><?xml version="1.0" encoding="utf-8"?>
+<file path=ppt/notesSlides/notesSlide5.xml><?xml version="1.0" encoding="utf-8"?>
 <p:notes xmlns:a="http://schemas.openxmlformats.org/drawingml/2006/main" xmlns:r="http://schemas.openxmlformats.org/officeDocument/2006/relationships" xmlns:p="http://schemas.openxmlformats.org/presentationml/2006/main" showMasterSp="0" showMasterPhAnim="0">
   <p:cSld>
     <p:spTree>
       <p:nvGrpSpPr>
-        <p:cNvPr id="1" name="Shape 79"/>
+        <p:cNvPr id="1" name="Shape 92"/>
         <p:cNvGrpSpPr/>
         <p:nvPr/>
       </p:nvGrpSpPr>
@@ -1392,7 +1388,7 @@
       </p:grpSpPr>
       <p:sp>
         <p:nvSpPr>
-          <p:cNvPr id="80" name="Shape 80"/>
+          <p:cNvPr id="93" name="Shape 93"/>
           <p:cNvSpPr>
             <a:spLocks noGrp="1" noRot="1" noChangeAspect="1"/>
           </p:cNvSpPr>
@@ -1443,7 +1439,7 @@
       </p:sp>
       <p:sp>
         <p:nvSpPr>
-          <p:cNvPr id="81" name="Shape 81"/>
+          <p:cNvPr id="94" name="Shape 94"/>
           <p:cNvSpPr txBox="1">
             <a:spLocks noGrp="1"/>
           </p:cNvSpPr>
@@ -1466,7 +1462,7 @@
           </a:bodyPr>
           <a:lstStyle/>
           <a:p>
-            <a:pPr>
+            <a:pPr lvl="0" rtl="0">
               <a:spcBef>
                 <a:spcPts val="0"/>
               </a:spcBef>
@@ -1479,7 +1475,7 @@
     </p:spTree>
     <p:extLst>
       <p:ext uri="{BB962C8B-B14F-4D97-AF65-F5344CB8AC3E}">
-        <p14:creationId xmlns:p14="http://schemas.microsoft.com/office/powerpoint/2010/main" val="3882047247"/>
+        <p14:creationId xmlns:p14="http://schemas.microsoft.com/office/powerpoint/2010/main" val="2791483152"/>
       </p:ext>
     </p:extLst>
   </p:cSld>
@@ -1489,12 +1485,12 @@
 </p:notes>
 </file>
 
-<file path=ppt/notesSlides/notesSlide2.xml><?xml version="1.0" encoding="utf-8"?>
+<file path=ppt/notesSlides/notesSlide6.xml><?xml version="1.0" encoding="utf-8"?>
 <p:notes xmlns:a="http://schemas.openxmlformats.org/drawingml/2006/main" xmlns:r="http://schemas.openxmlformats.org/officeDocument/2006/relationships" xmlns:p="http://schemas.openxmlformats.org/presentationml/2006/main" showMasterSp="0" showMasterPhAnim="0">
   <p:cSld>
     <p:spTree>
       <p:nvGrpSpPr>
-        <p:cNvPr id="1" name="Shape 79"/>
+        <p:cNvPr id="1" name="Shape 86"/>
         <p:cNvGrpSpPr/>
         <p:nvPr/>
       </p:nvGrpSpPr>
@@ -1508,7 +1504,7 @@
       </p:grpSpPr>
       <p:sp>
         <p:nvSpPr>
-          <p:cNvPr id="80" name="Shape 80"/>
+          <p:cNvPr id="87" name="Shape 87"/>
           <p:cNvSpPr>
             <a:spLocks noGrp="1" noRot="1" noChangeAspect="1"/>
           </p:cNvSpPr>
@@ -1559,7 +1555,7 @@
       </p:sp>
       <p:sp>
         <p:nvSpPr>
-          <p:cNvPr id="81" name="Shape 81"/>
+          <p:cNvPr id="88" name="Shape 88"/>
           <p:cNvSpPr txBox="1">
             <a:spLocks noGrp="1"/>
           </p:cNvSpPr>
@@ -1582,7 +1578,7 @@
           </a:bodyPr>
           <a:lstStyle/>
           <a:p>
-            <a:pPr>
+            <a:pPr lvl="0" rtl="0">
               <a:spcBef>
                 <a:spcPts val="0"/>
               </a:spcBef>
@@ -1595,7 +1591,7 @@
     </p:spTree>
     <p:extLst>
       <p:ext uri="{BB962C8B-B14F-4D97-AF65-F5344CB8AC3E}">
-        <p14:creationId xmlns:p14="http://schemas.microsoft.com/office/powerpoint/2010/main" val="1875109711"/>
+        <p14:creationId xmlns:p14="http://schemas.microsoft.com/office/powerpoint/2010/main" val="1446152618"/>
       </p:ext>
     </p:extLst>
   </p:cSld>
@@ -1605,12 +1601,12 @@
 </p:notes>
 </file>
 
-<file path=ppt/notesSlides/notesSlide3.xml><?xml version="1.0" encoding="utf-8"?>
+<file path=ppt/notesSlides/notesSlide7.xml><?xml version="1.0" encoding="utf-8"?>
 <p:notes xmlns:a="http://schemas.openxmlformats.org/drawingml/2006/main" xmlns:r="http://schemas.openxmlformats.org/officeDocument/2006/relationships" xmlns:p="http://schemas.openxmlformats.org/presentationml/2006/main" showMasterSp="0" showMasterPhAnim="0">
   <p:cSld>
     <p:spTree>
       <p:nvGrpSpPr>
-        <p:cNvPr id="1" name="Shape 79"/>
+        <p:cNvPr id="1" name="Shape 86"/>
         <p:cNvGrpSpPr/>
         <p:nvPr/>
       </p:nvGrpSpPr>
@@ -1624,7 +1620,7 @@
       </p:grpSpPr>
       <p:sp>
         <p:nvSpPr>
-          <p:cNvPr id="80" name="Shape 80"/>
+          <p:cNvPr id="87" name="Shape 87"/>
           <p:cNvSpPr>
             <a:spLocks noGrp="1" noRot="1" noChangeAspect="1"/>
           </p:cNvSpPr>
@@ -1675,7 +1671,7 @@
       </p:sp>
       <p:sp>
         <p:nvSpPr>
-          <p:cNvPr id="81" name="Shape 81"/>
+          <p:cNvPr id="88" name="Shape 88"/>
           <p:cNvSpPr txBox="1">
             <a:spLocks noGrp="1"/>
           </p:cNvSpPr>
@@ -1698,7 +1694,7 @@
           </a:bodyPr>
           <a:lstStyle/>
           <a:p>
-            <a:pPr>
+            <a:pPr lvl="0" rtl="0">
               <a:spcBef>
                 <a:spcPts val="0"/>
               </a:spcBef>
@@ -1711,7 +1707,7 @@
     </p:spTree>
     <p:extLst>
       <p:ext uri="{BB962C8B-B14F-4D97-AF65-F5344CB8AC3E}">
-        <p14:creationId xmlns:p14="http://schemas.microsoft.com/office/powerpoint/2010/main" val="3387542740"/>
+        <p14:creationId xmlns:p14="http://schemas.microsoft.com/office/powerpoint/2010/main" val="3373877450"/>
       </p:ext>
     </p:extLst>
   </p:cSld>
@@ -1721,12 +1717,12 @@
 </p:notes>
 </file>
 
-<file path=ppt/notesSlides/notesSlide4.xml><?xml version="1.0" encoding="utf-8"?>
+<file path=ppt/notesSlides/notesSlide8.xml><?xml version="1.0" encoding="utf-8"?>
 <p:notes xmlns:a="http://schemas.openxmlformats.org/drawingml/2006/main" xmlns:r="http://schemas.openxmlformats.org/officeDocument/2006/relationships" xmlns:p="http://schemas.openxmlformats.org/presentationml/2006/main" showMasterSp="0" showMasterPhAnim="0">
   <p:cSld>
     <p:spTree>
       <p:nvGrpSpPr>
-        <p:cNvPr id="1" name="Shape 33"/>
+        <p:cNvPr id="1" name="Shape 86"/>
         <p:cNvGrpSpPr/>
         <p:nvPr/>
       </p:nvGrpSpPr>
@@ -1740,7 +1736,7 @@
       </p:grpSpPr>
       <p:sp>
         <p:nvSpPr>
-          <p:cNvPr id="34" name="Shape 34"/>
+          <p:cNvPr id="87" name="Shape 87"/>
           <p:cNvSpPr>
             <a:spLocks noGrp="1" noRot="1" noChangeAspect="1"/>
           </p:cNvSpPr>
@@ -1791,7 +1787,7 @@
       </p:sp>
       <p:sp>
         <p:nvSpPr>
-          <p:cNvPr id="35" name="Shape 35"/>
+          <p:cNvPr id="88" name="Shape 88"/>
           <p:cNvSpPr txBox="1">
             <a:spLocks noGrp="1"/>
           </p:cNvSpPr>
@@ -1827,7 +1823,7 @@
     </p:spTree>
     <p:extLst>
       <p:ext uri="{BB962C8B-B14F-4D97-AF65-F5344CB8AC3E}">
-        <p14:creationId xmlns:p14="http://schemas.microsoft.com/office/powerpoint/2010/main" val="2855637687"/>
+        <p14:creationId xmlns:p14="http://schemas.microsoft.com/office/powerpoint/2010/main" val="1534169799"/>
       </p:ext>
     </p:extLst>
   </p:cSld>
@@ -1837,12 +1833,12 @@
 </p:notes>
 </file>
 
-<file path=ppt/notesSlides/notesSlide5.xml><?xml version="1.0" encoding="utf-8"?>
+<file path=ppt/notesSlides/notesSlide9.xml><?xml version="1.0" encoding="utf-8"?>
 <p:notes xmlns:a="http://schemas.openxmlformats.org/drawingml/2006/main" xmlns:r="http://schemas.openxmlformats.org/officeDocument/2006/relationships" xmlns:p="http://schemas.openxmlformats.org/presentationml/2006/main" showMasterSp="0" showMasterPhAnim="0">
   <p:cSld>
     <p:spTree>
       <p:nvGrpSpPr>
-        <p:cNvPr id="1" name="Shape 79"/>
+        <p:cNvPr id="1" name="Shape 52"/>
         <p:cNvGrpSpPr/>
         <p:nvPr/>
       </p:nvGrpSpPr>
@@ -1856,7 +1852,7 @@
       </p:grpSpPr>
       <p:sp>
         <p:nvSpPr>
-          <p:cNvPr id="80" name="Shape 80"/>
+          <p:cNvPr id="53" name="Shape 53"/>
           <p:cNvSpPr>
             <a:spLocks noGrp="1" noRot="1" noChangeAspect="1"/>
           </p:cNvSpPr>
@@ -1907,7 +1903,7 @@
       </p:sp>
       <p:sp>
         <p:nvSpPr>
-          <p:cNvPr id="81" name="Shape 81"/>
+          <p:cNvPr id="54" name="Shape 54"/>
           <p:cNvSpPr txBox="1">
             <a:spLocks noGrp="1"/>
           </p:cNvSpPr>
@@ -1943,471 +1939,7 @@
     </p:spTree>
     <p:extLst>
       <p:ext uri="{BB962C8B-B14F-4D97-AF65-F5344CB8AC3E}">
-        <p14:creationId xmlns:p14="http://schemas.microsoft.com/office/powerpoint/2010/main" val="1240657470"/>
-      </p:ext>
-    </p:extLst>
-  </p:cSld>
-  <p:clrMapOvr>
-    <a:masterClrMapping/>
-  </p:clrMapOvr>
-</p:notes>
-</file>
-
-<file path=ppt/notesSlides/notesSlide6.xml><?xml version="1.0" encoding="utf-8"?>
-<p:notes xmlns:a="http://schemas.openxmlformats.org/drawingml/2006/main" xmlns:r="http://schemas.openxmlformats.org/officeDocument/2006/relationships" xmlns:p="http://schemas.openxmlformats.org/presentationml/2006/main" showMasterSp="0" showMasterPhAnim="0">
-  <p:cSld>
-    <p:spTree>
-      <p:nvGrpSpPr>
-        <p:cNvPr id="1" name="Shape 79"/>
-        <p:cNvGrpSpPr/>
-        <p:nvPr/>
-      </p:nvGrpSpPr>
-      <p:grpSpPr>
-        <a:xfrm>
-          <a:off x="0" y="0"/>
-          <a:ext cx="0" cy="0"/>
-          <a:chOff x="0" y="0"/>
-          <a:chExt cx="0" cy="0"/>
-        </a:xfrm>
-      </p:grpSpPr>
-      <p:sp>
-        <p:nvSpPr>
-          <p:cNvPr id="80" name="Shape 80"/>
-          <p:cNvSpPr>
-            <a:spLocks noGrp="1" noRot="1" noChangeAspect="1"/>
-          </p:cNvSpPr>
-          <p:nvPr>
-            <p:ph type="sldImg" idx="2"/>
-          </p:nvPr>
-        </p:nvSpPr>
-        <p:spPr>
-          <a:xfrm>
-            <a:off x="381000" y="685800"/>
-            <a:ext cx="6096000" cy="3429000"/>
-          </a:xfrm>
-          <a:custGeom>
-            <a:avLst/>
-            <a:gdLst/>
-            <a:ahLst/>
-            <a:cxnLst/>
-            <a:rect l="0" t="0" r="0" b="0"/>
-            <a:pathLst>
-              <a:path w="120000" h="120000" extrusionOk="0">
-                <a:moveTo>
-                  <a:pt x="0" y="0"/>
-                </a:moveTo>
-                <a:lnTo>
-                  <a:pt x="120000" y="0"/>
-                </a:lnTo>
-                <a:lnTo>
-                  <a:pt x="120000" y="120000"/>
-                </a:lnTo>
-                <a:lnTo>
-                  <a:pt x="0" y="120000"/>
-                </a:lnTo>
-                <a:close/>
-              </a:path>
-            </a:pathLst>
-          </a:custGeom>
-          <a:noFill/>
-          <a:ln w="9525" cap="flat" cmpd="sng">
-            <a:solidFill>
-              <a:srgbClr val="000000"/>
-            </a:solidFill>
-            <a:prstDash val="solid"/>
-            <a:round/>
-            <a:headEnd type="none" w="med" len="med"/>
-            <a:tailEnd type="none" w="med" len="med"/>
-          </a:ln>
-        </p:spPr>
-      </p:sp>
-      <p:sp>
-        <p:nvSpPr>
-          <p:cNvPr id="81" name="Shape 81"/>
-          <p:cNvSpPr txBox="1">
-            <a:spLocks noGrp="1"/>
-          </p:cNvSpPr>
-          <p:nvPr>
-            <p:ph type="body" idx="1"/>
-          </p:nvPr>
-        </p:nvSpPr>
-        <p:spPr>
-          <a:xfrm>
-            <a:off x="685800" y="4343400"/>
-            <a:ext cx="5486399" cy="4114800"/>
-          </a:xfrm>
-          <a:prstGeom prst="rect">
-            <a:avLst/>
-          </a:prstGeom>
-        </p:spPr>
-        <p:txBody>
-          <a:bodyPr lIns="91425" tIns="91425" rIns="91425" bIns="91425" anchor="t" anchorCtr="0">
-            <a:noAutofit/>
-          </a:bodyPr>
-          <a:lstStyle/>
-          <a:p>
-            <a:pPr>
-              <a:spcBef>
-                <a:spcPts val="0"/>
-              </a:spcBef>
-              <a:buNone/>
-            </a:pPr>
-            <a:endParaRPr/>
-          </a:p>
-        </p:txBody>
-      </p:sp>
-    </p:spTree>
-    <p:extLst>
-      <p:ext uri="{BB962C8B-B14F-4D97-AF65-F5344CB8AC3E}">
-        <p14:creationId xmlns:p14="http://schemas.microsoft.com/office/powerpoint/2010/main" val="1771350635"/>
-      </p:ext>
-    </p:extLst>
-  </p:cSld>
-  <p:clrMapOvr>
-    <a:masterClrMapping/>
-  </p:clrMapOvr>
-</p:notes>
-</file>
-
-<file path=ppt/notesSlides/notesSlide7.xml><?xml version="1.0" encoding="utf-8"?>
-<p:notes xmlns:a="http://schemas.openxmlformats.org/drawingml/2006/main" xmlns:r="http://schemas.openxmlformats.org/officeDocument/2006/relationships" xmlns:p="http://schemas.openxmlformats.org/presentationml/2006/main" showMasterSp="0" showMasterPhAnim="0">
-  <p:cSld>
-    <p:spTree>
-      <p:nvGrpSpPr>
-        <p:cNvPr id="1" name="Shape 79"/>
-        <p:cNvGrpSpPr/>
-        <p:nvPr/>
-      </p:nvGrpSpPr>
-      <p:grpSpPr>
-        <a:xfrm>
-          <a:off x="0" y="0"/>
-          <a:ext cx="0" cy="0"/>
-          <a:chOff x="0" y="0"/>
-          <a:chExt cx="0" cy="0"/>
-        </a:xfrm>
-      </p:grpSpPr>
-      <p:sp>
-        <p:nvSpPr>
-          <p:cNvPr id="80" name="Shape 80"/>
-          <p:cNvSpPr>
-            <a:spLocks noGrp="1" noRot="1" noChangeAspect="1"/>
-          </p:cNvSpPr>
-          <p:nvPr>
-            <p:ph type="sldImg" idx="2"/>
-          </p:nvPr>
-        </p:nvSpPr>
-        <p:spPr>
-          <a:xfrm>
-            <a:off x="381000" y="685800"/>
-            <a:ext cx="6096000" cy="3429000"/>
-          </a:xfrm>
-          <a:custGeom>
-            <a:avLst/>
-            <a:gdLst/>
-            <a:ahLst/>
-            <a:cxnLst/>
-            <a:rect l="0" t="0" r="0" b="0"/>
-            <a:pathLst>
-              <a:path w="120000" h="120000" extrusionOk="0">
-                <a:moveTo>
-                  <a:pt x="0" y="0"/>
-                </a:moveTo>
-                <a:lnTo>
-                  <a:pt x="120000" y="0"/>
-                </a:lnTo>
-                <a:lnTo>
-                  <a:pt x="120000" y="120000"/>
-                </a:lnTo>
-                <a:lnTo>
-                  <a:pt x="0" y="120000"/>
-                </a:lnTo>
-                <a:close/>
-              </a:path>
-            </a:pathLst>
-          </a:custGeom>
-          <a:noFill/>
-          <a:ln w="9525" cap="flat" cmpd="sng">
-            <a:solidFill>
-              <a:srgbClr val="000000"/>
-            </a:solidFill>
-            <a:prstDash val="solid"/>
-            <a:round/>
-            <a:headEnd type="none" w="med" len="med"/>
-            <a:tailEnd type="none" w="med" len="med"/>
-          </a:ln>
-        </p:spPr>
-      </p:sp>
-      <p:sp>
-        <p:nvSpPr>
-          <p:cNvPr id="81" name="Shape 81"/>
-          <p:cNvSpPr txBox="1">
-            <a:spLocks noGrp="1"/>
-          </p:cNvSpPr>
-          <p:nvPr>
-            <p:ph type="body" idx="1"/>
-          </p:nvPr>
-        </p:nvSpPr>
-        <p:spPr>
-          <a:xfrm>
-            <a:off x="685800" y="4343400"/>
-            <a:ext cx="5486399" cy="4114800"/>
-          </a:xfrm>
-          <a:prstGeom prst="rect">
-            <a:avLst/>
-          </a:prstGeom>
-        </p:spPr>
-        <p:txBody>
-          <a:bodyPr lIns="91425" tIns="91425" rIns="91425" bIns="91425" anchor="t" anchorCtr="0">
-            <a:noAutofit/>
-          </a:bodyPr>
-          <a:lstStyle/>
-          <a:p>
-            <a:pPr>
-              <a:spcBef>
-                <a:spcPts val="0"/>
-              </a:spcBef>
-              <a:buNone/>
-            </a:pPr>
-            <a:endParaRPr/>
-          </a:p>
-        </p:txBody>
-      </p:sp>
-    </p:spTree>
-    <p:extLst>
-      <p:ext uri="{BB962C8B-B14F-4D97-AF65-F5344CB8AC3E}">
-        <p14:creationId xmlns:p14="http://schemas.microsoft.com/office/powerpoint/2010/main" val="1071012595"/>
-      </p:ext>
-    </p:extLst>
-  </p:cSld>
-  <p:clrMapOvr>
-    <a:masterClrMapping/>
-  </p:clrMapOvr>
-</p:notes>
-</file>
-
-<file path=ppt/notesSlides/notesSlide8.xml><?xml version="1.0" encoding="utf-8"?>
-<p:notes xmlns:a="http://schemas.openxmlformats.org/drawingml/2006/main" xmlns:r="http://schemas.openxmlformats.org/officeDocument/2006/relationships" xmlns:p="http://schemas.openxmlformats.org/presentationml/2006/main" showMasterSp="0" showMasterPhAnim="0">
-  <p:cSld>
-    <p:spTree>
-      <p:nvGrpSpPr>
-        <p:cNvPr id="1" name="Shape 79"/>
-        <p:cNvGrpSpPr/>
-        <p:nvPr/>
-      </p:nvGrpSpPr>
-      <p:grpSpPr>
-        <a:xfrm>
-          <a:off x="0" y="0"/>
-          <a:ext cx="0" cy="0"/>
-          <a:chOff x="0" y="0"/>
-          <a:chExt cx="0" cy="0"/>
-        </a:xfrm>
-      </p:grpSpPr>
-      <p:sp>
-        <p:nvSpPr>
-          <p:cNvPr id="80" name="Shape 80"/>
-          <p:cNvSpPr>
-            <a:spLocks noGrp="1" noRot="1" noChangeAspect="1"/>
-          </p:cNvSpPr>
-          <p:nvPr>
-            <p:ph type="sldImg" idx="2"/>
-          </p:nvPr>
-        </p:nvSpPr>
-        <p:spPr>
-          <a:xfrm>
-            <a:off x="381000" y="685800"/>
-            <a:ext cx="6096000" cy="3429000"/>
-          </a:xfrm>
-          <a:custGeom>
-            <a:avLst/>
-            <a:gdLst/>
-            <a:ahLst/>
-            <a:cxnLst/>
-            <a:rect l="0" t="0" r="0" b="0"/>
-            <a:pathLst>
-              <a:path w="120000" h="120000" extrusionOk="0">
-                <a:moveTo>
-                  <a:pt x="0" y="0"/>
-                </a:moveTo>
-                <a:lnTo>
-                  <a:pt x="120000" y="0"/>
-                </a:lnTo>
-                <a:lnTo>
-                  <a:pt x="120000" y="120000"/>
-                </a:lnTo>
-                <a:lnTo>
-                  <a:pt x="0" y="120000"/>
-                </a:lnTo>
-                <a:close/>
-              </a:path>
-            </a:pathLst>
-          </a:custGeom>
-          <a:noFill/>
-          <a:ln w="9525" cap="flat" cmpd="sng">
-            <a:solidFill>
-              <a:srgbClr val="000000"/>
-            </a:solidFill>
-            <a:prstDash val="solid"/>
-            <a:round/>
-            <a:headEnd type="none" w="med" len="med"/>
-            <a:tailEnd type="none" w="med" len="med"/>
-          </a:ln>
-        </p:spPr>
-      </p:sp>
-      <p:sp>
-        <p:nvSpPr>
-          <p:cNvPr id="81" name="Shape 81"/>
-          <p:cNvSpPr txBox="1">
-            <a:spLocks noGrp="1"/>
-          </p:cNvSpPr>
-          <p:nvPr>
-            <p:ph type="body" idx="1"/>
-          </p:nvPr>
-        </p:nvSpPr>
-        <p:spPr>
-          <a:xfrm>
-            <a:off x="685800" y="4343400"/>
-            <a:ext cx="5486399" cy="4114800"/>
-          </a:xfrm>
-          <a:prstGeom prst="rect">
-            <a:avLst/>
-          </a:prstGeom>
-        </p:spPr>
-        <p:txBody>
-          <a:bodyPr lIns="91425" tIns="91425" rIns="91425" bIns="91425" anchor="t" anchorCtr="0">
-            <a:noAutofit/>
-          </a:bodyPr>
-          <a:lstStyle/>
-          <a:p>
-            <a:pPr>
-              <a:spcBef>
-                <a:spcPts val="0"/>
-              </a:spcBef>
-              <a:buNone/>
-            </a:pPr>
-            <a:endParaRPr/>
-          </a:p>
-        </p:txBody>
-      </p:sp>
-    </p:spTree>
-    <p:extLst>
-      <p:ext uri="{BB962C8B-B14F-4D97-AF65-F5344CB8AC3E}">
-        <p14:creationId xmlns:p14="http://schemas.microsoft.com/office/powerpoint/2010/main" val="1257114854"/>
-      </p:ext>
-    </p:extLst>
-  </p:cSld>
-  <p:clrMapOvr>
-    <a:masterClrMapping/>
-  </p:clrMapOvr>
-</p:notes>
-</file>
-
-<file path=ppt/notesSlides/notesSlide9.xml><?xml version="1.0" encoding="utf-8"?>
-<p:notes xmlns:a="http://schemas.openxmlformats.org/drawingml/2006/main" xmlns:r="http://schemas.openxmlformats.org/officeDocument/2006/relationships" xmlns:p="http://schemas.openxmlformats.org/presentationml/2006/main" showMasterSp="0" showMasterPhAnim="0">
-  <p:cSld>
-    <p:spTree>
-      <p:nvGrpSpPr>
-        <p:cNvPr id="1" name="Shape 92"/>
-        <p:cNvGrpSpPr/>
-        <p:nvPr/>
-      </p:nvGrpSpPr>
-      <p:grpSpPr>
-        <a:xfrm>
-          <a:off x="0" y="0"/>
-          <a:ext cx="0" cy="0"/>
-          <a:chOff x="0" y="0"/>
-          <a:chExt cx="0" cy="0"/>
-        </a:xfrm>
-      </p:grpSpPr>
-      <p:sp>
-        <p:nvSpPr>
-          <p:cNvPr id="93" name="Shape 93"/>
-          <p:cNvSpPr>
-            <a:spLocks noGrp="1" noRot="1" noChangeAspect="1"/>
-          </p:cNvSpPr>
-          <p:nvPr>
-            <p:ph type="sldImg" idx="2"/>
-          </p:nvPr>
-        </p:nvSpPr>
-        <p:spPr>
-          <a:xfrm>
-            <a:off x="381000" y="685800"/>
-            <a:ext cx="6096000" cy="3429000"/>
-          </a:xfrm>
-          <a:custGeom>
-            <a:avLst/>
-            <a:gdLst/>
-            <a:ahLst/>
-            <a:cxnLst/>
-            <a:rect l="0" t="0" r="0" b="0"/>
-            <a:pathLst>
-              <a:path w="120000" h="120000" extrusionOk="0">
-                <a:moveTo>
-                  <a:pt x="0" y="0"/>
-                </a:moveTo>
-                <a:lnTo>
-                  <a:pt x="120000" y="0"/>
-                </a:lnTo>
-                <a:lnTo>
-                  <a:pt x="120000" y="120000"/>
-                </a:lnTo>
-                <a:lnTo>
-                  <a:pt x="0" y="120000"/>
-                </a:lnTo>
-                <a:close/>
-              </a:path>
-            </a:pathLst>
-          </a:custGeom>
-          <a:noFill/>
-          <a:ln w="9525" cap="flat" cmpd="sng">
-            <a:solidFill>
-              <a:srgbClr val="000000"/>
-            </a:solidFill>
-            <a:prstDash val="solid"/>
-            <a:round/>
-            <a:headEnd type="none" w="med" len="med"/>
-            <a:tailEnd type="none" w="med" len="med"/>
-          </a:ln>
-        </p:spPr>
-      </p:sp>
-      <p:sp>
-        <p:nvSpPr>
-          <p:cNvPr id="94" name="Shape 94"/>
-          <p:cNvSpPr txBox="1">
-            <a:spLocks noGrp="1"/>
-          </p:cNvSpPr>
-          <p:nvPr>
-            <p:ph type="body" idx="1"/>
-          </p:nvPr>
-        </p:nvSpPr>
-        <p:spPr>
-          <a:xfrm>
-            <a:off x="685800" y="4343400"/>
-            <a:ext cx="5486399" cy="4114800"/>
-          </a:xfrm>
-          <a:prstGeom prst="rect">
-            <a:avLst/>
-          </a:prstGeom>
-        </p:spPr>
-        <p:txBody>
-          <a:bodyPr lIns="91425" tIns="91425" rIns="91425" bIns="91425" anchor="t" anchorCtr="0">
-            <a:noAutofit/>
-          </a:bodyPr>
-          <a:lstStyle/>
-          <a:p>
-            <a:pPr lvl="0" rtl="0">
-              <a:spcBef>
-                <a:spcPts val="0"/>
-              </a:spcBef>
-              <a:buNone/>
-            </a:pPr>
-            <a:endParaRPr/>
-          </a:p>
-        </p:txBody>
-      </p:sp>
-    </p:spTree>
-    <p:extLst>
-      <p:ext uri="{BB962C8B-B14F-4D97-AF65-F5344CB8AC3E}">
-        <p14:creationId xmlns:p14="http://schemas.microsoft.com/office/powerpoint/2010/main" val="2791483152"/>
+        <p14:creationId xmlns:p14="http://schemas.microsoft.com/office/powerpoint/2010/main" val="1580650971"/>
       </p:ext>
     </p:extLst>
   </p:cSld>
@@ -2459,10 +1991,9 @@
           </a:lstStyle>
           <a:p>
             <a:r>
-              <a:rPr lang="sk-SK" smtClean="0"/>
+              <a:rPr lang="sk-SK"/>
               <a:t>Upravte štýly predlohy textu</a:t>
             </a:r>
-            <a:endParaRPr lang="sk-SK"/>
           </a:p>
         </p:txBody>
       </p:sp>
@@ -2524,10 +2055,9 @@
           </a:lstStyle>
           <a:p>
             <a:r>
-              <a:rPr lang="sk-SK" smtClean="0"/>
+              <a:rPr lang="sk-SK"/>
               <a:t>Upravte štýl predlohy podnadpisov</a:t>
             </a:r>
-            <a:endParaRPr lang="sk-SK"/>
           </a:p>
         </p:txBody>
       </p:sp>
@@ -2638,10 +2168,9 @@
           <a:lstStyle/>
           <a:p>
             <a:r>
-              <a:rPr lang="sk-SK" smtClean="0"/>
+              <a:rPr lang="sk-SK"/>
               <a:t>Upravte štýly predlohy textu</a:t>
             </a:r>
-            <a:endParaRPr lang="sk-SK"/>
           </a:p>
         </p:txBody>
       </p:sp>
@@ -2662,38 +2191,37 @@
           <a:p>
             <a:pPr lvl="0"/>
             <a:r>
-              <a:rPr lang="sk-SK" smtClean="0"/>
+              <a:rPr lang="sk-SK"/>
               <a:t>Upravte štýl predlohy textu.</a:t>
             </a:r>
           </a:p>
           <a:p>
             <a:pPr lvl="1"/>
             <a:r>
-              <a:rPr lang="sk-SK" smtClean="0"/>
+              <a:rPr lang="sk-SK"/>
               <a:t>Druhá úroveň</a:t>
             </a:r>
           </a:p>
           <a:p>
             <a:pPr lvl="2"/>
             <a:r>
-              <a:rPr lang="sk-SK" smtClean="0"/>
+              <a:rPr lang="sk-SK"/>
               <a:t>Tretia úroveň</a:t>
             </a:r>
           </a:p>
           <a:p>
             <a:pPr lvl="3"/>
             <a:r>
-              <a:rPr lang="sk-SK" smtClean="0"/>
+              <a:rPr lang="sk-SK"/>
               <a:t>Štvrtá úroveň</a:t>
             </a:r>
           </a:p>
           <a:p>
             <a:pPr lvl="4"/>
             <a:r>
-              <a:rPr lang="sk-SK" smtClean="0"/>
+              <a:rPr lang="sk-SK"/>
               <a:t>Piata úroveň</a:t>
             </a:r>
-            <a:endParaRPr lang="sk-SK"/>
           </a:p>
         </p:txBody>
       </p:sp>
@@ -2809,10 +2337,9 @@
           <a:lstStyle/>
           <a:p>
             <a:r>
-              <a:rPr lang="sk-SK" smtClean="0"/>
+              <a:rPr lang="sk-SK"/>
               <a:t>Upravte štýly predlohy textu</a:t>
             </a:r>
-            <a:endParaRPr lang="sk-SK"/>
           </a:p>
         </p:txBody>
       </p:sp>
@@ -2838,38 +2365,37 @@
           <a:p>
             <a:pPr lvl="0"/>
             <a:r>
-              <a:rPr lang="sk-SK" smtClean="0"/>
+              <a:rPr lang="sk-SK"/>
               <a:t>Upravte štýl predlohy textu.</a:t>
             </a:r>
           </a:p>
           <a:p>
             <a:pPr lvl="1"/>
             <a:r>
-              <a:rPr lang="sk-SK" smtClean="0"/>
+              <a:rPr lang="sk-SK"/>
               <a:t>Druhá úroveň</a:t>
             </a:r>
           </a:p>
           <a:p>
             <a:pPr lvl="2"/>
             <a:r>
-              <a:rPr lang="sk-SK" smtClean="0"/>
+              <a:rPr lang="sk-SK"/>
               <a:t>Tretia úroveň</a:t>
             </a:r>
           </a:p>
           <a:p>
             <a:pPr lvl="3"/>
             <a:r>
-              <a:rPr lang="sk-SK" smtClean="0"/>
+              <a:rPr lang="sk-SK"/>
               <a:t>Štvrtá úroveň</a:t>
             </a:r>
           </a:p>
           <a:p>
             <a:pPr lvl="4"/>
             <a:r>
-              <a:rPr lang="sk-SK" smtClean="0"/>
+              <a:rPr lang="sk-SK"/>
               <a:t>Piata úroveň</a:t>
             </a:r>
-            <a:endParaRPr lang="sk-SK"/>
           </a:p>
         </p:txBody>
       </p:sp>
@@ -3040,10 +2566,9 @@
           <a:lstStyle/>
           <a:p>
             <a:r>
-              <a:rPr lang="sk-SK" smtClean="0"/>
+              <a:rPr lang="sk-SK"/>
               <a:t>Upravte štýly predlohy textu</a:t>
             </a:r>
-            <a:endParaRPr lang="sk-SK"/>
           </a:p>
         </p:txBody>
       </p:sp>
@@ -3064,38 +2589,37 @@
           <a:p>
             <a:pPr lvl="0"/>
             <a:r>
-              <a:rPr lang="sk-SK" smtClean="0"/>
+              <a:rPr lang="sk-SK"/>
               <a:t>Upravte štýl predlohy textu.</a:t>
             </a:r>
           </a:p>
           <a:p>
             <a:pPr lvl="1"/>
             <a:r>
-              <a:rPr lang="sk-SK" smtClean="0"/>
+              <a:rPr lang="sk-SK"/>
               <a:t>Druhá úroveň</a:t>
             </a:r>
           </a:p>
           <a:p>
             <a:pPr lvl="2"/>
             <a:r>
-              <a:rPr lang="sk-SK" smtClean="0"/>
+              <a:rPr lang="sk-SK"/>
               <a:t>Tretia úroveň</a:t>
             </a:r>
           </a:p>
           <a:p>
             <a:pPr lvl="3"/>
             <a:r>
-              <a:rPr lang="sk-SK" smtClean="0"/>
+              <a:rPr lang="sk-SK"/>
               <a:t>Štvrtá úroveň</a:t>
             </a:r>
           </a:p>
           <a:p>
             <a:pPr lvl="4"/>
             <a:r>
-              <a:rPr lang="sk-SK" smtClean="0"/>
+              <a:rPr lang="sk-SK"/>
               <a:t>Piata úroveň</a:t>
             </a:r>
-            <a:endParaRPr lang="sk-SK"/>
           </a:p>
         </p:txBody>
       </p:sp>
@@ -3215,10 +2739,9 @@
           </a:lstStyle>
           <a:p>
             <a:r>
-              <a:rPr lang="sk-SK" smtClean="0"/>
+              <a:rPr lang="sk-SK"/>
               <a:t>Upravte štýly predlohy textu</a:t>
             </a:r>
-            <a:endParaRPr lang="sk-SK"/>
           </a:p>
         </p:txBody>
       </p:sp>
@@ -3335,7 +2858,7 @@
           <a:p>
             <a:pPr lvl="0"/>
             <a:r>
-              <a:rPr lang="sk-SK" smtClean="0"/>
+              <a:rPr lang="sk-SK"/>
               <a:t>Upravte štýl predlohy textu.</a:t>
             </a:r>
           </a:p>
@@ -3448,10 +2971,9 @@
           <a:lstStyle/>
           <a:p>
             <a:r>
-              <a:rPr lang="sk-SK" smtClean="0"/>
+              <a:rPr lang="sk-SK"/>
               <a:t>Upravte štýly predlohy textu</a:t>
             </a:r>
-            <a:endParaRPr lang="sk-SK"/>
           </a:p>
         </p:txBody>
       </p:sp>
@@ -3477,38 +2999,37 @@
           <a:p>
             <a:pPr lvl="0"/>
             <a:r>
-              <a:rPr lang="sk-SK" smtClean="0"/>
+              <a:rPr lang="sk-SK"/>
               <a:t>Upravte štýl predlohy textu.</a:t>
             </a:r>
           </a:p>
           <a:p>
             <a:pPr lvl="1"/>
             <a:r>
-              <a:rPr lang="sk-SK" smtClean="0"/>
+              <a:rPr lang="sk-SK"/>
               <a:t>Druhá úroveň</a:t>
             </a:r>
           </a:p>
           <a:p>
             <a:pPr lvl="2"/>
             <a:r>
-              <a:rPr lang="sk-SK" smtClean="0"/>
+              <a:rPr lang="sk-SK"/>
               <a:t>Tretia úroveň</a:t>
             </a:r>
           </a:p>
           <a:p>
             <a:pPr lvl="3"/>
             <a:r>
-              <a:rPr lang="sk-SK" smtClean="0"/>
+              <a:rPr lang="sk-SK"/>
               <a:t>Štvrtá úroveň</a:t>
             </a:r>
           </a:p>
           <a:p>
             <a:pPr lvl="4"/>
             <a:r>
-              <a:rPr lang="sk-SK" smtClean="0"/>
+              <a:rPr lang="sk-SK"/>
               <a:t>Piata úroveň</a:t>
             </a:r>
-            <a:endParaRPr lang="sk-SK"/>
           </a:p>
         </p:txBody>
       </p:sp>
@@ -3534,38 +3055,37 @@
           <a:p>
             <a:pPr lvl="0"/>
             <a:r>
-              <a:rPr lang="sk-SK" smtClean="0"/>
+              <a:rPr lang="sk-SK"/>
               <a:t>Upravte štýl predlohy textu.</a:t>
             </a:r>
           </a:p>
           <a:p>
             <a:pPr lvl="1"/>
             <a:r>
-              <a:rPr lang="sk-SK" smtClean="0"/>
+              <a:rPr lang="sk-SK"/>
               <a:t>Druhá úroveň</a:t>
             </a:r>
           </a:p>
           <a:p>
             <a:pPr lvl="2"/>
             <a:r>
-              <a:rPr lang="sk-SK" smtClean="0"/>
+              <a:rPr lang="sk-SK"/>
               <a:t>Tretia úroveň</a:t>
             </a:r>
           </a:p>
           <a:p>
             <a:pPr lvl="3"/>
             <a:r>
-              <a:rPr lang="sk-SK" smtClean="0"/>
+              <a:rPr lang="sk-SK"/>
               <a:t>Štvrtá úroveň</a:t>
             </a:r>
           </a:p>
           <a:p>
             <a:pPr lvl="4"/>
             <a:r>
-              <a:rPr lang="sk-SK" smtClean="0"/>
+              <a:rPr lang="sk-SK"/>
               <a:t>Piata úroveň</a:t>
             </a:r>
-            <a:endParaRPr lang="sk-SK"/>
           </a:p>
         </p:txBody>
       </p:sp>
@@ -3681,10 +3201,9 @@
           <a:lstStyle/>
           <a:p>
             <a:r>
-              <a:rPr lang="sk-SK" smtClean="0"/>
+              <a:rPr lang="sk-SK"/>
               <a:t>Upravte štýly predlohy textu</a:t>
             </a:r>
-            <a:endParaRPr lang="sk-SK"/>
           </a:p>
         </p:txBody>
       </p:sp>
@@ -3747,7 +3266,7 @@
           <a:p>
             <a:pPr lvl="0"/>
             <a:r>
-              <a:rPr lang="sk-SK" smtClean="0"/>
+              <a:rPr lang="sk-SK"/>
               <a:t>Upravte štýl predlohy textu.</a:t>
             </a:r>
           </a:p>
@@ -3775,38 +3294,37 @@
           <a:p>
             <a:pPr lvl="0"/>
             <a:r>
-              <a:rPr lang="sk-SK" smtClean="0"/>
+              <a:rPr lang="sk-SK"/>
               <a:t>Upravte štýl predlohy textu.</a:t>
             </a:r>
           </a:p>
           <a:p>
             <a:pPr lvl="1"/>
             <a:r>
-              <a:rPr lang="sk-SK" smtClean="0"/>
+              <a:rPr lang="sk-SK"/>
               <a:t>Druhá úroveň</a:t>
             </a:r>
           </a:p>
           <a:p>
             <a:pPr lvl="2"/>
             <a:r>
-              <a:rPr lang="sk-SK" smtClean="0"/>
+              <a:rPr lang="sk-SK"/>
               <a:t>Tretia úroveň</a:t>
             </a:r>
           </a:p>
           <a:p>
             <a:pPr lvl="3"/>
             <a:r>
-              <a:rPr lang="sk-SK" smtClean="0"/>
+              <a:rPr lang="sk-SK"/>
               <a:t>Štvrtá úroveň</a:t>
             </a:r>
           </a:p>
           <a:p>
             <a:pPr lvl="4"/>
             <a:r>
-              <a:rPr lang="sk-SK" smtClean="0"/>
+              <a:rPr lang="sk-SK"/>
               <a:t>Piata úroveň</a:t>
             </a:r>
-            <a:endParaRPr lang="sk-SK"/>
           </a:p>
         </p:txBody>
       </p:sp>
@@ -3869,7 +3387,7 @@
           <a:p>
             <a:pPr lvl="0"/>
             <a:r>
-              <a:rPr lang="sk-SK" smtClean="0"/>
+              <a:rPr lang="sk-SK"/>
               <a:t>Upravte štýl predlohy textu.</a:t>
             </a:r>
           </a:p>
@@ -3897,38 +3415,37 @@
           <a:p>
             <a:pPr lvl="0"/>
             <a:r>
-              <a:rPr lang="sk-SK" smtClean="0"/>
+              <a:rPr lang="sk-SK"/>
               <a:t>Upravte štýl predlohy textu.</a:t>
             </a:r>
           </a:p>
           <a:p>
             <a:pPr lvl="1"/>
             <a:r>
-              <a:rPr lang="sk-SK" smtClean="0"/>
+              <a:rPr lang="sk-SK"/>
               <a:t>Druhá úroveň</a:t>
             </a:r>
           </a:p>
           <a:p>
             <a:pPr lvl="2"/>
             <a:r>
-              <a:rPr lang="sk-SK" smtClean="0"/>
+              <a:rPr lang="sk-SK"/>
               <a:t>Tretia úroveň</a:t>
             </a:r>
           </a:p>
           <a:p>
             <a:pPr lvl="3"/>
             <a:r>
-              <a:rPr lang="sk-SK" smtClean="0"/>
+              <a:rPr lang="sk-SK"/>
               <a:t>Štvrtá úroveň</a:t>
             </a:r>
           </a:p>
           <a:p>
             <a:pPr lvl="4"/>
             <a:r>
-              <a:rPr lang="sk-SK" smtClean="0"/>
+              <a:rPr lang="sk-SK"/>
               <a:t>Piata úroveň</a:t>
             </a:r>
-            <a:endParaRPr lang="sk-SK"/>
           </a:p>
         </p:txBody>
       </p:sp>
@@ -4039,10 +3556,9 @@
           <a:lstStyle/>
           <a:p>
             <a:r>
-              <a:rPr lang="sk-SK" smtClean="0"/>
+              <a:rPr lang="sk-SK"/>
               <a:t>Upravte štýly predlohy textu</a:t>
             </a:r>
-            <a:endParaRPr lang="sk-SK"/>
           </a:p>
         </p:txBody>
       </p:sp>
@@ -4253,10 +3769,9 @@
           </a:lstStyle>
           <a:p>
             <a:r>
-              <a:rPr lang="sk-SK" smtClean="0"/>
+              <a:rPr lang="sk-SK"/>
               <a:t>Upravte štýly predlohy textu</a:t>
             </a:r>
-            <a:endParaRPr lang="sk-SK"/>
           </a:p>
         </p:txBody>
       </p:sp>
@@ -4310,38 +3825,37 @@
           <a:p>
             <a:pPr lvl="0"/>
             <a:r>
-              <a:rPr lang="sk-SK" smtClean="0"/>
+              <a:rPr lang="sk-SK"/>
               <a:t>Upravte štýl predlohy textu.</a:t>
             </a:r>
           </a:p>
           <a:p>
             <a:pPr lvl="1"/>
             <a:r>
-              <a:rPr lang="sk-SK" smtClean="0"/>
+              <a:rPr lang="sk-SK"/>
               <a:t>Druhá úroveň</a:t>
             </a:r>
           </a:p>
           <a:p>
             <a:pPr lvl="2"/>
             <a:r>
-              <a:rPr lang="sk-SK" smtClean="0"/>
+              <a:rPr lang="sk-SK"/>
               <a:t>Tretia úroveň</a:t>
             </a:r>
           </a:p>
           <a:p>
             <a:pPr lvl="3"/>
             <a:r>
-              <a:rPr lang="sk-SK" smtClean="0"/>
+              <a:rPr lang="sk-SK"/>
               <a:t>Štvrtá úroveň</a:t>
             </a:r>
           </a:p>
           <a:p>
             <a:pPr lvl="4"/>
             <a:r>
-              <a:rPr lang="sk-SK" smtClean="0"/>
+              <a:rPr lang="sk-SK"/>
               <a:t>Piata úroveň</a:t>
             </a:r>
-            <a:endParaRPr lang="sk-SK"/>
           </a:p>
         </p:txBody>
       </p:sp>
@@ -4404,7 +3918,7 @@
           <a:p>
             <a:pPr lvl="0"/>
             <a:r>
-              <a:rPr lang="sk-SK" smtClean="0"/>
+              <a:rPr lang="sk-SK"/>
               <a:t>Upravte štýl predlohy textu.</a:t>
             </a:r>
           </a:p>
@@ -4526,10 +4040,9 @@
           </a:lstStyle>
           <a:p>
             <a:r>
-              <a:rPr lang="sk-SK" smtClean="0"/>
+              <a:rPr lang="sk-SK"/>
               <a:t>Upravte štýly predlohy textu</a:t>
             </a:r>
-            <a:endParaRPr lang="sk-SK"/>
           </a:p>
         </p:txBody>
       </p:sp>
@@ -4653,7 +4166,7 @@
           <a:p>
             <a:pPr lvl="0"/>
             <a:r>
-              <a:rPr lang="sk-SK" smtClean="0"/>
+              <a:rPr lang="sk-SK"/>
               <a:t>Upravte štýl predlohy textu.</a:t>
             </a:r>
           </a:p>
@@ -4799,10 +4312,9 @@
           <a:lstStyle/>
           <a:p>
             <a:r>
-              <a:rPr lang="sk-SK" smtClean="0"/>
+              <a:rPr lang="sk-SK"/>
               <a:t>Upravte štýly predlohy textu</a:t>
             </a:r>
-            <a:endParaRPr lang="sk-SK"/>
           </a:p>
         </p:txBody>
       </p:sp>
@@ -4833,38 +4345,37 @@
           <a:p>
             <a:pPr lvl="0"/>
             <a:r>
-              <a:rPr lang="sk-SK" smtClean="0"/>
+              <a:rPr lang="sk-SK"/>
               <a:t>Upravte štýl predlohy textu.</a:t>
             </a:r>
           </a:p>
           <a:p>
             <a:pPr lvl="1"/>
             <a:r>
-              <a:rPr lang="sk-SK" smtClean="0"/>
+              <a:rPr lang="sk-SK"/>
               <a:t>Druhá úroveň</a:t>
             </a:r>
           </a:p>
           <a:p>
             <a:pPr lvl="2"/>
             <a:r>
-              <a:rPr lang="sk-SK" smtClean="0"/>
+              <a:rPr lang="sk-SK"/>
               <a:t>Tretia úroveň</a:t>
             </a:r>
           </a:p>
           <a:p>
             <a:pPr lvl="3"/>
             <a:r>
-              <a:rPr lang="sk-SK" smtClean="0"/>
+              <a:rPr lang="sk-SK"/>
               <a:t>Štvrtá úroveň</a:t>
             </a:r>
           </a:p>
           <a:p>
             <a:pPr lvl="4"/>
             <a:r>
-              <a:rPr lang="sk-SK" smtClean="0"/>
+              <a:rPr lang="sk-SK"/>
               <a:t>Piata úroveň</a:t>
             </a:r>
-            <a:endParaRPr lang="sk-SK"/>
           </a:p>
         </p:txBody>
       </p:sp>
@@ -5347,7 +4858,7 @@
               <a:buChar char="•"/>
             </a:pPr>
             <a:r>
-              <a:rPr lang="en-US" sz="1200" dirty="0" smtClean="0">
+              <a:rPr lang="en-US" sz="1200" dirty="0">
                 <a:solidFill>
                   <a:schemeClr val="tx1">
                     <a:lumMod val="65000"/>
@@ -5358,7 +4869,7 @@
               <a:t>Pro</a:t>
             </a:r>
             <a:r>
-              <a:rPr lang="sk-SK" sz="1200" dirty="0" err="1" smtClean="0">
+              <a:rPr lang="sk-SK" sz="1200" dirty="0" err="1">
                 <a:solidFill>
                   <a:schemeClr val="tx1">
                     <a:lumMod val="65000"/>
@@ -5369,7 +4880,7 @@
               <a:t>gramovací</a:t>
             </a:r>
             <a:r>
-              <a:rPr lang="sk-SK" sz="1200" dirty="0" smtClean="0">
+              <a:rPr lang="sk-SK" sz="1200" dirty="0">
                 <a:solidFill>
                   <a:schemeClr val="tx1">
                     <a:lumMod val="65000"/>
@@ -5396,7 +4907,7 @@
               <a:buChar char="•"/>
             </a:pPr>
             <a:r>
-              <a:rPr lang="sk-SK" sz="1200" dirty="0" smtClean="0">
+              <a:rPr lang="sk-SK" sz="1200" dirty="0">
                 <a:solidFill>
                   <a:schemeClr val="tx1">
                     <a:lumMod val="65000"/>
@@ -5423,7 +4934,7 @@
               <a:buChar char="•"/>
             </a:pPr>
             <a:r>
-              <a:rPr lang="sk-SK" sz="1200" dirty="0" smtClean="0">
+              <a:rPr lang="sk-SK" sz="1200" dirty="0">
                 <a:solidFill>
                   <a:schemeClr val="tx1">
                     <a:lumMod val="65000"/>
@@ -5434,7 +4945,7 @@
               <a:t>V dobe kedy jazyk Java vznikal dominoval jazyk C++. Ale časom narástli </a:t>
             </a:r>
             <a:r>
-              <a:rPr lang="sk-SK" sz="1200" dirty="0" err="1" smtClean="0">
+              <a:rPr lang="sk-SK" sz="1200" dirty="0" err="1">
                 <a:solidFill>
                   <a:schemeClr val="tx1">
                     <a:lumMod val="65000"/>
@@ -5445,7 +4956,7 @@
               <a:t>potiaže</a:t>
             </a:r>
             <a:r>
-              <a:rPr lang="sk-SK" sz="1200" dirty="0" smtClean="0">
+              <a:rPr lang="sk-SK" sz="1200" dirty="0">
                 <a:solidFill>
                   <a:schemeClr val="tx1">
                     <a:lumMod val="65000"/>
@@ -5472,7 +4983,7 @@
               <a:buChar char="•"/>
             </a:pPr>
             <a:r>
-              <a:rPr lang="sk-SK" sz="1200" dirty="0" smtClean="0">
+              <a:rPr lang="sk-SK" sz="1200" dirty="0">
                 <a:solidFill>
                   <a:schemeClr val="tx1">
                     <a:lumMod val="65000"/>
@@ -5483,7 +4994,7 @@
               <a:t>Dizajn a architektúra jazyka Java ťažila z mnohých iných jazykov ako Eiffel, </a:t>
             </a:r>
             <a:r>
-              <a:rPr lang="sk-SK" sz="1200" dirty="0" err="1" smtClean="0">
+              <a:rPr lang="sk-SK" sz="1200" dirty="0" err="1">
                 <a:solidFill>
                   <a:schemeClr val="tx1">
                     <a:lumMod val="65000"/>
@@ -5494,7 +5005,7 @@
               <a:t>SmallTalk</a:t>
             </a:r>
             <a:r>
-              <a:rPr lang="sk-SK" sz="1200" dirty="0" smtClean="0">
+              <a:rPr lang="sk-SK" sz="1200" dirty="0">
                 <a:solidFill>
                   <a:schemeClr val="tx1">
                     <a:lumMod val="65000"/>
@@ -5505,7 +5016,7 @@
               <a:t>, </a:t>
             </a:r>
             <a:r>
-              <a:rPr lang="sk-SK" sz="1200" dirty="0" err="1" smtClean="0">
+              <a:rPr lang="sk-SK" sz="1200" dirty="0" err="1">
                 <a:solidFill>
                   <a:schemeClr val="tx1">
                     <a:lumMod val="65000"/>
@@ -5516,7 +5027,7 @@
               <a:t>Objective</a:t>
             </a:r>
             <a:r>
-              <a:rPr lang="sk-SK" sz="1200" dirty="0" smtClean="0">
+              <a:rPr lang="sk-SK" sz="1200" dirty="0">
                 <a:solidFill>
                   <a:schemeClr val="tx1">
                     <a:lumMod val="65000"/>
@@ -5527,7 +5038,7 @@
               <a:t> C, </a:t>
             </a:r>
             <a:r>
-              <a:rPr lang="sk-SK" sz="1200" dirty="0" err="1" smtClean="0">
+              <a:rPr lang="sk-SK" sz="1200" dirty="0" err="1">
                 <a:solidFill>
                   <a:schemeClr val="tx1">
                     <a:lumMod val="65000"/>
@@ -5538,7 +5049,7 @@
               <a:t>Cedar</a:t>
             </a:r>
             <a:r>
-              <a:rPr lang="sk-SK" sz="1200" dirty="0" smtClean="0">
+              <a:rPr lang="sk-SK" sz="1200" dirty="0">
                 <a:solidFill>
                   <a:schemeClr val="tx1">
                     <a:lumMod val="65000"/>
@@ -5549,7 +5060,7 @@
               <a:t>/</a:t>
             </a:r>
             <a:r>
-              <a:rPr lang="sk-SK" sz="1200" dirty="0" err="1" smtClean="0">
+              <a:rPr lang="sk-SK" sz="1200" dirty="0" err="1">
                 <a:solidFill>
                   <a:schemeClr val="tx1">
                     <a:lumMod val="65000"/>
@@ -5560,7 +5071,7 @@
               <a:t>Mesa</a:t>
             </a:r>
             <a:r>
-              <a:rPr lang="sk-SK" sz="1200" dirty="0" smtClean="0">
+              <a:rPr lang="sk-SK" sz="1200" dirty="0">
                 <a:solidFill>
                   <a:schemeClr val="tx1">
                     <a:lumMod val="65000"/>
@@ -5587,7 +5098,7 @@
               <a:buChar char="•"/>
             </a:pPr>
             <a:r>
-              <a:rPr lang="sk-SK" sz="1200" dirty="0" smtClean="0">
+              <a:rPr lang="sk-SK" sz="1200" dirty="0">
                 <a:solidFill>
                   <a:schemeClr val="tx1">
                     <a:lumMod val="65000"/>
@@ -5690,7 +5201,7 @@
               <a:buNone/>
             </a:pPr>
             <a:r>
-              <a:rPr lang="en-US" sz="2400" b="1" dirty="0" smtClean="0">
+              <a:rPr lang="en-US" sz="2400" b="1" dirty="0">
                 <a:solidFill>
                   <a:schemeClr val="tx1">
                     <a:lumMod val="65000"/>
@@ -5719,17 +5230,1683 @@
   <p:transition spd="slow">
     <p:cut/>
   </p:transition>
-  <p:timing>
-    <p:tnLst>
-      <p:par>
-        <p:cTn id="1" dur="indefinite" restart="never" nodeType="tmRoot"/>
-      </p:par>
-    </p:tnLst>
-  </p:timing>
 </p:sld>
 </file>
 
 <file path=ppt/slides/slide10.xml><?xml version="1.0" encoding="utf-8"?>
+<p:sld xmlns:a="http://schemas.openxmlformats.org/drawingml/2006/main" xmlns:r="http://schemas.openxmlformats.org/officeDocument/2006/relationships" xmlns:p="http://schemas.openxmlformats.org/presentationml/2006/main">
+  <p:cSld>
+    <p:spTree>
+      <p:nvGrpSpPr>
+        <p:cNvPr id="1" name="Shape 49"/>
+        <p:cNvGrpSpPr/>
+        <p:nvPr/>
+      </p:nvGrpSpPr>
+      <p:grpSpPr>
+        <a:xfrm>
+          <a:off x="0" y="0"/>
+          <a:ext cx="0" cy="0"/>
+          <a:chOff x="0" y="0"/>
+          <a:chExt cx="0" cy="0"/>
+        </a:xfrm>
+      </p:grpSpPr>
+      <p:sp>
+        <p:nvSpPr>
+          <p:cNvPr id="51" name="Shape 51"/>
+          <p:cNvSpPr txBox="1"/>
+          <p:nvPr/>
+        </p:nvSpPr>
+        <p:spPr>
+          <a:xfrm>
+            <a:off x="203930" y="861773"/>
+            <a:ext cx="8795344" cy="4179334"/>
+          </a:xfrm>
+          <a:prstGeom prst="rect">
+            <a:avLst/>
+          </a:prstGeom>
+          <a:noFill/>
+          <a:ln>
+            <a:noFill/>
+          </a:ln>
+        </p:spPr>
+        <p:txBody>
+          <a:bodyPr lIns="91425" tIns="91425" rIns="91425" bIns="91425" anchor="t" anchorCtr="0">
+            <a:noAutofit/>
+          </a:bodyPr>
+          <a:lstStyle/>
+          <a:p>
+            <a:pPr lvl="0">
+              <a:lnSpc>
+                <a:spcPct val="115000"/>
+              </a:lnSpc>
+              <a:buClr>
+                <a:schemeClr val="dk1"/>
+              </a:buClr>
+              <a:buSzPct val="45833"/>
+            </a:pPr>
+            <a:r>
+              <a:rPr lang="sk" sz="2400" b="1" dirty="0">
+                <a:solidFill>
+                  <a:schemeClr val="tx1">
+                    <a:lumMod val="65000"/>
+                    <a:lumOff val="35000"/>
+                  </a:schemeClr>
+                </a:solidFill>
+              </a:rPr>
+              <a:t>Java Desktop Aplikácie (cca </a:t>
+            </a:r>
+            <a:r>
+              <a:rPr lang="en-US" sz="2400" b="1" dirty="0">
+                <a:solidFill>
+                  <a:schemeClr val="tx1">
+                    <a:lumMod val="65000"/>
+                    <a:lumOff val="35000"/>
+                  </a:schemeClr>
+                </a:solidFill>
+              </a:rPr>
+              <a:t>1</a:t>
+            </a:r>
+            <a:r>
+              <a:rPr lang="sk" sz="2400" b="1" dirty="0">
+                <a:solidFill>
+                  <a:schemeClr val="tx1">
+                    <a:lumMod val="65000"/>
+                    <a:lumOff val="35000"/>
+                  </a:schemeClr>
+                </a:solidFill>
+              </a:rPr>
+              <a:t>%)</a:t>
+            </a:r>
+          </a:p>
+          <a:p>
+            <a:pPr marL="457200" lvl="0" indent="-342900" algn="l" rtl="0">
+              <a:lnSpc>
+                <a:spcPct val="115000"/>
+              </a:lnSpc>
+              <a:spcBef>
+                <a:spcPts val="1000"/>
+              </a:spcBef>
+              <a:buClr>
+                <a:srgbClr val="666666"/>
+              </a:buClr>
+              <a:buSzPct val="100000"/>
+              <a:buFont typeface="Arial" panose="020B0604020202020204" pitchFamily="34" charset="0"/>
+              <a:buChar char="•"/>
+            </a:pPr>
+            <a:r>
+              <a:rPr lang="sk" sz="1800" dirty="0">
+                <a:solidFill>
+                  <a:schemeClr val="tx1">
+                    <a:lumMod val="65000"/>
+                    <a:lumOff val="35000"/>
+                  </a:schemeClr>
+                </a:solidFill>
+              </a:rPr>
+              <a:t>desktop aplikácia ~ tučný klient, thick client</a:t>
+            </a:r>
+          </a:p>
+          <a:p>
+            <a:pPr marL="457200" lvl="0" indent="-342900" algn="l" rtl="0">
+              <a:lnSpc>
+                <a:spcPct val="115000"/>
+              </a:lnSpc>
+              <a:spcBef>
+                <a:spcPts val="1000"/>
+              </a:spcBef>
+              <a:buClr>
+                <a:srgbClr val="666666"/>
+              </a:buClr>
+              <a:buSzPct val="100000"/>
+              <a:buFont typeface="Arial" panose="020B0604020202020204" pitchFamily="34" charset="0"/>
+              <a:buChar char="•"/>
+            </a:pPr>
+            <a:r>
+              <a:rPr lang="sk" sz="1800" dirty="0">
+                <a:solidFill>
+                  <a:schemeClr val="tx1">
+                    <a:lumMod val="65000"/>
+                    <a:lumOff val="35000"/>
+                  </a:schemeClr>
+                </a:solidFill>
+              </a:rPr>
+              <a:t>thick client ~ bežné windows aplikácie, príklad: program Eclipse</a:t>
+            </a:r>
+            <a:r>
+              <a:rPr lang="en-US" sz="1800" dirty="0">
+                <a:solidFill>
+                  <a:schemeClr val="tx1">
+                    <a:lumMod val="65000"/>
+                    <a:lumOff val="35000"/>
+                  </a:schemeClr>
+                </a:solidFill>
+              </a:rPr>
+              <a:t> nap</a:t>
+            </a:r>
+            <a:r>
+              <a:rPr lang="sk-SK" sz="1800" dirty="0" err="1">
+                <a:solidFill>
+                  <a:schemeClr val="tx1">
+                    <a:lumMod val="65000"/>
+                    <a:lumOff val="35000"/>
+                  </a:schemeClr>
+                </a:solidFill>
+              </a:rPr>
+              <a:t>ísaný</a:t>
+            </a:r>
+            <a:r>
+              <a:rPr lang="sk-SK" sz="1800" dirty="0">
+                <a:solidFill>
+                  <a:schemeClr val="tx1">
+                    <a:lumMod val="65000"/>
+                    <a:lumOff val="35000"/>
+                  </a:schemeClr>
+                </a:solidFill>
+              </a:rPr>
+              <a:t> v Java</a:t>
+            </a:r>
+          </a:p>
+          <a:p>
+            <a:pPr marL="457200" lvl="0" indent="-342900" algn="l" rtl="0">
+              <a:lnSpc>
+                <a:spcPct val="115000"/>
+              </a:lnSpc>
+              <a:spcBef>
+                <a:spcPts val="1000"/>
+              </a:spcBef>
+              <a:buClr>
+                <a:srgbClr val="666666"/>
+              </a:buClr>
+              <a:buSzPct val="100000"/>
+              <a:buFont typeface="Arial" panose="020B0604020202020204" pitchFamily="34" charset="0"/>
+              <a:buChar char="•"/>
+            </a:pPr>
+            <a:r>
+              <a:rPr lang="sk" sz="1800" dirty="0">
+                <a:solidFill>
+                  <a:schemeClr val="tx1">
+                    <a:lumMod val="65000"/>
+                    <a:lumOff val="35000"/>
+                  </a:schemeClr>
+                </a:solidFill>
+              </a:rPr>
+              <a:t>kód sa vykonáva v počítači užívateľa</a:t>
+            </a:r>
+          </a:p>
+          <a:p>
+            <a:pPr marL="457200" lvl="0" indent="-342900" algn="l" rtl="0">
+              <a:lnSpc>
+                <a:spcPct val="115000"/>
+              </a:lnSpc>
+              <a:spcBef>
+                <a:spcPts val="1000"/>
+              </a:spcBef>
+              <a:buClr>
+                <a:srgbClr val="666666"/>
+              </a:buClr>
+              <a:buSzPct val="100000"/>
+              <a:buFont typeface="Arial" panose="020B0604020202020204" pitchFamily="34" charset="0"/>
+              <a:buChar char="•"/>
+            </a:pPr>
+            <a:r>
+              <a:rPr lang="sk" sz="1800" dirty="0">
+                <a:solidFill>
+                  <a:schemeClr val="tx1">
+                    <a:lumMod val="65000"/>
+                    <a:lumOff val="35000"/>
+                  </a:schemeClr>
+                </a:solidFill>
+              </a:rPr>
+              <a:t>užívateľ musí mať nainštalované JRE - Java Runtime Environment</a:t>
+            </a:r>
+          </a:p>
+          <a:p>
+            <a:pPr lvl="0" rtl="0">
+              <a:lnSpc>
+                <a:spcPct val="115000"/>
+              </a:lnSpc>
+              <a:spcBef>
+                <a:spcPts val="0"/>
+              </a:spcBef>
+              <a:buClr>
+                <a:schemeClr val="dk1"/>
+              </a:buClr>
+              <a:buFont typeface="Arial"/>
+              <a:buNone/>
+            </a:pPr>
+            <a:endParaRPr sz="2400" dirty="0">
+              <a:solidFill>
+                <a:schemeClr val="tx1">
+                  <a:lumMod val="65000"/>
+                  <a:lumOff val="35000"/>
+                </a:schemeClr>
+              </a:solidFill>
+            </a:endParaRPr>
+          </a:p>
+          <a:p>
+            <a:pPr lvl="0" rtl="0">
+              <a:lnSpc>
+                <a:spcPct val="115000"/>
+              </a:lnSpc>
+              <a:spcBef>
+                <a:spcPts val="0"/>
+              </a:spcBef>
+              <a:buClr>
+                <a:schemeClr val="dk1"/>
+              </a:buClr>
+              <a:buFont typeface="Arial"/>
+              <a:buNone/>
+            </a:pPr>
+            <a:endParaRPr sz="2400" b="1" dirty="0">
+              <a:solidFill>
+                <a:schemeClr val="tx1">
+                  <a:lumMod val="65000"/>
+                  <a:lumOff val="35000"/>
+                </a:schemeClr>
+              </a:solidFill>
+            </a:endParaRPr>
+          </a:p>
+          <a:p>
+            <a:pPr lvl="0" rtl="0">
+              <a:lnSpc>
+                <a:spcPct val="115000"/>
+              </a:lnSpc>
+              <a:spcBef>
+                <a:spcPts val="0"/>
+              </a:spcBef>
+              <a:buNone/>
+            </a:pPr>
+            <a:endParaRPr sz="2400" dirty="0">
+              <a:solidFill>
+                <a:schemeClr val="tx1">
+                  <a:lumMod val="65000"/>
+                  <a:lumOff val="35000"/>
+                </a:schemeClr>
+              </a:solidFill>
+            </a:endParaRPr>
+          </a:p>
+        </p:txBody>
+      </p:sp>
+      <p:sp>
+        <p:nvSpPr>
+          <p:cNvPr id="5" name="Zástupný symbol čísla snímky 4"/>
+          <p:cNvSpPr>
+            <a:spLocks noGrp="1"/>
+          </p:cNvSpPr>
+          <p:nvPr>
+            <p:ph type="sldNum" sz="quarter" idx="12"/>
+          </p:nvPr>
+        </p:nvSpPr>
+        <p:spPr/>
+        <p:txBody>
+          <a:bodyPr/>
+          <a:lstStyle/>
+          <a:p>
+            <a:fld id="{7497AAFE-E2E9-4BD8-8F5D-0DCF3CAF0ED9}" type="slidenum">
+              <a:rPr lang="sk-SK" smtClean="0"/>
+              <a:t>10</a:t>
+            </a:fld>
+            <a:endParaRPr lang="sk-SK"/>
+          </a:p>
+        </p:txBody>
+      </p:sp>
+      <p:sp>
+        <p:nvSpPr>
+          <p:cNvPr id="7" name="Shape 45"/>
+          <p:cNvSpPr txBox="1"/>
+          <p:nvPr/>
+        </p:nvSpPr>
+        <p:spPr>
+          <a:xfrm>
+            <a:off x="3237557" y="333455"/>
+            <a:ext cx="2465931" cy="528318"/>
+          </a:xfrm>
+          <a:prstGeom prst="rect">
+            <a:avLst/>
+          </a:prstGeom>
+          <a:noFill/>
+          <a:ln>
+            <a:noFill/>
+          </a:ln>
+        </p:spPr>
+        <p:txBody>
+          <a:bodyPr lIns="91425" tIns="91425" rIns="91425" bIns="91425" anchor="t" anchorCtr="0">
+            <a:noAutofit/>
+          </a:bodyPr>
+          <a:lstStyle/>
+          <a:p>
+            <a:pPr lvl="0" rtl="0">
+              <a:spcBef>
+                <a:spcPts val="0"/>
+              </a:spcBef>
+              <a:buClr>
+                <a:schemeClr val="dk1"/>
+              </a:buClr>
+              <a:buSzPct val="45833"/>
+              <a:buFont typeface="Arial"/>
+              <a:buNone/>
+            </a:pPr>
+            <a:r>
+              <a:rPr lang="sk-SK" sz="2400" b="1" dirty="0">
+                <a:solidFill>
+                  <a:schemeClr val="tx1">
+                    <a:lumMod val="65000"/>
+                    <a:lumOff val="35000"/>
+                  </a:schemeClr>
+                </a:solidFill>
+              </a:rPr>
+              <a:t>VYUŽITIE JAVY</a:t>
+            </a:r>
+            <a:endParaRPr sz="2400" b="1" dirty="0">
+              <a:solidFill>
+                <a:schemeClr val="tx1">
+                  <a:lumMod val="65000"/>
+                  <a:lumOff val="35000"/>
+                </a:schemeClr>
+              </a:solidFill>
+            </a:endParaRPr>
+          </a:p>
+        </p:txBody>
+      </p:sp>
+    </p:spTree>
+    <p:extLst>
+      <p:ext uri="{BB962C8B-B14F-4D97-AF65-F5344CB8AC3E}">
+        <p14:creationId xmlns:p14="http://schemas.microsoft.com/office/powerpoint/2010/main" val="362667335"/>
+      </p:ext>
+    </p:extLst>
+  </p:cSld>
+  <p:clrMapOvr>
+    <a:masterClrMapping/>
+  </p:clrMapOvr>
+  <p:transition spd="slow">
+    <p:cut/>
+  </p:transition>
+</p:sld>
+</file>
+
+<file path=ppt/slides/slide11.xml><?xml version="1.0" encoding="utf-8"?>
+<p:sld xmlns:a="http://schemas.openxmlformats.org/drawingml/2006/main" xmlns:r="http://schemas.openxmlformats.org/officeDocument/2006/relationships" xmlns:p="http://schemas.openxmlformats.org/presentationml/2006/main">
+  <p:cSld>
+    <p:spTree>
+      <p:nvGrpSpPr>
+        <p:cNvPr id="1" name="Shape 49"/>
+        <p:cNvGrpSpPr/>
+        <p:nvPr/>
+      </p:nvGrpSpPr>
+      <p:grpSpPr>
+        <a:xfrm>
+          <a:off x="0" y="0"/>
+          <a:ext cx="0" cy="0"/>
+          <a:chOff x="0" y="0"/>
+          <a:chExt cx="0" cy="0"/>
+        </a:xfrm>
+      </p:grpSpPr>
+      <p:sp>
+        <p:nvSpPr>
+          <p:cNvPr id="51" name="Shape 51"/>
+          <p:cNvSpPr txBox="1"/>
+          <p:nvPr/>
+        </p:nvSpPr>
+        <p:spPr>
+          <a:xfrm>
+            <a:off x="203930" y="861773"/>
+            <a:ext cx="8795344" cy="4179334"/>
+          </a:xfrm>
+          <a:prstGeom prst="rect">
+            <a:avLst/>
+          </a:prstGeom>
+          <a:noFill/>
+          <a:ln>
+            <a:noFill/>
+          </a:ln>
+        </p:spPr>
+        <p:txBody>
+          <a:bodyPr lIns="91425" tIns="91425" rIns="91425" bIns="91425" anchor="t" anchorCtr="0">
+            <a:noAutofit/>
+          </a:bodyPr>
+          <a:lstStyle/>
+          <a:p>
+            <a:pPr lvl="0" algn="l" rtl="0">
+              <a:lnSpc>
+                <a:spcPct val="115000"/>
+              </a:lnSpc>
+              <a:spcBef>
+                <a:spcPts val="0"/>
+              </a:spcBef>
+              <a:buClr>
+                <a:schemeClr val="dk1"/>
+              </a:buClr>
+              <a:buSzPct val="45833"/>
+              <a:buFont typeface="Arial"/>
+              <a:buNone/>
+            </a:pPr>
+            <a:r>
+              <a:rPr lang="sk" sz="2400" b="1" dirty="0">
+                <a:solidFill>
+                  <a:schemeClr val="tx1">
+                    <a:lumMod val="65000"/>
+                    <a:lumOff val="35000"/>
+                  </a:schemeClr>
+                </a:solidFill>
+              </a:rPr>
+              <a:t>Java Server Aplikácie (cca </a:t>
+            </a:r>
+            <a:r>
+              <a:rPr lang="en-US" sz="2400" b="1" dirty="0">
+                <a:solidFill>
+                  <a:schemeClr val="tx1">
+                    <a:lumMod val="65000"/>
+                    <a:lumOff val="35000"/>
+                  </a:schemeClr>
+                </a:solidFill>
+              </a:rPr>
+              <a:t>99</a:t>
+            </a:r>
+            <a:r>
+              <a:rPr lang="sk" sz="2400" b="1" dirty="0">
+                <a:solidFill>
+                  <a:schemeClr val="tx1">
+                    <a:lumMod val="65000"/>
+                    <a:lumOff val="35000"/>
+                  </a:schemeClr>
+                </a:solidFill>
+              </a:rPr>
+              <a:t>%)</a:t>
+            </a:r>
+          </a:p>
+          <a:p>
+            <a:pPr marL="457200" lvl="0" indent="-342900" algn="l" rtl="0">
+              <a:lnSpc>
+                <a:spcPct val="115000"/>
+              </a:lnSpc>
+              <a:spcBef>
+                <a:spcPts val="1000"/>
+              </a:spcBef>
+              <a:buClr>
+                <a:srgbClr val="666666"/>
+              </a:buClr>
+              <a:buSzPct val="100000"/>
+              <a:buFont typeface="Arial" panose="020B0604020202020204" pitchFamily="34" charset="0"/>
+              <a:buChar char="•"/>
+            </a:pPr>
+            <a:r>
+              <a:rPr lang="sk" sz="1800" dirty="0">
+                <a:solidFill>
+                  <a:schemeClr val="tx1">
+                    <a:lumMod val="65000"/>
+                    <a:lumOff val="35000"/>
+                  </a:schemeClr>
+                </a:solidFill>
+              </a:rPr>
+              <a:t>java program sa vykonáva na serveri</a:t>
+            </a:r>
+          </a:p>
+          <a:p>
+            <a:pPr marL="457200" lvl="0" indent="-342900" algn="l" rtl="0">
+              <a:lnSpc>
+                <a:spcPct val="115000"/>
+              </a:lnSpc>
+              <a:spcBef>
+                <a:spcPts val="1000"/>
+              </a:spcBef>
+              <a:buClr>
+                <a:srgbClr val="666666"/>
+              </a:buClr>
+              <a:buSzPct val="100000"/>
+              <a:buFont typeface="Arial" panose="020B0604020202020204" pitchFamily="34" charset="0"/>
+              <a:buChar char="•"/>
+            </a:pPr>
+            <a:r>
+              <a:rPr lang="sk" sz="1800" dirty="0">
+                <a:solidFill>
+                  <a:schemeClr val="tx1">
+                    <a:lumMod val="65000"/>
+                    <a:lumOff val="35000"/>
+                  </a:schemeClr>
+                </a:solidFill>
+              </a:rPr>
+              <a:t>užívateľ na program pristupuje cez webový cez tenkého clienta, thin client</a:t>
+            </a:r>
+          </a:p>
+          <a:p>
+            <a:pPr marL="457200" lvl="0" indent="-342900" algn="l" rtl="0">
+              <a:lnSpc>
+                <a:spcPct val="115000"/>
+              </a:lnSpc>
+              <a:spcBef>
+                <a:spcPts val="1000"/>
+              </a:spcBef>
+              <a:buClr>
+                <a:srgbClr val="666666"/>
+              </a:buClr>
+              <a:buSzPct val="100000"/>
+              <a:buFont typeface="Arial" panose="020B0604020202020204" pitchFamily="34" charset="0"/>
+              <a:buChar char="•"/>
+            </a:pPr>
+            <a:r>
+              <a:rPr lang="sk" sz="1800" dirty="0">
+                <a:solidFill>
+                  <a:schemeClr val="tx1">
+                    <a:lumMod val="65000"/>
+                    <a:lumOff val="35000"/>
+                  </a:schemeClr>
+                </a:solidFill>
+              </a:rPr>
+              <a:t>thin client ~ odľahčená desktop aplikácia alebo webbrowser</a:t>
+            </a:r>
+          </a:p>
+          <a:p>
+            <a:pPr marL="457200" lvl="0" indent="-342900" algn="l" rtl="0">
+              <a:lnSpc>
+                <a:spcPct val="115000"/>
+              </a:lnSpc>
+              <a:spcBef>
+                <a:spcPts val="1000"/>
+              </a:spcBef>
+              <a:buClr>
+                <a:srgbClr val="666666"/>
+              </a:buClr>
+              <a:buSzPct val="100000"/>
+              <a:buFont typeface="Arial" panose="020B0604020202020204" pitchFamily="34" charset="0"/>
+              <a:buChar char="•"/>
+            </a:pPr>
+            <a:r>
+              <a:rPr lang="sk" sz="1800" dirty="0">
+                <a:solidFill>
+                  <a:schemeClr val="tx1">
+                    <a:lumMod val="65000"/>
+                    <a:lumOff val="35000"/>
+                  </a:schemeClr>
+                </a:solidFill>
+              </a:rPr>
+              <a:t>z tenkého klienta sa odosielajú príkazy, požiadavky (requesty) a zobrazuje výsledky</a:t>
+            </a:r>
+          </a:p>
+          <a:p>
+            <a:pPr marL="457200" lvl="0" indent="-342900" algn="l" rtl="0">
+              <a:lnSpc>
+                <a:spcPct val="115000"/>
+              </a:lnSpc>
+              <a:spcBef>
+                <a:spcPts val="1000"/>
+              </a:spcBef>
+              <a:buClr>
+                <a:srgbClr val="666666"/>
+              </a:buClr>
+              <a:buSzPct val="100000"/>
+              <a:buFont typeface="Arial" panose="020B0604020202020204" pitchFamily="34" charset="0"/>
+              <a:buChar char="•"/>
+            </a:pPr>
+            <a:r>
+              <a:rPr lang="sk" sz="1800" dirty="0">
+                <a:solidFill>
+                  <a:schemeClr val="tx1">
+                    <a:lumMod val="65000"/>
+                    <a:lumOff val="35000"/>
+                  </a:schemeClr>
+                </a:solidFill>
+              </a:rPr>
+              <a:t>java program na serveri sa stará o výpočty, spracovanie údajov a odoslanie výsledku späť na klienta</a:t>
+            </a:r>
+          </a:p>
+          <a:p>
+            <a:pPr marL="457200" lvl="0" indent="-342900" algn="l" rtl="0">
+              <a:lnSpc>
+                <a:spcPct val="115000"/>
+              </a:lnSpc>
+              <a:spcBef>
+                <a:spcPts val="1000"/>
+              </a:spcBef>
+              <a:buClr>
+                <a:srgbClr val="666666"/>
+              </a:buClr>
+              <a:buSzPct val="100000"/>
+              <a:buFont typeface="Arial" panose="020B0604020202020204" pitchFamily="34" charset="0"/>
+              <a:buChar char="•"/>
+            </a:pPr>
+            <a:r>
+              <a:rPr lang="sk" sz="1800" dirty="0">
+                <a:solidFill>
+                  <a:schemeClr val="tx1">
+                    <a:lumMod val="65000"/>
+                    <a:lumOff val="35000"/>
+                  </a:schemeClr>
+                </a:solidFill>
+              </a:rPr>
+              <a:t>výsledok (response) je obyčajne vygenerovaná webstránka odoslaná do klientského prehliadača</a:t>
+            </a:r>
+          </a:p>
+          <a:p>
+            <a:pPr lvl="0" rtl="0">
+              <a:lnSpc>
+                <a:spcPct val="115000"/>
+              </a:lnSpc>
+              <a:spcBef>
+                <a:spcPts val="0"/>
+              </a:spcBef>
+              <a:buClr>
+                <a:schemeClr val="dk1"/>
+              </a:buClr>
+              <a:buFont typeface="Arial"/>
+              <a:buNone/>
+            </a:pPr>
+            <a:endParaRPr sz="2400" dirty="0">
+              <a:solidFill>
+                <a:schemeClr val="tx1">
+                  <a:lumMod val="65000"/>
+                  <a:lumOff val="35000"/>
+                </a:schemeClr>
+              </a:solidFill>
+            </a:endParaRPr>
+          </a:p>
+          <a:p>
+            <a:pPr lvl="0" rtl="0">
+              <a:lnSpc>
+                <a:spcPct val="115000"/>
+              </a:lnSpc>
+              <a:spcBef>
+                <a:spcPts val="0"/>
+              </a:spcBef>
+              <a:buClr>
+                <a:schemeClr val="dk1"/>
+              </a:buClr>
+              <a:buFont typeface="Arial"/>
+              <a:buNone/>
+            </a:pPr>
+            <a:endParaRPr sz="2400" b="1" dirty="0">
+              <a:solidFill>
+                <a:schemeClr val="tx1">
+                  <a:lumMod val="65000"/>
+                  <a:lumOff val="35000"/>
+                </a:schemeClr>
+              </a:solidFill>
+            </a:endParaRPr>
+          </a:p>
+          <a:p>
+            <a:pPr lvl="0" rtl="0">
+              <a:lnSpc>
+                <a:spcPct val="115000"/>
+              </a:lnSpc>
+              <a:spcBef>
+                <a:spcPts val="0"/>
+              </a:spcBef>
+              <a:buNone/>
+            </a:pPr>
+            <a:endParaRPr sz="2400" dirty="0">
+              <a:solidFill>
+                <a:schemeClr val="tx1">
+                  <a:lumMod val="65000"/>
+                  <a:lumOff val="35000"/>
+                </a:schemeClr>
+              </a:solidFill>
+            </a:endParaRPr>
+          </a:p>
+        </p:txBody>
+      </p:sp>
+      <p:sp>
+        <p:nvSpPr>
+          <p:cNvPr id="5" name="Zástupný symbol čísla snímky 4"/>
+          <p:cNvSpPr>
+            <a:spLocks noGrp="1"/>
+          </p:cNvSpPr>
+          <p:nvPr>
+            <p:ph type="sldNum" sz="quarter" idx="12"/>
+          </p:nvPr>
+        </p:nvSpPr>
+        <p:spPr/>
+        <p:txBody>
+          <a:bodyPr/>
+          <a:lstStyle/>
+          <a:p>
+            <a:fld id="{7497AAFE-E2E9-4BD8-8F5D-0DCF3CAF0ED9}" type="slidenum">
+              <a:rPr lang="sk-SK" smtClean="0"/>
+              <a:t>11</a:t>
+            </a:fld>
+            <a:endParaRPr lang="sk-SK"/>
+          </a:p>
+        </p:txBody>
+      </p:sp>
+      <p:sp>
+        <p:nvSpPr>
+          <p:cNvPr id="7" name="Shape 45"/>
+          <p:cNvSpPr txBox="1"/>
+          <p:nvPr/>
+        </p:nvSpPr>
+        <p:spPr>
+          <a:xfrm>
+            <a:off x="3237557" y="333455"/>
+            <a:ext cx="2465931" cy="528318"/>
+          </a:xfrm>
+          <a:prstGeom prst="rect">
+            <a:avLst/>
+          </a:prstGeom>
+          <a:noFill/>
+          <a:ln>
+            <a:noFill/>
+          </a:ln>
+        </p:spPr>
+        <p:txBody>
+          <a:bodyPr lIns="91425" tIns="91425" rIns="91425" bIns="91425" anchor="t" anchorCtr="0">
+            <a:noAutofit/>
+          </a:bodyPr>
+          <a:lstStyle/>
+          <a:p>
+            <a:pPr lvl="0" rtl="0">
+              <a:spcBef>
+                <a:spcPts val="0"/>
+              </a:spcBef>
+              <a:buClr>
+                <a:schemeClr val="dk1"/>
+              </a:buClr>
+              <a:buSzPct val="45833"/>
+              <a:buFont typeface="Arial"/>
+              <a:buNone/>
+            </a:pPr>
+            <a:r>
+              <a:rPr lang="sk-SK" sz="2400" b="1" dirty="0">
+                <a:solidFill>
+                  <a:schemeClr val="tx1">
+                    <a:lumMod val="65000"/>
+                    <a:lumOff val="35000"/>
+                  </a:schemeClr>
+                </a:solidFill>
+              </a:rPr>
+              <a:t>VYUŽITIE JAVY</a:t>
+            </a:r>
+            <a:endParaRPr sz="2400" b="1" dirty="0">
+              <a:solidFill>
+                <a:schemeClr val="tx1">
+                  <a:lumMod val="65000"/>
+                  <a:lumOff val="35000"/>
+                </a:schemeClr>
+              </a:solidFill>
+            </a:endParaRPr>
+          </a:p>
+        </p:txBody>
+      </p:sp>
+    </p:spTree>
+    <p:extLst>
+      <p:ext uri="{BB962C8B-B14F-4D97-AF65-F5344CB8AC3E}">
+        <p14:creationId xmlns:p14="http://schemas.microsoft.com/office/powerpoint/2010/main" val="2309044770"/>
+      </p:ext>
+    </p:extLst>
+  </p:cSld>
+  <p:clrMapOvr>
+    <a:masterClrMapping/>
+  </p:clrMapOvr>
+  <p:transition spd="slow">
+    <p:cut/>
+  </p:transition>
+</p:sld>
+</file>
+
+<file path=ppt/slides/slide2.xml><?xml version="1.0" encoding="utf-8"?>
+<p:sld xmlns:a="http://schemas.openxmlformats.org/drawingml/2006/main" xmlns:r="http://schemas.openxmlformats.org/officeDocument/2006/relationships" xmlns:p="http://schemas.openxmlformats.org/presentationml/2006/main">
+  <p:cSld>
+    <p:spTree>
+      <p:nvGrpSpPr>
+        <p:cNvPr id="1" name="Shape 74"/>
+        <p:cNvGrpSpPr/>
+        <p:nvPr/>
+      </p:nvGrpSpPr>
+      <p:grpSpPr>
+        <a:xfrm>
+          <a:off x="0" y="0"/>
+          <a:ext cx="0" cy="0"/>
+          <a:chOff x="0" y="0"/>
+          <a:chExt cx="0" cy="0"/>
+        </a:xfrm>
+      </p:grpSpPr>
+      <p:sp>
+        <p:nvSpPr>
+          <p:cNvPr id="14" name="Nadpis 13"/>
+          <p:cNvSpPr>
+            <a:spLocks noGrp="1"/>
+          </p:cNvSpPr>
+          <p:nvPr>
+            <p:ph type="title"/>
+          </p:nvPr>
+        </p:nvSpPr>
+        <p:spPr>
+          <a:xfrm>
+            <a:off x="147387" y="577874"/>
+            <a:ext cx="7886700" cy="994172"/>
+          </a:xfrm>
+        </p:spPr>
+        <p:txBody>
+          <a:bodyPr>
+            <a:normAutofit/>
+          </a:bodyPr>
+          <a:lstStyle/>
+          <a:p>
+            <a:r>
+              <a:rPr lang="en-US" sz="1600" b="1" dirty="0">
+                <a:solidFill>
+                  <a:schemeClr val="tx1">
+                    <a:lumMod val="65000"/>
+                    <a:lumOff val="35000"/>
+                  </a:schemeClr>
+                </a:solidFill>
+              </a:rPr>
+              <a:t>11/2018 - </a:t>
+            </a:r>
+            <a:r>
+              <a:rPr lang="sk-SK" sz="1600" b="1" dirty="0" err="1">
+                <a:solidFill>
+                  <a:schemeClr val="tx1">
+                    <a:lumMod val="65000"/>
+                    <a:lumOff val="35000"/>
+                  </a:schemeClr>
+                </a:solidFill>
+              </a:rPr>
+              <a:t>https</a:t>
+            </a:r>
+            <a:r>
+              <a:rPr lang="sk-SK" sz="1600" b="1" dirty="0">
+                <a:solidFill>
+                  <a:schemeClr val="tx1">
+                    <a:lumMod val="65000"/>
+                    <a:lumOff val="35000"/>
+                  </a:schemeClr>
+                </a:solidFill>
+              </a:rPr>
+              <a:t>://</a:t>
+            </a:r>
+            <a:r>
+              <a:rPr lang="sk-SK" sz="1600" b="1" dirty="0" err="1">
+                <a:solidFill>
+                  <a:schemeClr val="tx1">
+                    <a:lumMod val="65000"/>
+                    <a:lumOff val="35000"/>
+                  </a:schemeClr>
+                </a:solidFill>
+              </a:rPr>
+              <a:t>www.tiobe.com</a:t>
+            </a:r>
+            <a:r>
+              <a:rPr lang="sk-SK" sz="1600" b="1" dirty="0">
+                <a:solidFill>
+                  <a:schemeClr val="tx1">
+                    <a:lumMod val="65000"/>
+                    <a:lumOff val="35000"/>
+                  </a:schemeClr>
+                </a:solidFill>
+              </a:rPr>
+              <a:t>/</a:t>
+            </a:r>
+            <a:r>
+              <a:rPr lang="sk-SK" sz="1600" b="1" dirty="0" err="1">
+                <a:solidFill>
+                  <a:schemeClr val="tx1">
+                    <a:lumMod val="65000"/>
+                    <a:lumOff val="35000"/>
+                  </a:schemeClr>
+                </a:solidFill>
+              </a:rPr>
+              <a:t>tiobe</a:t>
+            </a:r>
+            <a:r>
+              <a:rPr lang="sk-SK" sz="1600" b="1" dirty="0">
+                <a:solidFill>
+                  <a:schemeClr val="tx1">
+                    <a:lumMod val="65000"/>
+                    <a:lumOff val="35000"/>
+                  </a:schemeClr>
+                </a:solidFill>
+              </a:rPr>
+              <a:t>-index</a:t>
+            </a:r>
+          </a:p>
+        </p:txBody>
+      </p:sp>
+      <p:sp>
+        <p:nvSpPr>
+          <p:cNvPr id="4" name="Zástupný symbol čísla snímky 3"/>
+          <p:cNvSpPr>
+            <a:spLocks noGrp="1"/>
+          </p:cNvSpPr>
+          <p:nvPr>
+            <p:ph type="sldNum" sz="quarter" idx="12"/>
+          </p:nvPr>
+        </p:nvSpPr>
+        <p:spPr/>
+        <p:txBody>
+          <a:bodyPr/>
+          <a:lstStyle/>
+          <a:p>
+            <a:fld id="{7497AAFE-E2E9-4BD8-8F5D-0DCF3CAF0ED9}" type="slidenum">
+              <a:rPr lang="sk-SK" smtClean="0"/>
+              <a:pPr/>
+              <a:t>2</a:t>
+            </a:fld>
+            <a:endParaRPr lang="sk-SK"/>
+          </a:p>
+        </p:txBody>
+      </p:sp>
+      <p:sp>
+        <p:nvSpPr>
+          <p:cNvPr id="5" name="Shape 45"/>
+          <p:cNvSpPr txBox="1"/>
+          <p:nvPr/>
+        </p:nvSpPr>
+        <p:spPr>
+          <a:xfrm>
+            <a:off x="233757" y="419675"/>
+            <a:ext cx="8610652" cy="586824"/>
+          </a:xfrm>
+          <a:prstGeom prst="rect">
+            <a:avLst/>
+          </a:prstGeom>
+          <a:noFill/>
+          <a:ln>
+            <a:noFill/>
+          </a:ln>
+        </p:spPr>
+        <p:txBody>
+          <a:bodyPr lIns="91425" tIns="91425" rIns="91425" bIns="91425" anchor="t" anchorCtr="0">
+            <a:noAutofit/>
+          </a:bodyPr>
+          <a:lstStyle/>
+          <a:p>
+            <a:pPr lvl="0" algn="ctr" rtl="0">
+              <a:spcBef>
+                <a:spcPts val="0"/>
+              </a:spcBef>
+              <a:buClr>
+                <a:schemeClr val="dk1"/>
+              </a:buClr>
+              <a:buSzPct val="45833"/>
+              <a:buFont typeface="Arial"/>
+              <a:buNone/>
+            </a:pPr>
+            <a:r>
+              <a:rPr lang="en-US" sz="2400" b="1" dirty="0">
+                <a:solidFill>
+                  <a:schemeClr val="tx1">
+                    <a:lumMod val="65000"/>
+                    <a:lumOff val="35000"/>
+                  </a:schemeClr>
+                </a:solidFill>
+              </a:rPr>
+              <a:t>POPULARITA </a:t>
+            </a:r>
+            <a:r>
+              <a:rPr lang="en-US" sz="2400" b="1" dirty="0" err="1">
+                <a:solidFill>
+                  <a:schemeClr val="tx1">
+                    <a:lumMod val="65000"/>
+                    <a:lumOff val="35000"/>
+                  </a:schemeClr>
+                </a:solidFill>
+              </a:rPr>
+              <a:t>JAZYKA</a:t>
+            </a:r>
+            <a:r>
+              <a:rPr lang="en-US" sz="2400" b="1" dirty="0">
+                <a:solidFill>
+                  <a:schemeClr val="tx1">
+                    <a:lumMod val="65000"/>
+                    <a:lumOff val="35000"/>
+                  </a:schemeClr>
+                </a:solidFill>
+              </a:rPr>
+              <a:t> JAVA</a:t>
+            </a:r>
+            <a:endParaRPr lang="sk" sz="2400" b="1" dirty="0">
+              <a:solidFill>
+                <a:schemeClr val="tx1">
+                  <a:lumMod val="65000"/>
+                  <a:lumOff val="35000"/>
+                </a:schemeClr>
+              </a:solidFill>
+            </a:endParaRPr>
+          </a:p>
+        </p:txBody>
+      </p:sp>
+      <p:pic>
+        <p:nvPicPr>
+          <p:cNvPr id="9" name="Zástupný objekt pre obsah 8">
+            <a:extLst>
+              <a:ext uri="{FF2B5EF4-FFF2-40B4-BE49-F238E27FC236}">
+                <a16:creationId xmlns:a16="http://schemas.microsoft.com/office/drawing/2014/main" id="{37882B9D-1C75-44AF-9AAB-02C918144EC7}"/>
+              </a:ext>
+            </a:extLst>
+          </p:cNvPr>
+          <p:cNvPicPr>
+            <a:picLocks noGrp="1" noChangeAspect="1"/>
+          </p:cNvPicPr>
+          <p:nvPr>
+            <p:ph idx="1"/>
+          </p:nvPr>
+        </p:nvPicPr>
+        <p:blipFill>
+          <a:blip r:embed="rId3"/>
+          <a:stretch>
+            <a:fillRect/>
+          </a:stretch>
+        </p:blipFill>
+        <p:spPr>
+          <a:xfrm>
+            <a:off x="1140880" y="1370013"/>
+            <a:ext cx="6862239" cy="3262312"/>
+          </a:xfrm>
+        </p:spPr>
+      </p:pic>
+    </p:spTree>
+    <p:extLst>
+      <p:ext uri="{BB962C8B-B14F-4D97-AF65-F5344CB8AC3E}">
+        <p14:creationId xmlns:p14="http://schemas.microsoft.com/office/powerpoint/2010/main" val="3423966013"/>
+      </p:ext>
+    </p:extLst>
+  </p:cSld>
+  <p:clrMapOvr>
+    <a:masterClrMapping/>
+  </p:clrMapOvr>
+  <p:transition spd="slow">
+    <p:cut/>
+  </p:transition>
+</p:sld>
+</file>
+
+<file path=ppt/slides/slide3.xml><?xml version="1.0" encoding="utf-8"?>
+<p:sld xmlns:a="http://schemas.openxmlformats.org/drawingml/2006/main" xmlns:r="http://schemas.openxmlformats.org/officeDocument/2006/relationships" xmlns:p="http://schemas.openxmlformats.org/presentationml/2006/main">
+  <p:cSld>
+    <p:spTree>
+      <p:nvGrpSpPr>
+        <p:cNvPr id="1" name="Shape 74"/>
+        <p:cNvGrpSpPr/>
+        <p:nvPr/>
+      </p:nvGrpSpPr>
+      <p:grpSpPr>
+        <a:xfrm>
+          <a:off x="0" y="0"/>
+          <a:ext cx="0" cy="0"/>
+          <a:chOff x="0" y="0"/>
+          <a:chExt cx="0" cy="0"/>
+        </a:xfrm>
+      </p:grpSpPr>
+      <p:sp>
+        <p:nvSpPr>
+          <p:cNvPr id="4" name="Zástupný symbol čísla snímky 3"/>
+          <p:cNvSpPr>
+            <a:spLocks noGrp="1"/>
+          </p:cNvSpPr>
+          <p:nvPr>
+            <p:ph type="sldNum" sz="quarter" idx="12"/>
+          </p:nvPr>
+        </p:nvSpPr>
+        <p:spPr/>
+        <p:txBody>
+          <a:bodyPr/>
+          <a:lstStyle/>
+          <a:p>
+            <a:fld id="{7497AAFE-E2E9-4BD8-8F5D-0DCF3CAF0ED9}" type="slidenum">
+              <a:rPr lang="sk-SK" smtClean="0"/>
+              <a:t>3</a:t>
+            </a:fld>
+            <a:endParaRPr lang="sk-SK"/>
+          </a:p>
+        </p:txBody>
+      </p:sp>
+      <p:pic>
+        <p:nvPicPr>
+          <p:cNvPr id="2" name="Obrázok 1"/>
+          <p:cNvPicPr>
+            <a:picLocks noChangeAspect="1"/>
+          </p:cNvPicPr>
+          <p:nvPr/>
+        </p:nvPicPr>
+        <p:blipFill>
+          <a:blip r:embed="rId3"/>
+          <a:stretch>
+            <a:fillRect/>
+          </a:stretch>
+        </p:blipFill>
+        <p:spPr>
+          <a:xfrm>
+            <a:off x="1723068" y="528283"/>
+            <a:ext cx="5697863" cy="4375902"/>
+          </a:xfrm>
+          <a:prstGeom prst="rect">
+            <a:avLst/>
+          </a:prstGeom>
+        </p:spPr>
+      </p:pic>
+    </p:spTree>
+    <p:extLst>
+      <p:ext uri="{BB962C8B-B14F-4D97-AF65-F5344CB8AC3E}">
+        <p14:creationId xmlns:p14="http://schemas.microsoft.com/office/powerpoint/2010/main" val="1607932960"/>
+      </p:ext>
+    </p:extLst>
+  </p:cSld>
+  <p:clrMapOvr>
+    <a:masterClrMapping/>
+  </p:clrMapOvr>
+  <p:transition spd="slow">
+    <p:cut/>
+  </p:transition>
+</p:sld>
+</file>
+
+<file path=ppt/slides/slide4.xml><?xml version="1.0" encoding="utf-8"?>
+<p:sld xmlns:a="http://schemas.openxmlformats.org/drawingml/2006/main" xmlns:r="http://schemas.openxmlformats.org/officeDocument/2006/relationships" xmlns:p="http://schemas.openxmlformats.org/presentationml/2006/main">
+  <p:cSld>
+    <p:spTree>
+      <p:nvGrpSpPr>
+        <p:cNvPr id="1" name="Shape 74"/>
+        <p:cNvGrpSpPr/>
+        <p:nvPr/>
+      </p:nvGrpSpPr>
+      <p:grpSpPr>
+        <a:xfrm>
+          <a:off x="0" y="0"/>
+          <a:ext cx="0" cy="0"/>
+          <a:chOff x="0" y="0"/>
+          <a:chExt cx="0" cy="0"/>
+        </a:xfrm>
+      </p:grpSpPr>
+      <p:sp>
+        <p:nvSpPr>
+          <p:cNvPr id="4" name="Zástupný symbol čísla snímky 3"/>
+          <p:cNvSpPr>
+            <a:spLocks noGrp="1"/>
+          </p:cNvSpPr>
+          <p:nvPr>
+            <p:ph type="sldNum" sz="quarter" idx="12"/>
+          </p:nvPr>
+        </p:nvSpPr>
+        <p:spPr/>
+        <p:txBody>
+          <a:bodyPr/>
+          <a:lstStyle/>
+          <a:p>
+            <a:fld id="{7497AAFE-E2E9-4BD8-8F5D-0DCF3CAF0ED9}" type="slidenum">
+              <a:rPr lang="sk-SK" smtClean="0"/>
+              <a:t>4</a:t>
+            </a:fld>
+            <a:endParaRPr lang="sk-SK"/>
+          </a:p>
+        </p:txBody>
+      </p:sp>
+      <p:sp>
+        <p:nvSpPr>
+          <p:cNvPr id="5" name="Shape 45"/>
+          <p:cNvSpPr txBox="1"/>
+          <p:nvPr/>
+        </p:nvSpPr>
+        <p:spPr>
+          <a:xfrm>
+            <a:off x="233757" y="419675"/>
+            <a:ext cx="8610652" cy="586824"/>
+          </a:xfrm>
+          <a:prstGeom prst="rect">
+            <a:avLst/>
+          </a:prstGeom>
+          <a:noFill/>
+          <a:ln>
+            <a:noFill/>
+          </a:ln>
+        </p:spPr>
+        <p:txBody>
+          <a:bodyPr lIns="91425" tIns="91425" rIns="91425" bIns="91425" anchor="t" anchorCtr="0">
+            <a:noAutofit/>
+          </a:bodyPr>
+          <a:lstStyle/>
+          <a:p>
+            <a:pPr lvl="0" algn="ctr" rtl="0">
+              <a:spcBef>
+                <a:spcPts val="0"/>
+              </a:spcBef>
+              <a:buClr>
+                <a:schemeClr val="dk1"/>
+              </a:buClr>
+              <a:buSzPct val="45833"/>
+              <a:buFont typeface="Arial"/>
+              <a:buNone/>
+            </a:pPr>
+            <a:r>
+              <a:rPr lang="en-US" sz="2400" b="1" dirty="0">
+                <a:solidFill>
+                  <a:schemeClr val="tx1">
+                    <a:lumMod val="65000"/>
+                    <a:lumOff val="35000"/>
+                  </a:schemeClr>
+                </a:solidFill>
+              </a:rPr>
+              <a:t>JAVA </a:t>
+            </a:r>
+            <a:r>
+              <a:rPr lang="sk-SK" sz="2400" b="1" dirty="0">
+                <a:solidFill>
+                  <a:schemeClr val="tx1">
+                    <a:lumMod val="65000"/>
+                    <a:lumOff val="35000"/>
+                  </a:schemeClr>
+                </a:solidFill>
+              </a:rPr>
+              <a:t>– </a:t>
+            </a:r>
+            <a:r>
+              <a:rPr lang="en-US" sz="2400" b="1" dirty="0">
+                <a:solidFill>
+                  <a:schemeClr val="tx1">
+                    <a:lumMod val="65000"/>
+                    <a:lumOff val="35000"/>
+                  </a:schemeClr>
+                </a:solidFill>
+              </a:rPr>
+              <a:t>DOPYT 3/2022</a:t>
+            </a:r>
+            <a:endParaRPr lang="sk" sz="2400" b="1" dirty="0">
+              <a:solidFill>
+                <a:schemeClr val="tx1">
+                  <a:lumMod val="65000"/>
+                  <a:lumOff val="35000"/>
+                </a:schemeClr>
+              </a:solidFill>
+            </a:endParaRPr>
+          </a:p>
+        </p:txBody>
+      </p:sp>
+      <p:pic>
+        <p:nvPicPr>
+          <p:cNvPr id="6" name="Obrázok 5">
+            <a:extLst>
+              <a:ext uri="{FF2B5EF4-FFF2-40B4-BE49-F238E27FC236}">
+                <a16:creationId xmlns:a16="http://schemas.microsoft.com/office/drawing/2014/main" id="{0B4433A5-2C36-4C63-B5DA-6384AB0023AC}"/>
+              </a:ext>
+            </a:extLst>
+          </p:cNvPr>
+          <p:cNvPicPr>
+            <a:picLocks noChangeAspect="1"/>
+          </p:cNvPicPr>
+          <p:nvPr/>
+        </p:nvPicPr>
+        <p:blipFill>
+          <a:blip r:embed="rId3"/>
+          <a:stretch>
+            <a:fillRect/>
+          </a:stretch>
+        </p:blipFill>
+        <p:spPr>
+          <a:xfrm>
+            <a:off x="1529397" y="1006499"/>
+            <a:ext cx="6085206" cy="4136349"/>
+          </a:xfrm>
+          <a:prstGeom prst="rect">
+            <a:avLst/>
+          </a:prstGeom>
+        </p:spPr>
+      </p:pic>
+      <p:pic>
+        <p:nvPicPr>
+          <p:cNvPr id="8" name="Obrázok 7">
+            <a:extLst>
+              <a:ext uri="{FF2B5EF4-FFF2-40B4-BE49-F238E27FC236}">
+                <a16:creationId xmlns:a16="http://schemas.microsoft.com/office/drawing/2014/main" id="{7BD20F62-E81B-46B6-9D7E-6F87584FFA5D}"/>
+              </a:ext>
+            </a:extLst>
+          </p:cNvPr>
+          <p:cNvPicPr>
+            <a:picLocks noChangeAspect="1"/>
+          </p:cNvPicPr>
+          <p:nvPr/>
+        </p:nvPicPr>
+        <p:blipFill>
+          <a:blip r:embed="rId4"/>
+          <a:stretch>
+            <a:fillRect/>
+          </a:stretch>
+        </p:blipFill>
+        <p:spPr>
+          <a:xfrm>
+            <a:off x="6101255" y="1537521"/>
+            <a:ext cx="1513348" cy="2793875"/>
+          </a:xfrm>
+          <a:prstGeom prst="rect">
+            <a:avLst/>
+          </a:prstGeom>
+        </p:spPr>
+      </p:pic>
+    </p:spTree>
+    <p:extLst>
+      <p:ext uri="{BB962C8B-B14F-4D97-AF65-F5344CB8AC3E}">
+        <p14:creationId xmlns:p14="http://schemas.microsoft.com/office/powerpoint/2010/main" val="2603834979"/>
+      </p:ext>
+    </p:extLst>
+  </p:cSld>
+  <p:clrMapOvr>
+    <a:masterClrMapping/>
+  </p:clrMapOvr>
+  <p:transition spd="slow">
+    <p:cut/>
+  </p:transition>
+</p:sld>
+</file>
+
+<file path=ppt/slides/slide5.xml><?xml version="1.0" encoding="utf-8"?>
+<p:sld xmlns:a="http://schemas.openxmlformats.org/drawingml/2006/main" xmlns:r="http://schemas.openxmlformats.org/officeDocument/2006/relationships" xmlns:p="http://schemas.openxmlformats.org/presentationml/2006/main">
+  <p:cSld>
+    <p:spTree>
+      <p:nvGrpSpPr>
+        <p:cNvPr id="1" name="Shape 89"/>
+        <p:cNvGrpSpPr/>
+        <p:nvPr/>
+      </p:nvGrpSpPr>
+      <p:grpSpPr>
+        <a:xfrm>
+          <a:off x="0" y="0"/>
+          <a:ext cx="0" cy="0"/>
+          <a:chOff x="0" y="0"/>
+          <a:chExt cx="0" cy="0"/>
+        </a:xfrm>
+      </p:grpSpPr>
+      <p:sp>
+        <p:nvSpPr>
+          <p:cNvPr id="91" name="Shape 91"/>
+          <p:cNvSpPr txBox="1"/>
+          <p:nvPr/>
+        </p:nvSpPr>
+        <p:spPr>
+          <a:xfrm>
+            <a:off x="1707387" y="1131488"/>
+            <a:ext cx="6450000" cy="3245378"/>
+          </a:xfrm>
+          <a:prstGeom prst="rect">
+            <a:avLst/>
+          </a:prstGeom>
+          <a:noFill/>
+          <a:ln>
+            <a:noFill/>
+          </a:ln>
+        </p:spPr>
+        <p:txBody>
+          <a:bodyPr lIns="91425" tIns="91425" rIns="91425" bIns="91425" anchor="t" anchorCtr="0">
+            <a:noAutofit/>
+          </a:bodyPr>
+          <a:lstStyle/>
+          <a:p>
+            <a:pPr marL="457200" lvl="0" indent="-381000" rtl="0">
+              <a:lnSpc>
+                <a:spcPct val="115000"/>
+              </a:lnSpc>
+              <a:spcBef>
+                <a:spcPts val="1000"/>
+              </a:spcBef>
+              <a:buClr>
+                <a:srgbClr val="BB0000"/>
+              </a:buClr>
+              <a:buSzPct val="100000"/>
+              <a:buChar char="●"/>
+            </a:pPr>
+            <a:r>
+              <a:rPr lang="sk" sz="2400" dirty="0">
+                <a:solidFill>
+                  <a:srgbClr val="C00000"/>
+                </a:solidFill>
+              </a:rPr>
+              <a:t>Ovládať programovací jazyk</a:t>
+            </a:r>
+          </a:p>
+          <a:p>
+            <a:pPr marL="457200" lvl="0" indent="-381000" rtl="0">
+              <a:lnSpc>
+                <a:spcPct val="115000"/>
+              </a:lnSpc>
+              <a:spcBef>
+                <a:spcPts val="0"/>
+              </a:spcBef>
+              <a:buClr>
+                <a:srgbClr val="BB0000"/>
+              </a:buClr>
+              <a:buSzPct val="100000"/>
+              <a:buChar char="●"/>
+            </a:pPr>
+            <a:r>
+              <a:rPr lang="sk" sz="2400" dirty="0">
+                <a:solidFill>
+                  <a:srgbClr val="C00000"/>
+                </a:solidFill>
+              </a:rPr>
+              <a:t>Schopnosť riešiť úlohy</a:t>
+            </a:r>
+          </a:p>
+          <a:p>
+            <a:pPr marL="457200" lvl="0" indent="-381000" rtl="0">
+              <a:lnSpc>
+                <a:spcPct val="115000"/>
+              </a:lnSpc>
+              <a:spcBef>
+                <a:spcPts val="0"/>
+              </a:spcBef>
+              <a:buClr>
+                <a:srgbClr val="666666"/>
+              </a:buClr>
+              <a:buSzPct val="100000"/>
+              <a:buChar char="●"/>
+            </a:pPr>
+            <a:r>
+              <a:rPr lang="sk" sz="2400" dirty="0">
+                <a:solidFill>
+                  <a:schemeClr val="tx1">
+                    <a:lumMod val="65000"/>
+                    <a:lumOff val="35000"/>
+                  </a:schemeClr>
+                </a:solidFill>
+              </a:rPr>
+              <a:t>Ovládať súvisiace technológie</a:t>
+            </a:r>
+          </a:p>
+          <a:p>
+            <a:pPr marL="457200" lvl="0" indent="-381000" rtl="0">
+              <a:lnSpc>
+                <a:spcPct val="115000"/>
+              </a:lnSpc>
+              <a:spcBef>
+                <a:spcPts val="0"/>
+              </a:spcBef>
+              <a:buClr>
+                <a:srgbClr val="666666"/>
+              </a:buClr>
+              <a:buSzPct val="100000"/>
+              <a:buChar char="●"/>
+            </a:pPr>
+            <a:r>
+              <a:rPr lang="sk" sz="2400" dirty="0">
+                <a:solidFill>
+                  <a:schemeClr val="tx1">
+                    <a:lumMod val="65000"/>
+                    <a:lumOff val="35000"/>
+                  </a:schemeClr>
+                </a:solidFill>
+              </a:rPr>
+              <a:t>Schopnosť analyzovať problém</a:t>
+            </a:r>
+          </a:p>
+          <a:p>
+            <a:pPr marL="457200" lvl="0" indent="-381000" rtl="0">
+              <a:lnSpc>
+                <a:spcPct val="115000"/>
+              </a:lnSpc>
+              <a:spcBef>
+                <a:spcPts val="0"/>
+              </a:spcBef>
+              <a:buClr>
+                <a:srgbClr val="666666"/>
+              </a:buClr>
+              <a:buSzPct val="100000"/>
+              <a:buChar char="●"/>
+            </a:pPr>
+            <a:r>
+              <a:rPr lang="sk" sz="2400" dirty="0">
+                <a:solidFill>
+                  <a:schemeClr val="tx1">
+                    <a:lumMod val="65000"/>
+                    <a:lumOff val="35000"/>
+                  </a:schemeClr>
+                </a:solidFill>
+              </a:rPr>
+              <a:t>Vedieť komunikovať so zákazníkom</a:t>
+            </a:r>
+          </a:p>
+          <a:p>
+            <a:pPr marL="457200" lvl="0" indent="-381000" rtl="0">
+              <a:lnSpc>
+                <a:spcPct val="115000"/>
+              </a:lnSpc>
+              <a:spcBef>
+                <a:spcPts val="0"/>
+              </a:spcBef>
+              <a:buClr>
+                <a:schemeClr val="dk2"/>
+              </a:buClr>
+              <a:buSzPct val="100000"/>
+              <a:buChar char="●"/>
+            </a:pPr>
+            <a:r>
+              <a:rPr lang="sk" sz="2400" dirty="0">
+                <a:solidFill>
+                  <a:schemeClr val="tx1">
+                    <a:lumMod val="65000"/>
+                    <a:lumOff val="35000"/>
+                  </a:schemeClr>
+                </a:solidFill>
+              </a:rPr>
+              <a:t>Vedieť komunikovať v tíme</a:t>
+            </a:r>
+          </a:p>
+          <a:p>
+            <a:pPr marL="457200" lvl="0" indent="-381000" rtl="0">
+              <a:lnSpc>
+                <a:spcPct val="115000"/>
+              </a:lnSpc>
+              <a:spcBef>
+                <a:spcPts val="0"/>
+              </a:spcBef>
+              <a:buClr>
+                <a:srgbClr val="666666"/>
+              </a:buClr>
+              <a:buSzPct val="100000"/>
+              <a:buChar char="●"/>
+            </a:pPr>
+            <a:r>
+              <a:rPr lang="sk" sz="2400" dirty="0">
+                <a:solidFill>
+                  <a:schemeClr val="tx1">
+                    <a:lumMod val="65000"/>
+                    <a:lumOff val="35000"/>
+                  </a:schemeClr>
+                </a:solidFill>
+              </a:rPr>
+              <a:t>Cudzí jazyk</a:t>
+            </a:r>
+          </a:p>
+          <a:p>
+            <a:pPr marL="457200" lvl="0" indent="-381000" rtl="0">
+              <a:lnSpc>
+                <a:spcPct val="115000"/>
+              </a:lnSpc>
+              <a:spcBef>
+                <a:spcPts val="0"/>
+              </a:spcBef>
+              <a:buClr>
+                <a:srgbClr val="666666"/>
+              </a:buClr>
+              <a:buSzPct val="100000"/>
+              <a:buChar char="●"/>
+            </a:pPr>
+            <a:r>
+              <a:rPr lang="sk" sz="2400" dirty="0">
+                <a:solidFill>
+                  <a:schemeClr val="tx1">
+                    <a:lumMod val="65000"/>
+                    <a:lumOff val="35000"/>
+                  </a:schemeClr>
+                </a:solidFill>
+              </a:rPr>
+              <a:t>Schopnosť učiť sa</a:t>
+            </a:r>
+          </a:p>
+        </p:txBody>
+      </p:sp>
+      <p:sp>
+        <p:nvSpPr>
+          <p:cNvPr id="5" name="Zástupný symbol čísla snímky 4"/>
+          <p:cNvSpPr>
+            <a:spLocks noGrp="1"/>
+          </p:cNvSpPr>
+          <p:nvPr>
+            <p:ph type="sldNum" sz="quarter" idx="12"/>
+          </p:nvPr>
+        </p:nvSpPr>
+        <p:spPr/>
+        <p:txBody>
+          <a:bodyPr/>
+          <a:lstStyle/>
+          <a:p>
+            <a:fld id="{7497AAFE-E2E9-4BD8-8F5D-0DCF3CAF0ED9}" type="slidenum">
+              <a:rPr lang="sk-SK" smtClean="0"/>
+              <a:t>5</a:t>
+            </a:fld>
+            <a:endParaRPr lang="sk-SK"/>
+          </a:p>
+        </p:txBody>
+      </p:sp>
+      <p:sp>
+        <p:nvSpPr>
+          <p:cNvPr id="4" name="Shape 45"/>
+          <p:cNvSpPr txBox="1"/>
+          <p:nvPr/>
+        </p:nvSpPr>
+        <p:spPr>
+          <a:xfrm>
+            <a:off x="1269636" y="333455"/>
+            <a:ext cx="6644201" cy="528318"/>
+          </a:xfrm>
+          <a:prstGeom prst="rect">
+            <a:avLst/>
+          </a:prstGeom>
+          <a:noFill/>
+          <a:ln>
+            <a:noFill/>
+          </a:ln>
+        </p:spPr>
+        <p:txBody>
+          <a:bodyPr lIns="91425" tIns="91425" rIns="91425" bIns="91425" anchor="t" anchorCtr="0">
+            <a:noAutofit/>
+          </a:bodyPr>
+          <a:lstStyle/>
+          <a:p>
+            <a:pPr lvl="0" algn="ctr">
+              <a:lnSpc>
+                <a:spcPct val="115000"/>
+              </a:lnSpc>
+            </a:pPr>
+            <a:r>
+              <a:rPr lang="sk" sz="2400" b="1" dirty="0">
+                <a:solidFill>
+                  <a:schemeClr val="tx1">
+                    <a:lumMod val="65000"/>
+                    <a:lumOff val="35000"/>
+                  </a:schemeClr>
+                </a:solidFill>
+              </a:rPr>
+              <a:t>ČO POŽADUJÚ ZAMESTNÁVATELIA</a:t>
+            </a:r>
+          </a:p>
+        </p:txBody>
+      </p:sp>
+    </p:spTree>
+  </p:cSld>
+  <p:clrMapOvr>
+    <a:masterClrMapping/>
+  </p:clrMapOvr>
+  <p:transition spd="slow">
+    <p:cut/>
+  </p:transition>
+</p:sld>
+</file>
+
+<file path=ppt/slides/slide6.xml><?xml version="1.0" encoding="utf-8"?>
 <p:sld xmlns:a="http://schemas.openxmlformats.org/drawingml/2006/main" xmlns:r="http://schemas.openxmlformats.org/officeDocument/2006/relationships" xmlns:p="http://schemas.openxmlformats.org/presentationml/2006/main">
   <p:cSld>
     <p:spTree>
@@ -5787,46 +6964,22 @@
               <a:buChar char="●"/>
             </a:pPr>
             <a:r>
-              <a:rPr lang="sk" dirty="0" smtClean="0">
+              <a:rPr lang="sk" dirty="0">
                 <a:solidFill>
                   <a:srgbClr val="434343"/>
                 </a:solidFill>
               </a:rPr>
-              <a:t>Java SE </a:t>
-            </a:r>
-            <a:r>
-              <a:rPr lang="sk" dirty="0">
+              <a:t>Java SE = Java Standard Edition = </a:t>
+            </a:r>
+            <a:br>
+              <a:rPr lang="en-US" dirty="0">
                 <a:solidFill>
                   <a:srgbClr val="434343"/>
                 </a:solidFill>
               </a:rPr>
-              <a:t>= Java Standard Edition </a:t>
-            </a:r>
-            <a:r>
-              <a:rPr lang="sk" dirty="0" smtClean="0">
-                <a:solidFill>
-                  <a:srgbClr val="434343"/>
-                </a:solidFill>
-              </a:rPr>
-              <a:t>= </a:t>
-            </a:r>
-            <a:r>
-              <a:rPr lang="en-US" dirty="0" smtClean="0">
-                <a:solidFill>
-                  <a:srgbClr val="434343"/>
-                </a:solidFill>
-              </a:rPr>
-              <a:t/>
-            </a:r>
-            <a:br>
-              <a:rPr lang="en-US" dirty="0" smtClean="0">
-                <a:solidFill>
-                  <a:srgbClr val="434343"/>
-                </a:solidFill>
-              </a:rPr>
             </a:br>
             <a:r>
-              <a:rPr lang="sk-SK" dirty="0" smtClean="0">
+              <a:rPr lang="sk-SK" dirty="0">
                 <a:solidFill>
                   <a:srgbClr val="434343"/>
                 </a:solidFill>
@@ -5850,38 +7003,22 @@
               <a:buChar char="●"/>
             </a:pPr>
             <a:r>
-              <a:rPr lang="sk" dirty="0" smtClean="0">
+              <a:rPr lang="sk" dirty="0">
                 <a:solidFill>
                   <a:srgbClr val="434343"/>
                 </a:solidFill>
               </a:rPr>
-              <a:t>Java EE </a:t>
-            </a:r>
-            <a:r>
+              <a:t>Java EE = Java Enterprise Edition = </a:t>
+            </a:r>
+            <a:br>
               <a:rPr lang="sk" dirty="0">
                 <a:solidFill>
                   <a:srgbClr val="434343"/>
                 </a:solidFill>
               </a:rPr>
-              <a:t>= Java Enterprise Edition = </a:t>
-            </a:r>
-            <a:r>
-              <a:rPr lang="sk" dirty="0" smtClean="0">
-                <a:solidFill>
-                  <a:srgbClr val="434343"/>
-                </a:solidFill>
-              </a:rPr>
-              <a:t/>
-            </a:r>
-            <a:br>
-              <a:rPr lang="sk" dirty="0" smtClean="0">
-                <a:solidFill>
-                  <a:srgbClr val="434343"/>
-                </a:solidFill>
-              </a:rPr>
             </a:br>
             <a:r>
-              <a:rPr lang="sk" dirty="0" smtClean="0">
+              <a:rPr lang="sk" dirty="0">
                 <a:solidFill>
                   <a:srgbClr val="434343"/>
                 </a:solidFill>
@@ -5900,7 +7037,7 @@
               <a:buChar char="●"/>
             </a:pPr>
             <a:r>
-              <a:rPr lang="sk" dirty="0" smtClean="0">
+              <a:rPr lang="sk" dirty="0">
                 <a:solidFill>
                   <a:srgbClr val="434343"/>
                 </a:solidFill>
@@ -5908,25 +7045,20 @@
               <a:t>Java ME = Java Micro Edition = prostredie</a:t>
             </a:r>
             <a:br>
-              <a:rPr lang="sk" dirty="0" smtClean="0">
+              <a:rPr lang="sk" dirty="0">
                 <a:solidFill>
                   <a:srgbClr val="434343"/>
                 </a:solidFill>
               </a:rPr>
             </a:br>
             <a:r>
-              <a:rPr lang="sk" dirty="0" smtClean="0">
+              <a:rPr lang="sk" dirty="0">
                 <a:solidFill>
                   <a:srgbClr val="434343"/>
                 </a:solidFill>
               </a:rPr>
               <a:t>pre aplikácie bežiace na embedded zariadeniach</a:t>
             </a:r>
-            <a:endParaRPr lang="sk" dirty="0">
-              <a:solidFill>
-                <a:srgbClr val="434343"/>
-              </a:solidFill>
-            </a:endParaRPr>
           </a:p>
         </p:txBody>
       </p:sp>
@@ -5947,7 +7079,7 @@
           <a:p>
             <a:fld id="{7497AAFE-E2E9-4BD8-8F5D-0DCF3CAF0ED9}" type="slidenum">
               <a:rPr lang="sk-SK" smtClean="0"/>
-              <a:t>10</a:t>
+              <a:t>6</a:t>
             </a:fld>
             <a:endParaRPr lang="sk-SK"/>
           </a:p>
@@ -5980,7 +7112,7 @@
           <a:p>
             <a:pPr algn="ctr"/>
             <a:r>
-              <a:rPr lang="en-US" sz="2400" b="1" dirty="0" err="1" smtClean="0">
+              <a:rPr lang="en-US" sz="2400" b="1" dirty="0" err="1">
                 <a:solidFill>
                   <a:schemeClr val="tx1">
                     <a:lumMod val="65000"/>
@@ -5991,7 +7123,7 @@
               <a:t>PRVKY</a:t>
             </a:r>
             <a:r>
-              <a:rPr lang="en-US" sz="2400" b="1" dirty="0" smtClean="0">
+              <a:rPr lang="en-US" sz="2400" b="1" dirty="0">
                 <a:solidFill>
                   <a:schemeClr val="tx1">
                     <a:lumMod val="65000"/>
@@ -6002,7 +7134,7 @@
               <a:t> </a:t>
             </a:r>
             <a:r>
-              <a:rPr lang="sk" sz="2400" b="1" dirty="0" smtClean="0">
+              <a:rPr lang="sk" sz="2400" b="1" dirty="0">
                 <a:solidFill>
                   <a:schemeClr val="tx1">
                     <a:lumMod val="65000"/>
@@ -6013,7 +7145,7 @@
               <a:t>JAVA</a:t>
             </a:r>
             <a:r>
-              <a:rPr lang="en-US" sz="2400" b="1" dirty="0" smtClean="0">
+              <a:rPr lang="en-US" sz="2400" b="1" dirty="0">
                 <a:solidFill>
                   <a:schemeClr val="tx1">
                     <a:lumMod val="65000"/>
@@ -6024,7 +7156,7 @@
               <a:t> </a:t>
             </a:r>
             <a:r>
-              <a:rPr lang="en-US" sz="2400" b="1" dirty="0" err="1" smtClean="0">
+              <a:rPr lang="en-US" sz="2400" b="1" dirty="0" err="1">
                 <a:solidFill>
                   <a:schemeClr val="tx1">
                     <a:lumMod val="65000"/>
@@ -6080,7 +7212,7 @@
 </p:sld>
 </file>
 
-<file path=ppt/slides/slide11.xml><?xml version="1.0" encoding="utf-8"?>
+<file path=ppt/slides/slide7.xml><?xml version="1.0" encoding="utf-8"?>
 <p:sld xmlns:a="http://schemas.openxmlformats.org/drawingml/2006/main" xmlns:r="http://schemas.openxmlformats.org/officeDocument/2006/relationships" xmlns:p="http://schemas.openxmlformats.org/presentationml/2006/main">
   <p:cSld>
     <p:spTree>
@@ -6114,7 +7246,8 @@
           <a:p>
             <a:fld id="{7497AAFE-E2E9-4BD8-8F5D-0DCF3CAF0ED9}" type="slidenum">
               <a:rPr lang="sk-SK" smtClean="0"/>
-              <a:t>11</a:t>
+              <a:pPr/>
+              <a:t>7</a:t>
             </a:fld>
             <a:endParaRPr lang="sk-SK"/>
           </a:p>
@@ -6147,7 +7280,7 @@
           <a:p>
             <a:pPr algn="ctr"/>
             <a:r>
-              <a:rPr lang="en-US" sz="2400" b="1" dirty="0" err="1" smtClean="0">
+              <a:rPr lang="sk" sz="2400" b="1" dirty="0">
                 <a:solidFill>
                   <a:schemeClr val="tx1">
                     <a:lumMod val="65000"/>
@@ -6155,66 +7288,20 @@
                   </a:schemeClr>
                 </a:solidFill>
               </a:rPr>
-              <a:t>PRVKY</a:t>
-            </a:r>
-            <a:r>
-              <a:rPr lang="en-US" sz="2400" b="1" dirty="0" smtClean="0">
-                <a:solidFill>
-                  <a:schemeClr val="tx1">
-                    <a:lumMod val="65000"/>
-                    <a:lumOff val="35000"/>
-                  </a:schemeClr>
-                </a:solidFill>
-              </a:rPr>
-              <a:t> </a:t>
-            </a:r>
-            <a:r>
-              <a:rPr lang="sk" sz="2400" b="1" dirty="0" smtClean="0">
-                <a:solidFill>
-                  <a:schemeClr val="tx1">
-                    <a:lumMod val="65000"/>
-                    <a:lumOff val="35000"/>
-                  </a:schemeClr>
-                </a:solidFill>
-              </a:rPr>
-              <a:t>JAVA</a:t>
-            </a:r>
-            <a:r>
-              <a:rPr lang="en-US" sz="2400" b="1" dirty="0" smtClean="0">
-                <a:solidFill>
-                  <a:schemeClr val="tx1">
-                    <a:lumMod val="65000"/>
-                    <a:lumOff val="35000"/>
-                  </a:schemeClr>
-                </a:solidFill>
-              </a:rPr>
-              <a:t> </a:t>
-            </a:r>
-            <a:r>
-              <a:rPr lang="en-US" sz="2400" b="1" dirty="0" err="1" smtClean="0">
-                <a:solidFill>
-                  <a:schemeClr val="tx1">
-                    <a:lumMod val="65000"/>
-                    <a:lumOff val="35000"/>
-                  </a:schemeClr>
-                </a:solidFill>
-              </a:rPr>
-              <a:t>PLATFORMY</a:t>
-            </a:r>
-            <a:endParaRPr lang="sk" sz="2400" b="1" dirty="0">
-              <a:solidFill>
-                <a:schemeClr val="tx1">
-                  <a:lumMod val="65000"/>
-                  <a:lumOff val="35000"/>
-                </a:schemeClr>
-              </a:solidFill>
-            </a:endParaRPr>
+              <a:t>HISTÓRIA A VERZIE JAZYKA JAVA</a:t>
+            </a:r>
           </a:p>
         </p:txBody>
       </p:sp>
       <p:pic>
         <p:nvPicPr>
-          <p:cNvPr id="8" name="Zástupný symbol obsahu 7"/>
+          <p:cNvPr id="7" name="Zástupný objekt pre obsah 6">
+            <a:extLst>
+              <a:ext uri="{FF2B5EF4-FFF2-40B4-BE49-F238E27FC236}">
+                <a16:creationId xmlns:a16="http://schemas.microsoft.com/office/drawing/2014/main" id="{A6F2DC24-836E-4CCA-8F5B-5E8A23AEE650}"/>
+              </a:ext>
+            </a:extLst>
+          </p:cNvPr>
           <p:cNvPicPr>
             <a:picLocks noGrp="1" noChangeAspect="1"/>
           </p:cNvPicPr>
@@ -6230,135 +7317,9 @@
         </p:blipFill>
         <p:spPr>
           <a:xfrm>
-            <a:off x="2357904" y="947227"/>
-            <a:ext cx="4467664" cy="3734581"/>
+            <a:off x="3116800" y="861773"/>
+            <a:ext cx="2949871" cy="4203389"/>
           </a:xfrm>
-          <a:prstGeom prst="rect">
-            <a:avLst/>
-          </a:prstGeom>
-        </p:spPr>
-      </p:pic>
-    </p:spTree>
-    <p:extLst>
-      <p:ext uri="{BB962C8B-B14F-4D97-AF65-F5344CB8AC3E}">
-        <p14:creationId xmlns:p14="http://schemas.microsoft.com/office/powerpoint/2010/main" val="2871520667"/>
-      </p:ext>
-    </p:extLst>
-  </p:cSld>
-  <p:clrMapOvr>
-    <a:masterClrMapping/>
-  </p:clrMapOvr>
-  <p:transition spd="slow">
-    <p:cut/>
-  </p:transition>
-</p:sld>
-</file>
-
-<file path=ppt/slides/slide12.xml><?xml version="1.0" encoding="utf-8"?>
-<p:sld xmlns:a="http://schemas.openxmlformats.org/drawingml/2006/main" xmlns:r="http://schemas.openxmlformats.org/officeDocument/2006/relationships" xmlns:p="http://schemas.openxmlformats.org/presentationml/2006/main">
-  <p:cSld>
-    <p:spTree>
-      <p:nvGrpSpPr>
-        <p:cNvPr id="1" name="Shape 82"/>
-        <p:cNvGrpSpPr/>
-        <p:nvPr/>
-      </p:nvGrpSpPr>
-      <p:grpSpPr>
-        <a:xfrm>
-          <a:off x="0" y="0"/>
-          <a:ext cx="0" cy="0"/>
-          <a:chOff x="0" y="0"/>
-          <a:chExt cx="0" cy="0"/>
-        </a:xfrm>
-      </p:grpSpPr>
-      <p:sp>
-        <p:nvSpPr>
-          <p:cNvPr id="4" name="Zástupný symbol čísla snímky 3"/>
-          <p:cNvSpPr>
-            <a:spLocks noGrp="1"/>
-          </p:cNvSpPr>
-          <p:nvPr>
-            <p:ph type="sldNum" sz="quarter" idx="12"/>
-          </p:nvPr>
-        </p:nvSpPr>
-        <p:spPr/>
-        <p:txBody>
-          <a:bodyPr/>
-          <a:lstStyle/>
-          <a:p>
-            <a:fld id="{7497AAFE-E2E9-4BD8-8F5D-0DCF3CAF0ED9}" type="slidenum">
-              <a:rPr lang="sk-SK" smtClean="0"/>
-              <a:pPr/>
-              <a:t>12</a:t>
-            </a:fld>
-            <a:endParaRPr lang="sk-SK"/>
-          </a:p>
-        </p:txBody>
-      </p:sp>
-      <p:sp>
-        <p:nvSpPr>
-          <p:cNvPr id="5" name="Shape 45"/>
-          <p:cNvSpPr txBox="1"/>
-          <p:nvPr/>
-        </p:nvSpPr>
-        <p:spPr>
-          <a:xfrm>
-            <a:off x="1269636" y="333455"/>
-            <a:ext cx="6644201" cy="528318"/>
-          </a:xfrm>
-          <a:prstGeom prst="rect">
-            <a:avLst/>
-          </a:prstGeom>
-          <a:noFill/>
-          <a:ln>
-            <a:noFill/>
-          </a:ln>
-        </p:spPr>
-        <p:txBody>
-          <a:bodyPr lIns="91425" tIns="91425" rIns="91425" bIns="91425" anchor="t" anchorCtr="0">
-            <a:noAutofit/>
-          </a:bodyPr>
-          <a:lstStyle/>
-          <a:p>
-            <a:pPr algn="ctr"/>
-            <a:r>
-              <a:rPr lang="sk" sz="2400" b="1" dirty="0">
-                <a:solidFill>
-                  <a:schemeClr val="tx1">
-                    <a:lumMod val="65000"/>
-                    <a:lumOff val="35000"/>
-                  </a:schemeClr>
-                </a:solidFill>
-              </a:rPr>
-              <a:t>HISTÓRIA A VERZIE JAZYKA JAVA</a:t>
-            </a:r>
-          </a:p>
-        </p:txBody>
-      </p:sp>
-      <p:pic>
-        <p:nvPicPr>
-          <p:cNvPr id="9" name="Zástupný symbol obsahu 8"/>
-          <p:cNvPicPr>
-            <a:picLocks noGrp="1" noChangeAspect="1"/>
-          </p:cNvPicPr>
-          <p:nvPr>
-            <p:ph idx="1"/>
-          </p:nvPr>
-        </p:nvPicPr>
-        <p:blipFill>
-          <a:blip r:embed="rId3"/>
-          <a:stretch>
-            <a:fillRect/>
-          </a:stretch>
-        </p:blipFill>
-        <p:spPr>
-          <a:xfrm>
-            <a:off x="2350275" y="968297"/>
-            <a:ext cx="4482922" cy="3692442"/>
-          </a:xfrm>
-          <a:prstGeom prst="rect">
-            <a:avLst/>
-          </a:prstGeom>
         </p:spPr>
       </p:pic>
     </p:spTree>
@@ -6377,7 +7338,7 @@
 </p:sld>
 </file>
 
-<file path=ppt/slides/slide13.xml><?xml version="1.0" encoding="utf-8"?>
+<file path=ppt/slides/slide8.xml><?xml version="1.0" encoding="utf-8"?>
 <p:sld xmlns:a="http://schemas.openxmlformats.org/drawingml/2006/main" xmlns:r="http://schemas.openxmlformats.org/officeDocument/2006/relationships" xmlns:p="http://schemas.openxmlformats.org/presentationml/2006/main">
   <p:cSld>
     <p:spTree>
@@ -6396,129 +7357,6 @@
       </p:grpSpPr>
       <p:sp>
         <p:nvSpPr>
-          <p:cNvPr id="4" name="Zástupný symbol čísla snímky 3"/>
-          <p:cNvSpPr>
-            <a:spLocks noGrp="1"/>
-          </p:cNvSpPr>
-          <p:nvPr>
-            <p:ph type="sldNum" sz="quarter" idx="12"/>
-          </p:nvPr>
-        </p:nvSpPr>
-        <p:spPr/>
-        <p:txBody>
-          <a:bodyPr/>
-          <a:lstStyle/>
-          <a:p>
-            <a:fld id="{7497AAFE-E2E9-4BD8-8F5D-0DCF3CAF0ED9}" type="slidenum">
-              <a:rPr lang="sk-SK" smtClean="0"/>
-              <a:pPr/>
-              <a:t>13</a:t>
-            </a:fld>
-            <a:endParaRPr lang="sk-SK"/>
-          </a:p>
-        </p:txBody>
-      </p:sp>
-      <p:sp>
-        <p:nvSpPr>
-          <p:cNvPr id="5" name="Shape 45"/>
-          <p:cNvSpPr txBox="1"/>
-          <p:nvPr/>
-        </p:nvSpPr>
-        <p:spPr>
-          <a:xfrm>
-            <a:off x="1269636" y="333455"/>
-            <a:ext cx="6644201" cy="528318"/>
-          </a:xfrm>
-          <a:prstGeom prst="rect">
-            <a:avLst/>
-          </a:prstGeom>
-          <a:noFill/>
-          <a:ln>
-            <a:noFill/>
-          </a:ln>
-        </p:spPr>
-        <p:txBody>
-          <a:bodyPr lIns="91425" tIns="91425" rIns="91425" bIns="91425" anchor="t" anchorCtr="0">
-            <a:noAutofit/>
-          </a:bodyPr>
-          <a:lstStyle/>
-          <a:p>
-            <a:pPr algn="ctr"/>
-            <a:r>
-              <a:rPr lang="sk" sz="2400" b="1" dirty="0">
-                <a:solidFill>
-                  <a:schemeClr val="tx1">
-                    <a:lumMod val="65000"/>
-                    <a:lumOff val="35000"/>
-                  </a:schemeClr>
-                </a:solidFill>
-              </a:rPr>
-              <a:t>HISTÓRIA A VERZIE JAZYKA JAVA</a:t>
-            </a:r>
-          </a:p>
-        </p:txBody>
-      </p:sp>
-      <p:pic>
-        <p:nvPicPr>
-          <p:cNvPr id="8" name="Zástupný symbol obsahu 7"/>
-          <p:cNvPicPr>
-            <a:picLocks noGrp="1" noChangeAspect="1"/>
-          </p:cNvPicPr>
-          <p:nvPr>
-            <p:ph idx="1"/>
-          </p:nvPr>
-        </p:nvPicPr>
-        <p:blipFill>
-          <a:blip r:embed="rId3"/>
-          <a:stretch>
-            <a:fillRect/>
-          </a:stretch>
-        </p:blipFill>
-        <p:spPr>
-          <a:xfrm>
-            <a:off x="2620654" y="1370013"/>
-            <a:ext cx="3902691" cy="3262312"/>
-          </a:xfrm>
-          <a:prstGeom prst="rect">
-            <a:avLst/>
-          </a:prstGeom>
-        </p:spPr>
-      </p:pic>
-    </p:spTree>
-    <p:extLst>
-      <p:ext uri="{BB962C8B-B14F-4D97-AF65-F5344CB8AC3E}">
-        <p14:creationId xmlns:p14="http://schemas.microsoft.com/office/powerpoint/2010/main" val="1761050351"/>
-      </p:ext>
-    </p:extLst>
-  </p:cSld>
-  <p:clrMapOvr>
-    <a:masterClrMapping/>
-  </p:clrMapOvr>
-  <p:transition spd="slow">
-    <p:cut/>
-  </p:transition>
-</p:sld>
-</file>
-
-<file path=ppt/slides/slide14.xml><?xml version="1.0" encoding="utf-8"?>
-<p:sld xmlns:a="http://schemas.openxmlformats.org/drawingml/2006/main" xmlns:r="http://schemas.openxmlformats.org/officeDocument/2006/relationships" xmlns:p="http://schemas.openxmlformats.org/presentationml/2006/main">
-  <p:cSld>
-    <p:spTree>
-      <p:nvGrpSpPr>
-        <p:cNvPr id="1" name="Shape 82"/>
-        <p:cNvGrpSpPr/>
-        <p:nvPr/>
-      </p:nvGrpSpPr>
-      <p:grpSpPr>
-        <a:xfrm>
-          <a:off x="0" y="0"/>
-          <a:ext cx="0" cy="0"/>
-          <a:chOff x="0" y="0"/>
-          <a:chExt cx="0" cy="0"/>
-        </a:xfrm>
-      </p:grpSpPr>
-      <p:sp>
-        <p:nvSpPr>
           <p:cNvPr id="84" name="Shape 84"/>
           <p:cNvSpPr txBox="1"/>
           <p:nvPr/>
@@ -6552,86 +7390,66 @@
               <a:buSzPct val="100000"/>
             </a:pPr>
             <a:r>
-              <a:rPr lang="sk" sz="1800" dirty="0" smtClean="0">
+              <a:rPr lang="sk" sz="1800" dirty="0">
                 <a:solidFill>
                   <a:schemeClr val="accent6">
                     <a:lumMod val="75000"/>
                   </a:schemeClr>
                 </a:solidFill>
               </a:rPr>
-              <a:t>Nové </a:t>
-            </a:r>
-            <a:r>
-              <a:rPr lang="sk" sz="1800" dirty="0">
+              <a:t>Nové verzie sú </a:t>
+            </a:r>
+            <a:r>
+              <a:rPr lang="sk" sz="1800" b="1" dirty="0">
                 <a:solidFill>
                   <a:schemeClr val="accent6">
                     <a:lumMod val="75000"/>
                   </a:schemeClr>
                 </a:solidFill>
               </a:rPr>
-              <a:t>verzie sú </a:t>
-            </a:r>
-            <a:r>
-              <a:rPr lang="sk" sz="1800" b="1" dirty="0">
+              <a:t>spätne</a:t>
+            </a:r>
+            <a:r>
+              <a:rPr lang="sk" sz="1800" dirty="0">
                 <a:solidFill>
                   <a:schemeClr val="accent6">
                     <a:lumMod val="75000"/>
                   </a:schemeClr>
                 </a:solidFill>
               </a:rPr>
-              <a:t>spätne</a:t>
-            </a:r>
-            <a:r>
-              <a:rPr lang="sk" sz="1800" dirty="0">
+              <a:t> kompatibilné = program vytvorený napr. vo verzii </a:t>
+            </a:r>
+            <a:r>
+              <a:rPr lang="en-US" sz="1800" dirty="0">
                 <a:solidFill>
                   <a:schemeClr val="accent6">
                     <a:lumMod val="75000"/>
                   </a:schemeClr>
                 </a:solidFill>
               </a:rPr>
-              <a:t> kompatibilné = program vytvorený napr. vo verzii </a:t>
-            </a:r>
-            <a:r>
-              <a:rPr lang="en-US" sz="1800" dirty="0" smtClean="0">
+              <a:t>6</a:t>
+            </a:r>
+            <a:r>
+              <a:rPr lang="sk" sz="1800" dirty="0">
                 <a:solidFill>
                   <a:schemeClr val="accent6">
                     <a:lumMod val="75000"/>
                   </a:schemeClr>
                 </a:solidFill>
               </a:rPr>
-              <a:t>6</a:t>
-            </a:r>
-            <a:r>
-              <a:rPr lang="sk" sz="1800" dirty="0" smtClean="0">
+              <a:t> bude </a:t>
+            </a:r>
+            <a:r>
+              <a:rPr lang="sk-SK" sz="1800" dirty="0">
                 <a:solidFill>
                   <a:schemeClr val="accent6">
                     <a:lumMod val="75000"/>
                   </a:schemeClr>
                 </a:solidFill>
               </a:rPr>
-              <a:t> </a:t>
-            </a:r>
-            <a:r>
-              <a:rPr lang="sk" sz="1800" dirty="0">
-                <a:solidFill>
-                  <a:schemeClr val="accent6">
-                    <a:lumMod val="75000"/>
-                  </a:schemeClr>
-                </a:solidFill>
-              </a:rPr>
-              <a:t>bude </a:t>
-            </a:r>
-            <a:r>
-              <a:rPr lang="sk-SK" sz="1800" dirty="0" smtClean="0">
-                <a:solidFill>
-                  <a:schemeClr val="accent6">
-                    <a:lumMod val="75000"/>
-                  </a:schemeClr>
-                </a:solidFill>
-              </a:rPr>
               <a:t>možné spustiť s novšími verziami Java Runtime Environment</a:t>
             </a:r>
-            <a:endParaRPr lang="sk" sz="1800" dirty="0" smtClean="0">
+            <a:endParaRPr lang="sk" sz="1800" dirty="0">
               <a:solidFill>
                 <a:schemeClr val="accent6">
                   <a:lumMod val="75000"/>
@@ -6657,17 +7475,7 @@
                   </a:schemeClr>
                 </a:solidFill>
               </a:rPr>
-              <a:t>Pozor, naopak to neplatí, program vytvorený vo verzii </a:t>
-            </a:r>
-            <a:r>
-              <a:rPr lang="sk" sz="1800" dirty="0" smtClean="0">
-                <a:solidFill>
-                  <a:schemeClr val="accent6">
-                    <a:lumMod val="75000"/>
-                  </a:schemeClr>
-                </a:solidFill>
-              </a:rPr>
-              <a:t>10 nemusí byť možné spustiť so staršími verziami Java Runtime Environment</a:t>
+              <a:t>Pozor, naopak to neplatí, program vytvorený vo verzii 10 nemusí byť možné spustiť so staršími verziami Java Runtime Environment</a:t>
             </a:r>
             <a:endParaRPr lang="sk" dirty="0">
               <a:solidFill>
@@ -6694,7 +7502,7 @@
           <a:p>
             <a:fld id="{7497AAFE-E2E9-4BD8-8F5D-0DCF3CAF0ED9}" type="slidenum">
               <a:rPr lang="sk-SK" smtClean="0"/>
-              <a:t>14</a:t>
+              <a:t>8</a:t>
             </a:fld>
             <a:endParaRPr lang="sk-SK"/>
           </a:p>
@@ -6756,12 +7564,12 @@
 </p:sld>
 </file>
 
-<file path=ppt/slides/slide15.xml><?xml version="1.0" encoding="utf-8"?>
+<file path=ppt/slides/slide9.xml><?xml version="1.0" encoding="utf-8"?>
 <p:sld xmlns:a="http://schemas.openxmlformats.org/drawingml/2006/main" xmlns:r="http://schemas.openxmlformats.org/officeDocument/2006/relationships" xmlns:p="http://schemas.openxmlformats.org/presentationml/2006/main">
   <p:cSld>
     <p:spTree>
       <p:nvGrpSpPr>
-        <p:cNvPr id="1" name="Shape 74"/>
+        <p:cNvPr id="1" name="Shape 49"/>
         <p:cNvGrpSpPr/>
         <p:nvPr/>
       </p:nvGrpSpPr>
@@ -6775,37 +7583,14 @@
       </p:grpSpPr>
       <p:sp>
         <p:nvSpPr>
-          <p:cNvPr id="4" name="Zástupný symbol čísla snímky 3"/>
-          <p:cNvSpPr>
-            <a:spLocks noGrp="1"/>
-          </p:cNvSpPr>
-          <p:nvPr>
-            <p:ph type="sldNum" sz="quarter" idx="12"/>
-          </p:nvPr>
-        </p:nvSpPr>
-        <p:spPr/>
-        <p:txBody>
-          <a:bodyPr/>
-          <a:lstStyle/>
-          <a:p>
-            <a:fld id="{7497AAFE-E2E9-4BD8-8F5D-0DCF3CAF0ED9}" type="slidenum">
-              <a:rPr lang="sk-SK" smtClean="0"/>
-              <a:t>15</a:t>
-            </a:fld>
-            <a:endParaRPr lang="sk-SK"/>
-          </a:p>
-        </p:txBody>
-      </p:sp>
-      <p:sp>
-        <p:nvSpPr>
-          <p:cNvPr id="5" name="Shape 45"/>
+          <p:cNvPr id="51" name="Shape 51"/>
           <p:cNvSpPr txBox="1"/>
           <p:nvPr/>
         </p:nvSpPr>
         <p:spPr>
           <a:xfrm>
-            <a:off x="233757" y="419675"/>
-            <a:ext cx="8610652" cy="586824"/>
+            <a:off x="203930" y="861773"/>
+            <a:ext cx="8795344" cy="4179334"/>
           </a:xfrm>
           <a:prstGeom prst="rect">
             <a:avLst/>
@@ -6821,7 +7606,15 @@
           </a:bodyPr>
           <a:lstStyle/>
           <a:p>
-            <a:pPr algn="ctr"/>
+            <a:pPr lvl="0">
+              <a:lnSpc>
+                <a:spcPct val="115000"/>
+              </a:lnSpc>
+              <a:buClr>
+                <a:schemeClr val="dk1"/>
+              </a:buClr>
+              <a:buSzPct val="45833"/>
+            </a:pPr>
             <a:r>
               <a:rPr lang="sk" sz="2400" b="1" dirty="0">
                 <a:solidFill>
@@ -6831,99 +7624,10 @@
                   </a:schemeClr>
                 </a:solidFill>
               </a:rPr>
-              <a:t>HISTÓRIA A VERZIE JAZYKA JAVA</a:t>
-            </a:r>
-          </a:p>
-        </p:txBody>
-      </p:sp>
-      <p:pic>
-        <p:nvPicPr>
-          <p:cNvPr id="2" name="Obrázok 1"/>
-          <p:cNvPicPr>
-            <a:picLocks noChangeAspect="1"/>
-          </p:cNvPicPr>
-          <p:nvPr/>
-        </p:nvPicPr>
-        <p:blipFill>
-          <a:blip r:embed="rId3"/>
-          <a:stretch>
-            <a:fillRect/>
-          </a:stretch>
-        </p:blipFill>
-        <p:spPr>
-          <a:xfrm>
-            <a:off x="186386" y="1903263"/>
-            <a:ext cx="8705394" cy="2132242"/>
-          </a:xfrm>
-          <a:prstGeom prst="rect">
-            <a:avLst/>
-          </a:prstGeom>
-        </p:spPr>
-      </p:pic>
-    </p:spTree>
-    <p:extLst>
-      <p:ext uri="{BB962C8B-B14F-4D97-AF65-F5344CB8AC3E}">
-        <p14:creationId xmlns:p14="http://schemas.microsoft.com/office/powerpoint/2010/main" val="3012325597"/>
-      </p:ext>
-    </p:extLst>
-  </p:cSld>
-  <p:clrMapOvr>
-    <a:masterClrMapping/>
-  </p:clrMapOvr>
-  <p:transition spd="slow">
-    <p:cut/>
-  </p:transition>
-  <p:timing>
-    <p:tnLst>
-      <p:par>
-        <p:cTn id="1" dur="indefinite" restart="never" nodeType="tmRoot"/>
-      </p:par>
-    </p:tnLst>
-  </p:timing>
-</p:sld>
-</file>
-
-<file path=ppt/slides/slide2.xml><?xml version="1.0" encoding="utf-8"?>
-<p:sld xmlns:a="http://schemas.openxmlformats.org/drawingml/2006/main" xmlns:r="http://schemas.openxmlformats.org/officeDocument/2006/relationships" xmlns:p="http://schemas.openxmlformats.org/presentationml/2006/main">
-  <p:cSld>
-    <p:spTree>
-      <p:nvGrpSpPr>
-        <p:cNvPr id="1" name="Shape 74"/>
-        <p:cNvGrpSpPr/>
-        <p:nvPr/>
-      </p:nvGrpSpPr>
-      <p:grpSpPr>
-        <a:xfrm>
-          <a:off x="0" y="0"/>
-          <a:ext cx="0" cy="0"/>
-          <a:chOff x="0" y="0"/>
-          <a:chExt cx="0" cy="0"/>
-        </a:xfrm>
-      </p:grpSpPr>
-      <p:sp>
-        <p:nvSpPr>
-          <p:cNvPr id="14" name="Nadpis 13"/>
-          <p:cNvSpPr>
-            <a:spLocks noGrp="1"/>
-          </p:cNvSpPr>
-          <p:nvPr>
-            <p:ph type="title"/>
-          </p:nvPr>
-        </p:nvSpPr>
-        <p:spPr>
-          <a:xfrm>
-            <a:off x="147387" y="577874"/>
-            <a:ext cx="7886700" cy="994172"/>
-          </a:xfrm>
-        </p:spPr>
-        <p:txBody>
-          <a:bodyPr>
-            <a:normAutofit/>
-          </a:bodyPr>
-          <a:lstStyle/>
-          <a:p>
-            <a:r>
-              <a:rPr lang="en-US" sz="1600" b="1" dirty="0" smtClean="0">
+              <a:t>Java Applety (cca </a:t>
+            </a:r>
+            <a:r>
+              <a:rPr lang="en-US" sz="2400" b="1" dirty="0">
                 <a:solidFill>
                   <a:schemeClr val="tx1">
                     <a:lumMod val="65000"/>
@@ -6931,10 +7635,10 @@
                   </a:schemeClr>
                 </a:solidFill>
               </a:rPr>
-              <a:t>11/2018 - </a:t>
-            </a:r>
-            <a:r>
-              <a:rPr lang="sk-SK" sz="1600" b="1" dirty="0" err="1" smtClean="0">
+              <a:t>0</a:t>
+            </a:r>
+            <a:r>
+              <a:rPr lang="sk" sz="2400" b="1" dirty="0">
                 <a:solidFill>
                   <a:schemeClr val="tx1">
                     <a:lumMod val="65000"/>
@@ -6942,10 +7646,26 @@
                   </a:schemeClr>
                 </a:solidFill>
               </a:rPr>
-              <a:t>https</a:t>
-            </a:r>
-            <a:r>
-              <a:rPr lang="sk-SK" sz="1600" b="1" dirty="0">
+              <a:t>%)</a:t>
+            </a:r>
+          </a:p>
+          <a:p>
+            <a:pPr marL="457200" lvl="0" indent="-342900">
+              <a:lnSpc>
+                <a:spcPct val="115000"/>
+              </a:lnSpc>
+              <a:spcBef>
+                <a:spcPts val="1000"/>
+              </a:spcBef>
+              <a:buClr>
+                <a:srgbClr val="666666"/>
+              </a:buClr>
+              <a:buSzPct val="100000"/>
+              <a:buFont typeface="Arial" panose="020B0604020202020204" pitchFamily="34" charset="0"/>
+              <a:buChar char="•"/>
+            </a:pPr>
+            <a:r>
+              <a:rPr lang="sk" sz="1800" dirty="0">
                 <a:solidFill>
                   <a:schemeClr val="tx1">
                     <a:lumMod val="65000"/>
@@ -6953,10 +7673,26 @@
                   </a:schemeClr>
                 </a:solidFill>
               </a:rPr>
-              <a:t>://</a:t>
-            </a:r>
-            <a:r>
-              <a:rPr lang="sk-SK" sz="1600" b="1" dirty="0" err="1" smtClean="0">
+              <a:t>java kód vložíme do web stránky</a:t>
+            </a:r>
+          </a:p>
+          <a:p>
+            <a:pPr marL="457200" lvl="0" indent="-342900">
+              <a:lnSpc>
+                <a:spcPct val="115000"/>
+              </a:lnSpc>
+              <a:spcBef>
+                <a:spcPts val="1000"/>
+              </a:spcBef>
+              <a:buClr>
+                <a:srgbClr val="666666"/>
+              </a:buClr>
+              <a:buSzPct val="100000"/>
+              <a:buFont typeface="Arial" panose="020B0604020202020204" pitchFamily="34" charset="0"/>
+              <a:buChar char="•"/>
+            </a:pPr>
+            <a:r>
+              <a:rPr lang="sk" sz="1800" dirty="0">
                 <a:solidFill>
                   <a:schemeClr val="tx1">
                     <a:lumMod val="65000"/>
@@ -6964,10 +7700,26 @@
                   </a:schemeClr>
                 </a:solidFill>
               </a:rPr>
-              <a:t>www.tiobe.com</a:t>
-            </a:r>
-            <a:r>
-              <a:rPr lang="sk-SK" sz="1600" b="1" dirty="0" smtClean="0">
+              <a:t>web stránku umiestnime na webový server</a:t>
+            </a:r>
+          </a:p>
+          <a:p>
+            <a:pPr marL="457200" lvl="0" indent="-342900">
+              <a:lnSpc>
+                <a:spcPct val="115000"/>
+              </a:lnSpc>
+              <a:spcBef>
+                <a:spcPts val="1000"/>
+              </a:spcBef>
+              <a:buClr>
+                <a:srgbClr val="666666"/>
+              </a:buClr>
+              <a:buSzPct val="100000"/>
+              <a:buFont typeface="Arial" panose="020B0604020202020204" pitchFamily="34" charset="0"/>
+              <a:buChar char="•"/>
+            </a:pPr>
+            <a:r>
+              <a:rPr lang="sk" sz="1800" dirty="0">
                 <a:solidFill>
                   <a:schemeClr val="tx1">
                     <a:lumMod val="65000"/>
@@ -6975,10 +7727,26 @@
                   </a:schemeClr>
                 </a:solidFill>
               </a:rPr>
-              <a:t>/</a:t>
-            </a:r>
-            <a:r>
-              <a:rPr lang="sk-SK" sz="1600" b="1" dirty="0" err="1" smtClean="0">
+              <a:t>užívateľ si stránku otvorí z internetu</a:t>
+            </a:r>
+          </a:p>
+          <a:p>
+            <a:pPr marL="457200" lvl="0" indent="-342900">
+              <a:lnSpc>
+                <a:spcPct val="115000"/>
+              </a:lnSpc>
+              <a:spcBef>
+                <a:spcPts val="1000"/>
+              </a:spcBef>
+              <a:buClr>
+                <a:srgbClr val="666666"/>
+              </a:buClr>
+              <a:buSzPct val="100000"/>
+              <a:buFont typeface="Arial" panose="020B0604020202020204" pitchFamily="34" charset="0"/>
+              <a:buChar char="•"/>
+            </a:pPr>
+            <a:r>
+              <a:rPr lang="sk" sz="1800" dirty="0">
                 <a:solidFill>
                   <a:schemeClr val="tx1">
                     <a:lumMod val="65000"/>
@@ -6986,10 +7754,26 @@
                   </a:schemeClr>
                 </a:solidFill>
               </a:rPr>
-              <a:t>tiobe</a:t>
-            </a:r>
-            <a:r>
-              <a:rPr lang="sk-SK" sz="1600" b="1" dirty="0" smtClean="0">
+              <a:t>java kód sa vykoná pri načítavaní webstránky v prehliadači užívateľa</a:t>
+            </a:r>
+          </a:p>
+          <a:p>
+            <a:pPr marL="457200" lvl="0" indent="-342900">
+              <a:lnSpc>
+                <a:spcPct val="115000"/>
+              </a:lnSpc>
+              <a:spcBef>
+                <a:spcPts val="1000"/>
+              </a:spcBef>
+              <a:buClr>
+                <a:srgbClr val="666666"/>
+              </a:buClr>
+              <a:buSzPct val="100000"/>
+              <a:buFont typeface="Arial" panose="020B0604020202020204" pitchFamily="34" charset="0"/>
+              <a:buChar char="•"/>
+            </a:pPr>
+            <a:r>
+              <a:rPr lang="sk" sz="1800" dirty="0">
                 <a:solidFill>
                   <a:schemeClr val="tx1">
                     <a:lumMod val="65000"/>
@@ -6997,9 +7781,51 @@
                   </a:schemeClr>
                 </a:solidFill>
               </a:rPr>
-              <a:t>-index</a:t>
-            </a:r>
-            <a:endParaRPr lang="sk-SK" sz="1600" b="1" dirty="0">
+              <a:t>výsledok sa vloží do webstránky</a:t>
+            </a:r>
+          </a:p>
+          <a:p>
+            <a:pPr marL="457200" lvl="0" indent="-342900">
+              <a:lnSpc>
+                <a:spcPct val="115000"/>
+              </a:lnSpc>
+              <a:spcBef>
+                <a:spcPts val="1000"/>
+              </a:spcBef>
+              <a:buClr>
+                <a:srgbClr val="666666"/>
+              </a:buClr>
+              <a:buSzPct val="100000"/>
+              <a:buFont typeface="Arial" panose="020B0604020202020204" pitchFamily="34" charset="0"/>
+              <a:buChar char="•"/>
+            </a:pPr>
+            <a:r>
+              <a:rPr lang="sk" sz="1800" dirty="0">
+                <a:solidFill>
+                  <a:schemeClr val="tx1">
+                    <a:lumMod val="65000"/>
+                    <a:lumOff val="35000"/>
+                  </a:schemeClr>
+                </a:solidFill>
+              </a:rPr>
+              <a:t>vyžaduje sa plug-in pre prehliadač</a:t>
+            </a:r>
+          </a:p>
+          <a:p>
+            <a:pPr lvl="0" rtl="0">
+              <a:lnSpc>
+                <a:spcPct val="115000"/>
+              </a:lnSpc>
+              <a:spcBef>
+                <a:spcPts val="0"/>
+              </a:spcBef>
+              <a:buClr>
+                <a:schemeClr val="dk1"/>
+              </a:buClr>
+              <a:buFont typeface="Arial"/>
+              <a:buNone/>
+            </a:pPr>
+            <a:endParaRPr sz="2400" dirty="0">
               <a:solidFill>
                 <a:schemeClr val="tx1">
                   <a:lumMod val="65000"/>
@@ -7008,68 +7834,83 @@
               </a:solidFill>
             </a:endParaRPr>
           </a:p>
-        </p:txBody>
-      </p:sp>
-      <p:pic>
-        <p:nvPicPr>
-          <p:cNvPr id="15" name="Zástupný symbol obsahu 14"/>
-          <p:cNvPicPr>
-            <a:picLocks noGrp="1" noChangeAspect="1"/>
-          </p:cNvPicPr>
-          <p:nvPr>
-            <p:ph idx="1"/>
-          </p:nvPr>
-        </p:nvPicPr>
-        <p:blipFill>
-          <a:blip r:embed="rId3"/>
-          <a:stretch>
-            <a:fillRect/>
-          </a:stretch>
-        </p:blipFill>
+          <a:p>
+            <a:pPr lvl="0" rtl="0">
+              <a:lnSpc>
+                <a:spcPct val="115000"/>
+              </a:lnSpc>
+              <a:spcBef>
+                <a:spcPts val="0"/>
+              </a:spcBef>
+              <a:buClr>
+                <a:schemeClr val="dk1"/>
+              </a:buClr>
+              <a:buFont typeface="Arial"/>
+              <a:buNone/>
+            </a:pPr>
+            <a:endParaRPr sz="2400" b="1" dirty="0">
+              <a:solidFill>
+                <a:schemeClr val="tx1">
+                  <a:lumMod val="65000"/>
+                  <a:lumOff val="35000"/>
+                </a:schemeClr>
+              </a:solidFill>
+            </a:endParaRPr>
+          </a:p>
+          <a:p>
+            <a:pPr lvl="0" rtl="0">
+              <a:lnSpc>
+                <a:spcPct val="115000"/>
+              </a:lnSpc>
+              <a:spcBef>
+                <a:spcPts val="0"/>
+              </a:spcBef>
+              <a:buNone/>
+            </a:pPr>
+            <a:endParaRPr sz="2400" dirty="0">
+              <a:solidFill>
+                <a:schemeClr val="tx1">
+                  <a:lumMod val="65000"/>
+                  <a:lumOff val="35000"/>
+                </a:schemeClr>
+              </a:solidFill>
+            </a:endParaRPr>
+          </a:p>
+        </p:txBody>
+      </p:sp>
+      <p:sp>
+        <p:nvSpPr>
+          <p:cNvPr id="5" name="Zástupný symbol čísla snímky 4"/>
+          <p:cNvSpPr>
+            <a:spLocks noGrp="1"/>
+          </p:cNvSpPr>
+          <p:nvPr>
+            <p:ph type="sldNum" sz="quarter" idx="12"/>
+          </p:nvPr>
+        </p:nvSpPr>
+        <p:spPr/>
+        <p:txBody>
+          <a:bodyPr/>
+          <a:lstStyle/>
+          <a:p>
+            <a:fld id="{7497AAFE-E2E9-4BD8-8F5D-0DCF3CAF0ED9}" type="slidenum">
+              <a:rPr lang="sk-SK" smtClean="0"/>
+              <a:t>9</a:t>
+            </a:fld>
+            <a:endParaRPr lang="sk-SK"/>
+          </a:p>
+        </p:txBody>
+      </p:sp>
+      <p:sp>
+        <p:nvSpPr>
+          <p:cNvPr id="7" name="Shape 45"/>
+          <p:cNvSpPr txBox="1"/>
+          <p:nvPr/>
+        </p:nvSpPr>
         <p:spPr>
           <a:xfrm>
-            <a:off x="963641" y="1258159"/>
-            <a:ext cx="7150883" cy="3646026"/>
-          </a:xfrm>
-          <a:prstGeom prst="rect">
-            <a:avLst/>
-          </a:prstGeom>
-        </p:spPr>
-      </p:pic>
-      <p:sp>
-        <p:nvSpPr>
-          <p:cNvPr id="4" name="Zástupný symbol čísla snímky 3"/>
-          <p:cNvSpPr>
-            <a:spLocks noGrp="1"/>
-          </p:cNvSpPr>
-          <p:nvPr>
-            <p:ph type="sldNum" sz="quarter" idx="12"/>
-          </p:nvPr>
-        </p:nvSpPr>
-        <p:spPr/>
-        <p:txBody>
-          <a:bodyPr/>
-          <a:lstStyle/>
-          <a:p>
-            <a:fld id="{7497AAFE-E2E9-4BD8-8F5D-0DCF3CAF0ED9}" type="slidenum">
-              <a:rPr lang="sk-SK" smtClean="0"/>
-              <a:pPr/>
-              <a:t>2</a:t>
-            </a:fld>
-            <a:endParaRPr lang="sk-SK"/>
-          </a:p>
-        </p:txBody>
-      </p:sp>
-      <p:sp>
-        <p:nvSpPr>
-          <p:cNvPr id="5" name="Shape 45"/>
-          <p:cNvSpPr txBox="1"/>
-          <p:nvPr/>
-        </p:nvSpPr>
-        <p:spPr>
-          <a:xfrm>
-            <a:off x="233757" y="419675"/>
-            <a:ext cx="8610652" cy="586824"/>
+            <a:off x="3237557" y="333455"/>
+            <a:ext cx="2465931" cy="528318"/>
           </a:xfrm>
           <a:prstGeom prst="rect">
             <a:avLst/>
@@ -7085,7 +7926,7 @@
           </a:bodyPr>
           <a:lstStyle/>
           <a:p>
-            <a:pPr lvl="0" algn="ctr" rtl="0">
+            <a:pPr lvl="0" rtl="0">
               <a:spcBef>
                 <a:spcPts val="0"/>
               </a:spcBef>
@@ -7097,7 +7938,7 @@
               <a:buNone/>
             </a:pPr>
             <a:r>
-              <a:rPr lang="en-US" sz="2400" b="1" dirty="0" smtClean="0">
+              <a:rPr lang="sk-SK" sz="2400" b="1" dirty="0">
                 <a:solidFill>
                   <a:schemeClr val="tx1">
                     <a:lumMod val="65000"/>
@@ -7105,31 +7946,9 @@
                   </a:schemeClr>
                 </a:solidFill>
               </a:rPr>
-              <a:t>POPULARITA </a:t>
-            </a:r>
-            <a:r>
-              <a:rPr lang="en-US" sz="2400" b="1" dirty="0" err="1" smtClean="0">
-                <a:solidFill>
-                  <a:schemeClr val="tx1">
-                    <a:lumMod val="65000"/>
-                    <a:lumOff val="35000"/>
-                  </a:schemeClr>
-                </a:solidFill>
-              </a:rPr>
-              <a:t>JAZYKA</a:t>
-            </a:r>
-            <a:r>
-              <a:rPr lang="en-US" sz="2400" b="1" dirty="0" smtClean="0">
-                <a:solidFill>
-                  <a:schemeClr val="tx1">
-                    <a:lumMod val="65000"/>
-                    <a:lumOff val="35000"/>
-                  </a:schemeClr>
-                </a:solidFill>
-              </a:rPr>
-              <a:t> JAVA</a:t>
-            </a:r>
-            <a:endParaRPr lang="sk" sz="2400" b="1" dirty="0">
+              <a:t>VYUŽITIE JAVY</a:t>
+            </a:r>
+            <a:endParaRPr sz="2400" b="1" dirty="0">
               <a:solidFill>
                 <a:schemeClr val="tx1">
                   <a:lumMod val="65000"/>
@@ -7143,1671 +7962,9 @@
     </p:spTree>
     <p:extLst>
       <p:ext uri="{BB962C8B-B14F-4D97-AF65-F5344CB8AC3E}">
-        <p14:creationId xmlns:p14="http://schemas.microsoft.com/office/powerpoint/2010/main" val="3423966013"/>
+        <p14:creationId xmlns:p14="http://schemas.microsoft.com/office/powerpoint/2010/main" val="861004309"/>
       </p:ext>
     </p:extLst>
-  </p:cSld>
-  <p:clrMapOvr>
-    <a:masterClrMapping/>
-  </p:clrMapOvr>
-  <p:transition spd="slow">
-    <p:cut/>
-  </p:transition>
-  <p:timing>
-    <p:tnLst>
-      <p:par>
-        <p:cTn id="1" dur="indefinite" restart="never" nodeType="tmRoot"/>
-      </p:par>
-    </p:tnLst>
-  </p:timing>
-</p:sld>
-</file>
-
-<file path=ppt/slides/slide3.xml><?xml version="1.0" encoding="utf-8"?>
-<p:sld xmlns:a="http://schemas.openxmlformats.org/drawingml/2006/main" xmlns:r="http://schemas.openxmlformats.org/officeDocument/2006/relationships" xmlns:p="http://schemas.openxmlformats.org/presentationml/2006/main">
-  <p:cSld>
-    <p:spTree>
-      <p:nvGrpSpPr>
-        <p:cNvPr id="1" name="Shape 74"/>
-        <p:cNvGrpSpPr/>
-        <p:nvPr/>
-      </p:nvGrpSpPr>
-      <p:grpSpPr>
-        <a:xfrm>
-          <a:off x="0" y="0"/>
-          <a:ext cx="0" cy="0"/>
-          <a:chOff x="0" y="0"/>
-          <a:chExt cx="0" cy="0"/>
-        </a:xfrm>
-      </p:grpSpPr>
-      <p:sp>
-        <p:nvSpPr>
-          <p:cNvPr id="4" name="Zástupný symbol čísla snímky 3"/>
-          <p:cNvSpPr>
-            <a:spLocks noGrp="1"/>
-          </p:cNvSpPr>
-          <p:nvPr>
-            <p:ph type="sldNum" sz="quarter" idx="12"/>
-          </p:nvPr>
-        </p:nvSpPr>
-        <p:spPr/>
-        <p:txBody>
-          <a:bodyPr/>
-          <a:lstStyle/>
-          <a:p>
-            <a:fld id="{7497AAFE-E2E9-4BD8-8F5D-0DCF3CAF0ED9}" type="slidenum">
-              <a:rPr lang="sk-SK" smtClean="0"/>
-              <a:pPr/>
-              <a:t>3</a:t>
-            </a:fld>
-            <a:endParaRPr lang="sk-SK"/>
-          </a:p>
-        </p:txBody>
-      </p:sp>
-      <p:sp>
-        <p:nvSpPr>
-          <p:cNvPr id="5" name="Shape 45"/>
-          <p:cNvSpPr txBox="1"/>
-          <p:nvPr/>
-        </p:nvSpPr>
-        <p:spPr>
-          <a:xfrm>
-            <a:off x="233757" y="419675"/>
-            <a:ext cx="8610652" cy="586824"/>
-          </a:xfrm>
-          <a:prstGeom prst="rect">
-            <a:avLst/>
-          </a:prstGeom>
-          <a:noFill/>
-          <a:ln>
-            <a:noFill/>
-          </a:ln>
-        </p:spPr>
-        <p:txBody>
-          <a:bodyPr lIns="91425" tIns="91425" rIns="91425" bIns="91425" anchor="t" anchorCtr="0">
-            <a:noAutofit/>
-          </a:bodyPr>
-          <a:lstStyle/>
-          <a:p>
-            <a:pPr lvl="0" algn="ctr" rtl="0">
-              <a:spcBef>
-                <a:spcPts val="0"/>
-              </a:spcBef>
-              <a:buClr>
-                <a:schemeClr val="dk1"/>
-              </a:buClr>
-              <a:buSzPct val="45833"/>
-              <a:buFont typeface="Arial"/>
-              <a:buNone/>
-            </a:pPr>
-            <a:r>
-              <a:rPr lang="en-US" sz="2400" b="1" dirty="0" err="1" smtClean="0">
-                <a:solidFill>
-                  <a:schemeClr val="tx1">
-                    <a:lumMod val="65000"/>
-                    <a:lumOff val="35000"/>
-                  </a:schemeClr>
-                </a:solidFill>
-              </a:rPr>
-              <a:t>PRIESKUM</a:t>
-            </a:r>
-            <a:r>
-              <a:rPr lang="en-US" sz="2400" b="1" dirty="0" smtClean="0">
-                <a:solidFill>
-                  <a:schemeClr val="tx1">
-                    <a:lumMod val="65000"/>
-                    <a:lumOff val="35000"/>
-                  </a:schemeClr>
-                </a:solidFill>
-              </a:rPr>
-              <a:t> </a:t>
-            </a:r>
-            <a:r>
-              <a:rPr lang="en-US" sz="2400" b="1" dirty="0" err="1" smtClean="0">
-                <a:solidFill>
-                  <a:schemeClr val="tx1">
-                    <a:lumMod val="65000"/>
-                    <a:lumOff val="35000"/>
-                  </a:schemeClr>
-                </a:solidFill>
-              </a:rPr>
-              <a:t>PLATOV</a:t>
-            </a:r>
-            <a:endParaRPr lang="sk" sz="2400" b="1" dirty="0">
-              <a:solidFill>
-                <a:schemeClr val="tx1">
-                  <a:lumMod val="65000"/>
-                  <a:lumOff val="35000"/>
-                </a:schemeClr>
-              </a:solidFill>
-            </a:endParaRPr>
-          </a:p>
-        </p:txBody>
-      </p:sp>
-      <p:sp>
-        <p:nvSpPr>
-          <p:cNvPr id="12" name="Obdĺžnik 11"/>
-          <p:cNvSpPr/>
-          <p:nvPr/>
-        </p:nvSpPr>
-        <p:spPr>
-          <a:xfrm>
-            <a:off x="551191" y="1006499"/>
-            <a:ext cx="4139023" cy="830997"/>
-          </a:xfrm>
-          <a:prstGeom prst="rect">
-            <a:avLst/>
-          </a:prstGeom>
-        </p:spPr>
-        <p:txBody>
-          <a:bodyPr wrap="square">
-            <a:spAutoFit/>
-          </a:bodyPr>
-          <a:lstStyle/>
-          <a:p>
-            <a:r>
-              <a:rPr lang="en-US" sz="1600" b="1" dirty="0">
-                <a:solidFill>
-                  <a:schemeClr val="tx1">
-                    <a:lumMod val="65000"/>
-                    <a:lumOff val="35000"/>
-                  </a:schemeClr>
-                </a:solidFill>
-              </a:rPr>
-              <a:t>https://</a:t>
-            </a:r>
-            <a:r>
-              <a:rPr lang="en-US" sz="1600" b="1" dirty="0" smtClean="0">
-                <a:solidFill>
-                  <a:schemeClr val="tx1">
-                    <a:lumMod val="65000"/>
-                    <a:lumOff val="35000"/>
-                  </a:schemeClr>
-                </a:solidFill>
-              </a:rPr>
-              <a:t>www.platy.sk</a:t>
-            </a:r>
-          </a:p>
-          <a:p>
-            <a:r>
-              <a:rPr lang="sk" sz="1600" dirty="0" smtClean="0">
-                <a:solidFill>
-                  <a:schemeClr val="tx1">
-                    <a:lumMod val="65000"/>
-                    <a:lumOff val="35000"/>
-                  </a:schemeClr>
-                </a:solidFill>
-              </a:rPr>
-              <a:t>Java programátor</a:t>
-            </a:r>
-            <a:endParaRPr lang="en-US" sz="1600" dirty="0">
-              <a:solidFill>
-                <a:schemeClr val="tx1">
-                  <a:lumMod val="65000"/>
-                  <a:lumOff val="35000"/>
-                </a:schemeClr>
-              </a:solidFill>
-            </a:endParaRPr>
-          </a:p>
-          <a:p>
-            <a:r>
-              <a:rPr lang="sk" sz="1600" dirty="0" smtClean="0">
-                <a:solidFill>
-                  <a:schemeClr val="tx1">
-                    <a:lumMod val="65000"/>
-                    <a:lumOff val="35000"/>
-                  </a:schemeClr>
-                </a:solidFill>
-              </a:rPr>
-              <a:t>Lokalita Bratislava</a:t>
-            </a:r>
-          </a:p>
-        </p:txBody>
-      </p:sp>
-      <p:pic>
-        <p:nvPicPr>
-          <p:cNvPr id="16" name="Shape 25"/>
-          <p:cNvPicPr preferRelativeResize="0">
-            <a:picLocks noGrp="1"/>
-          </p:cNvPicPr>
-          <p:nvPr>
-            <p:ph idx="1"/>
-          </p:nvPr>
-        </p:nvPicPr>
-        <p:blipFill>
-          <a:blip r:embed="rId3">
-            <a:alphaModFix/>
-          </a:blip>
-          <a:stretch>
-            <a:fillRect/>
-          </a:stretch>
-        </p:blipFill>
-        <p:spPr>
-          <a:xfrm>
-            <a:off x="1881701" y="2020561"/>
-            <a:ext cx="5314764" cy="2626767"/>
-          </a:xfrm>
-          <a:prstGeom prst="rect">
-            <a:avLst/>
-          </a:prstGeom>
-          <a:noFill/>
-          <a:ln>
-            <a:noFill/>
-          </a:ln>
-        </p:spPr>
-      </p:pic>
-      <p:sp>
-        <p:nvSpPr>
-          <p:cNvPr id="17" name="Obdĺžnik 16"/>
-          <p:cNvSpPr/>
-          <p:nvPr/>
-        </p:nvSpPr>
-        <p:spPr>
-          <a:xfrm>
-            <a:off x="5057570" y="1590475"/>
-            <a:ext cx="2138895" cy="338554"/>
-          </a:xfrm>
-          <a:prstGeom prst="rect">
-            <a:avLst/>
-          </a:prstGeom>
-        </p:spPr>
-        <p:txBody>
-          <a:bodyPr wrap="square">
-            <a:spAutoFit/>
-          </a:bodyPr>
-          <a:lstStyle/>
-          <a:p>
-            <a:pPr algn="r"/>
-            <a:r>
-              <a:rPr lang="en-US" sz="1600" b="1" dirty="0" err="1" smtClean="0">
-                <a:solidFill>
-                  <a:schemeClr val="tx1">
-                    <a:lumMod val="50000"/>
-                    <a:lumOff val="50000"/>
-                  </a:schemeClr>
-                </a:solidFill>
-              </a:rPr>
-              <a:t>Prieskum</a:t>
-            </a:r>
-            <a:r>
-              <a:rPr lang="en-US" sz="1600" b="1" dirty="0" smtClean="0">
-                <a:solidFill>
-                  <a:schemeClr val="tx1">
-                    <a:lumMod val="50000"/>
-                    <a:lumOff val="50000"/>
-                  </a:schemeClr>
-                </a:solidFill>
-              </a:rPr>
-              <a:t> z: 2015</a:t>
-            </a:r>
-            <a:endParaRPr lang="sk" sz="1600" b="1" dirty="0" smtClean="0">
-              <a:solidFill>
-                <a:schemeClr val="tx1">
-                  <a:lumMod val="50000"/>
-                  <a:lumOff val="50000"/>
-                </a:schemeClr>
-              </a:solidFill>
-            </a:endParaRPr>
-          </a:p>
-        </p:txBody>
-      </p:sp>
-    </p:spTree>
-    <p:extLst>
-      <p:ext uri="{BB962C8B-B14F-4D97-AF65-F5344CB8AC3E}">
-        <p14:creationId xmlns:p14="http://schemas.microsoft.com/office/powerpoint/2010/main" val="1255313094"/>
-      </p:ext>
-    </p:extLst>
-  </p:cSld>
-  <p:clrMapOvr>
-    <a:masterClrMapping/>
-  </p:clrMapOvr>
-  <p:transition spd="slow">
-    <p:cut/>
-  </p:transition>
-  <p:timing>
-    <p:tnLst>
-      <p:par>
-        <p:cTn id="1" dur="indefinite" restart="never" nodeType="tmRoot"/>
-      </p:par>
-    </p:tnLst>
-  </p:timing>
-</p:sld>
-</file>
-
-<file path=ppt/slides/slide4.xml><?xml version="1.0" encoding="utf-8"?>
-<p:sld xmlns:a="http://schemas.openxmlformats.org/drawingml/2006/main" xmlns:r="http://schemas.openxmlformats.org/officeDocument/2006/relationships" xmlns:p="http://schemas.openxmlformats.org/presentationml/2006/main">
-  <p:cSld>
-    <p:spTree>
-      <p:nvGrpSpPr>
-        <p:cNvPr id="1" name="Shape 30"/>
-        <p:cNvGrpSpPr/>
-        <p:nvPr/>
-      </p:nvGrpSpPr>
-      <p:grpSpPr>
-        <a:xfrm>
-          <a:off x="0" y="0"/>
-          <a:ext cx="0" cy="0"/>
-          <a:chOff x="0" y="0"/>
-          <a:chExt cx="0" cy="0"/>
-        </a:xfrm>
-      </p:grpSpPr>
-      <p:pic>
-        <p:nvPicPr>
-          <p:cNvPr id="32" name="Shape 32"/>
-          <p:cNvPicPr preferRelativeResize="0"/>
-          <p:nvPr/>
-        </p:nvPicPr>
-        <p:blipFill>
-          <a:blip r:embed="rId3">
-            <a:alphaModFix/>
-          </a:blip>
-          <a:stretch>
-            <a:fillRect/>
-          </a:stretch>
-        </p:blipFill>
-        <p:spPr>
-          <a:xfrm>
-            <a:off x="1698201" y="1781599"/>
-            <a:ext cx="5640074" cy="2985664"/>
-          </a:xfrm>
-          <a:prstGeom prst="rect">
-            <a:avLst/>
-          </a:prstGeom>
-          <a:noFill/>
-          <a:ln>
-            <a:noFill/>
-          </a:ln>
-        </p:spPr>
-      </p:pic>
-      <p:sp>
-        <p:nvSpPr>
-          <p:cNvPr id="15" name="Zástupný symbol čísla snímky 14"/>
-          <p:cNvSpPr>
-            <a:spLocks noGrp="1"/>
-          </p:cNvSpPr>
-          <p:nvPr>
-            <p:ph type="sldNum" sz="quarter" idx="12"/>
-          </p:nvPr>
-        </p:nvSpPr>
-        <p:spPr/>
-        <p:txBody>
-          <a:bodyPr/>
-          <a:lstStyle/>
-          <a:p>
-            <a:fld id="{7497AAFE-E2E9-4BD8-8F5D-0DCF3CAF0ED9}" type="slidenum">
-              <a:rPr lang="sk-SK" smtClean="0"/>
-              <a:t>4</a:t>
-            </a:fld>
-            <a:endParaRPr lang="sk-SK"/>
-          </a:p>
-        </p:txBody>
-      </p:sp>
-      <p:sp>
-        <p:nvSpPr>
-          <p:cNvPr id="5" name="Shape 45"/>
-          <p:cNvSpPr txBox="1"/>
-          <p:nvPr/>
-        </p:nvSpPr>
-        <p:spPr>
-          <a:xfrm>
-            <a:off x="2480717" y="419675"/>
-            <a:ext cx="4075043" cy="586824"/>
-          </a:xfrm>
-          <a:prstGeom prst="rect">
-            <a:avLst/>
-          </a:prstGeom>
-          <a:noFill/>
-          <a:ln>
-            <a:noFill/>
-          </a:ln>
-        </p:spPr>
-        <p:txBody>
-          <a:bodyPr lIns="91425" tIns="91425" rIns="91425" bIns="91425" anchor="t" anchorCtr="0">
-            <a:noAutofit/>
-          </a:bodyPr>
-          <a:lstStyle/>
-          <a:p>
-            <a:pPr lvl="0" algn="ctr">
-              <a:buClr>
-                <a:schemeClr val="dk1"/>
-              </a:buClr>
-              <a:buSzPct val="45833"/>
-            </a:pPr>
-            <a:r>
-              <a:rPr lang="en-US" sz="2400" b="1" dirty="0" err="1">
-                <a:solidFill>
-                  <a:schemeClr val="tx1">
-                    <a:lumMod val="65000"/>
-                    <a:lumOff val="35000"/>
-                  </a:schemeClr>
-                </a:solidFill>
-              </a:rPr>
-              <a:t>PRIESKUM</a:t>
-            </a:r>
-            <a:r>
-              <a:rPr lang="en-US" sz="2400" b="1" dirty="0">
-                <a:solidFill>
-                  <a:schemeClr val="tx1">
-                    <a:lumMod val="65000"/>
-                    <a:lumOff val="35000"/>
-                  </a:schemeClr>
-                </a:solidFill>
-              </a:rPr>
-              <a:t> </a:t>
-            </a:r>
-            <a:r>
-              <a:rPr lang="en-US" sz="2400" b="1" dirty="0" err="1">
-                <a:solidFill>
-                  <a:schemeClr val="tx1">
-                    <a:lumMod val="65000"/>
-                    <a:lumOff val="35000"/>
-                  </a:schemeClr>
-                </a:solidFill>
-              </a:rPr>
-              <a:t>PLATOV</a:t>
-            </a:r>
-            <a:endParaRPr lang="sk" sz="2400" b="1" dirty="0">
-              <a:solidFill>
-                <a:schemeClr val="tx1">
-                  <a:lumMod val="65000"/>
-                  <a:lumOff val="35000"/>
-                </a:schemeClr>
-              </a:solidFill>
-            </a:endParaRPr>
-          </a:p>
-        </p:txBody>
-      </p:sp>
-      <p:sp>
-        <p:nvSpPr>
-          <p:cNvPr id="6" name="Obdĺžnik 5"/>
-          <p:cNvSpPr/>
-          <p:nvPr/>
-        </p:nvSpPr>
-        <p:spPr>
-          <a:xfrm>
-            <a:off x="5199380" y="1394561"/>
-            <a:ext cx="2138895" cy="338554"/>
-          </a:xfrm>
-          <a:prstGeom prst="rect">
-            <a:avLst/>
-          </a:prstGeom>
-        </p:spPr>
-        <p:txBody>
-          <a:bodyPr wrap="square">
-            <a:spAutoFit/>
-          </a:bodyPr>
-          <a:lstStyle/>
-          <a:p>
-            <a:pPr algn="r"/>
-            <a:r>
-              <a:rPr lang="en-US" sz="1600" b="1" dirty="0" err="1" smtClean="0">
-                <a:solidFill>
-                  <a:schemeClr val="tx1">
-                    <a:lumMod val="50000"/>
-                    <a:lumOff val="50000"/>
-                  </a:schemeClr>
-                </a:solidFill>
-              </a:rPr>
-              <a:t>Prieskum</a:t>
-            </a:r>
-            <a:r>
-              <a:rPr lang="en-US" sz="1600" b="1" dirty="0" smtClean="0">
-                <a:solidFill>
-                  <a:schemeClr val="tx1">
-                    <a:lumMod val="50000"/>
-                    <a:lumOff val="50000"/>
-                  </a:schemeClr>
-                </a:solidFill>
-              </a:rPr>
-              <a:t> z: 2015</a:t>
-            </a:r>
-            <a:endParaRPr lang="sk" sz="1600" b="1" dirty="0" smtClean="0">
-              <a:solidFill>
-                <a:schemeClr val="tx1">
-                  <a:lumMod val="50000"/>
-                  <a:lumOff val="50000"/>
-                </a:schemeClr>
-              </a:solidFill>
-            </a:endParaRPr>
-          </a:p>
-        </p:txBody>
-      </p:sp>
-    </p:spTree>
-  </p:cSld>
-  <p:clrMapOvr>
-    <a:masterClrMapping/>
-  </p:clrMapOvr>
-  <p:transition spd="slow">
-    <p:cut/>
-  </p:transition>
-  <p:timing>
-    <p:tnLst>
-      <p:par>
-        <p:cTn id="1" dur="indefinite" restart="never" nodeType="tmRoot"/>
-      </p:par>
-    </p:tnLst>
-  </p:timing>
-</p:sld>
-</file>
-
-<file path=ppt/slides/slide5.xml><?xml version="1.0" encoding="utf-8"?>
-<p:sld xmlns:a="http://schemas.openxmlformats.org/drawingml/2006/main" xmlns:r="http://schemas.openxmlformats.org/officeDocument/2006/relationships" xmlns:p="http://schemas.openxmlformats.org/presentationml/2006/main">
-  <p:cSld>
-    <p:spTree>
-      <p:nvGrpSpPr>
-        <p:cNvPr id="1" name="Shape 74"/>
-        <p:cNvGrpSpPr/>
-        <p:nvPr/>
-      </p:nvGrpSpPr>
-      <p:grpSpPr>
-        <a:xfrm>
-          <a:off x="0" y="0"/>
-          <a:ext cx="0" cy="0"/>
-          <a:chOff x="0" y="0"/>
-          <a:chExt cx="0" cy="0"/>
-        </a:xfrm>
-      </p:grpSpPr>
-      <p:sp>
-        <p:nvSpPr>
-          <p:cNvPr id="4" name="Zástupný symbol čísla snímky 3"/>
-          <p:cNvSpPr>
-            <a:spLocks noGrp="1"/>
-          </p:cNvSpPr>
-          <p:nvPr>
-            <p:ph type="sldNum" sz="quarter" idx="12"/>
-          </p:nvPr>
-        </p:nvSpPr>
-        <p:spPr/>
-        <p:txBody>
-          <a:bodyPr/>
-          <a:lstStyle/>
-          <a:p>
-            <a:fld id="{7497AAFE-E2E9-4BD8-8F5D-0DCF3CAF0ED9}" type="slidenum">
-              <a:rPr lang="sk-SK" smtClean="0"/>
-              <a:pPr/>
-              <a:t>5</a:t>
-            </a:fld>
-            <a:endParaRPr lang="sk-SK"/>
-          </a:p>
-        </p:txBody>
-      </p:sp>
-      <p:sp>
-        <p:nvSpPr>
-          <p:cNvPr id="5" name="Shape 45"/>
-          <p:cNvSpPr txBox="1"/>
-          <p:nvPr/>
-        </p:nvSpPr>
-        <p:spPr>
-          <a:xfrm>
-            <a:off x="233757" y="419675"/>
-            <a:ext cx="8610652" cy="586824"/>
-          </a:xfrm>
-          <a:prstGeom prst="rect">
-            <a:avLst/>
-          </a:prstGeom>
-          <a:noFill/>
-          <a:ln>
-            <a:noFill/>
-          </a:ln>
-        </p:spPr>
-        <p:txBody>
-          <a:bodyPr lIns="91425" tIns="91425" rIns="91425" bIns="91425" anchor="t" anchorCtr="0">
-            <a:noAutofit/>
-          </a:bodyPr>
-          <a:lstStyle/>
-          <a:p>
-            <a:pPr lvl="0" algn="ctr" rtl="0">
-              <a:spcBef>
-                <a:spcPts val="0"/>
-              </a:spcBef>
-              <a:buClr>
-                <a:schemeClr val="dk1"/>
-              </a:buClr>
-              <a:buSzPct val="45833"/>
-              <a:buFont typeface="Arial"/>
-              <a:buNone/>
-            </a:pPr>
-            <a:r>
-              <a:rPr lang="en-US" sz="2400" b="1" dirty="0" err="1" smtClean="0">
-                <a:solidFill>
-                  <a:schemeClr val="tx1">
-                    <a:lumMod val="65000"/>
-                    <a:lumOff val="35000"/>
-                  </a:schemeClr>
-                </a:solidFill>
-              </a:rPr>
-              <a:t>PRIESKUM</a:t>
-            </a:r>
-            <a:r>
-              <a:rPr lang="en-US" sz="2400" b="1" dirty="0" smtClean="0">
-                <a:solidFill>
-                  <a:schemeClr val="tx1">
-                    <a:lumMod val="65000"/>
-                    <a:lumOff val="35000"/>
-                  </a:schemeClr>
-                </a:solidFill>
-              </a:rPr>
-              <a:t> </a:t>
-            </a:r>
-            <a:r>
-              <a:rPr lang="en-US" sz="2400" b="1" dirty="0" err="1" smtClean="0">
-                <a:solidFill>
-                  <a:schemeClr val="tx1">
-                    <a:lumMod val="65000"/>
-                    <a:lumOff val="35000"/>
-                  </a:schemeClr>
-                </a:solidFill>
-              </a:rPr>
-              <a:t>PLATOV</a:t>
-            </a:r>
-            <a:endParaRPr lang="sk" sz="2400" b="1" dirty="0">
-              <a:solidFill>
-                <a:schemeClr val="tx1">
-                  <a:lumMod val="65000"/>
-                  <a:lumOff val="35000"/>
-                </a:schemeClr>
-              </a:solidFill>
-            </a:endParaRPr>
-          </a:p>
-        </p:txBody>
-      </p:sp>
-      <p:pic>
-        <p:nvPicPr>
-          <p:cNvPr id="3" name="Zástupný symbol obsahu 2"/>
-          <p:cNvPicPr>
-            <a:picLocks noGrp="1" noChangeAspect="1"/>
-          </p:cNvPicPr>
-          <p:nvPr>
-            <p:ph idx="1"/>
-          </p:nvPr>
-        </p:nvPicPr>
-        <p:blipFill>
-          <a:blip r:embed="rId3"/>
-          <a:stretch>
-            <a:fillRect/>
-          </a:stretch>
-        </p:blipFill>
-        <p:spPr>
-          <a:xfrm>
-            <a:off x="4697345" y="2079981"/>
-            <a:ext cx="3818005" cy="2526394"/>
-          </a:xfrm>
-          <a:prstGeom prst="rect">
-            <a:avLst/>
-          </a:prstGeom>
-        </p:spPr>
-      </p:pic>
-      <p:pic>
-        <p:nvPicPr>
-          <p:cNvPr id="6" name="Obrázok 5"/>
-          <p:cNvPicPr>
-            <a:picLocks noChangeAspect="1"/>
-          </p:cNvPicPr>
-          <p:nvPr/>
-        </p:nvPicPr>
-        <p:blipFill>
-          <a:blip r:embed="rId4"/>
-          <a:stretch>
-            <a:fillRect/>
-          </a:stretch>
-        </p:blipFill>
-        <p:spPr>
-          <a:xfrm>
-            <a:off x="658114" y="2084452"/>
-            <a:ext cx="3600692" cy="2521923"/>
-          </a:xfrm>
-          <a:prstGeom prst="rect">
-            <a:avLst/>
-          </a:prstGeom>
-        </p:spPr>
-      </p:pic>
-      <p:sp>
-        <p:nvSpPr>
-          <p:cNvPr id="12" name="Obdĺžnik 11"/>
-          <p:cNvSpPr/>
-          <p:nvPr/>
-        </p:nvSpPr>
-        <p:spPr>
-          <a:xfrm>
-            <a:off x="551191" y="1006499"/>
-            <a:ext cx="4139023" cy="830997"/>
-          </a:xfrm>
-          <a:prstGeom prst="rect">
-            <a:avLst/>
-          </a:prstGeom>
-        </p:spPr>
-        <p:txBody>
-          <a:bodyPr wrap="square">
-            <a:spAutoFit/>
-          </a:bodyPr>
-          <a:lstStyle/>
-          <a:p>
-            <a:r>
-              <a:rPr lang="en-US" sz="1600" b="1" dirty="0">
-                <a:solidFill>
-                  <a:schemeClr val="tx1">
-                    <a:lumMod val="65000"/>
-                    <a:lumOff val="35000"/>
-                  </a:schemeClr>
-                </a:solidFill>
-              </a:rPr>
-              <a:t>https://</a:t>
-            </a:r>
-            <a:r>
-              <a:rPr lang="en-US" sz="1600" b="1" dirty="0" smtClean="0">
-                <a:solidFill>
-                  <a:schemeClr val="tx1">
-                    <a:lumMod val="65000"/>
-                    <a:lumOff val="35000"/>
-                  </a:schemeClr>
-                </a:solidFill>
-              </a:rPr>
-              <a:t>www.platy.sk</a:t>
-            </a:r>
-          </a:p>
-          <a:p>
-            <a:r>
-              <a:rPr lang="sk" sz="1600" dirty="0" smtClean="0">
-                <a:solidFill>
-                  <a:schemeClr val="tx1">
-                    <a:lumMod val="65000"/>
-                    <a:lumOff val="35000"/>
-                  </a:schemeClr>
-                </a:solidFill>
-              </a:rPr>
-              <a:t>Java programátor</a:t>
-            </a:r>
-            <a:endParaRPr lang="en-US" sz="1600" dirty="0" smtClean="0">
-              <a:solidFill>
-                <a:schemeClr val="tx1">
-                  <a:lumMod val="65000"/>
-                  <a:lumOff val="35000"/>
-                </a:schemeClr>
-              </a:solidFill>
-            </a:endParaRPr>
-          </a:p>
-          <a:p>
-            <a:r>
-              <a:rPr lang="sk" sz="1600" dirty="0" smtClean="0">
-                <a:solidFill>
-                  <a:schemeClr val="tx1">
-                    <a:lumMod val="65000"/>
-                    <a:lumOff val="35000"/>
-                  </a:schemeClr>
-                </a:solidFill>
-              </a:rPr>
-              <a:t>Lokalita Bratislava</a:t>
-            </a:r>
-          </a:p>
-        </p:txBody>
-      </p:sp>
-      <p:sp>
-        <p:nvSpPr>
-          <p:cNvPr id="7" name="Obdĺžnik 6"/>
-          <p:cNvSpPr/>
-          <p:nvPr/>
-        </p:nvSpPr>
-        <p:spPr>
-          <a:xfrm>
-            <a:off x="3446619" y="1668219"/>
-            <a:ext cx="2138895" cy="338554"/>
-          </a:xfrm>
-          <a:prstGeom prst="rect">
-            <a:avLst/>
-          </a:prstGeom>
-        </p:spPr>
-        <p:txBody>
-          <a:bodyPr wrap="square">
-            <a:spAutoFit/>
-          </a:bodyPr>
-          <a:lstStyle/>
-          <a:p>
-            <a:pPr algn="r"/>
-            <a:r>
-              <a:rPr lang="en-US" sz="1600" b="1" dirty="0" err="1" smtClean="0">
-                <a:solidFill>
-                  <a:schemeClr val="tx1">
-                    <a:lumMod val="50000"/>
-                    <a:lumOff val="50000"/>
-                  </a:schemeClr>
-                </a:solidFill>
-              </a:rPr>
-              <a:t>Prieskum</a:t>
-            </a:r>
-            <a:r>
-              <a:rPr lang="en-US" sz="1600" b="1" dirty="0" smtClean="0">
-                <a:solidFill>
-                  <a:schemeClr val="tx1">
-                    <a:lumMod val="50000"/>
-                    <a:lumOff val="50000"/>
-                  </a:schemeClr>
-                </a:solidFill>
-              </a:rPr>
-              <a:t> z: 11/2018</a:t>
-            </a:r>
-            <a:endParaRPr lang="sk" sz="1600" b="1" dirty="0" smtClean="0">
-              <a:solidFill>
-                <a:schemeClr val="tx1">
-                  <a:lumMod val="50000"/>
-                  <a:lumOff val="50000"/>
-                </a:schemeClr>
-              </a:solidFill>
-            </a:endParaRPr>
-          </a:p>
-        </p:txBody>
-      </p:sp>
-    </p:spTree>
-    <p:extLst>
-      <p:ext uri="{BB962C8B-B14F-4D97-AF65-F5344CB8AC3E}">
-        <p14:creationId xmlns:p14="http://schemas.microsoft.com/office/powerpoint/2010/main" val="1965168068"/>
-      </p:ext>
-    </p:extLst>
-  </p:cSld>
-  <p:clrMapOvr>
-    <a:masterClrMapping/>
-  </p:clrMapOvr>
-  <p:transition spd="slow">
-    <p:cut/>
-  </p:transition>
-  <p:timing>
-    <p:tnLst>
-      <p:par>
-        <p:cTn id="1" dur="indefinite" restart="never" nodeType="tmRoot"/>
-      </p:par>
-    </p:tnLst>
-  </p:timing>
-</p:sld>
-</file>
-
-<file path=ppt/slides/slide6.xml><?xml version="1.0" encoding="utf-8"?>
-<p:sld xmlns:a="http://schemas.openxmlformats.org/drawingml/2006/main" xmlns:r="http://schemas.openxmlformats.org/officeDocument/2006/relationships" xmlns:p="http://schemas.openxmlformats.org/presentationml/2006/main">
-  <p:cSld>
-    <p:spTree>
-      <p:nvGrpSpPr>
-        <p:cNvPr id="1" name="Shape 74"/>
-        <p:cNvGrpSpPr/>
-        <p:nvPr/>
-      </p:nvGrpSpPr>
-      <p:grpSpPr>
-        <a:xfrm>
-          <a:off x="0" y="0"/>
-          <a:ext cx="0" cy="0"/>
-          <a:chOff x="0" y="0"/>
-          <a:chExt cx="0" cy="0"/>
-        </a:xfrm>
-      </p:grpSpPr>
-      <p:sp>
-        <p:nvSpPr>
-          <p:cNvPr id="4" name="Zástupný symbol čísla snímky 3"/>
-          <p:cNvSpPr>
-            <a:spLocks noGrp="1"/>
-          </p:cNvSpPr>
-          <p:nvPr>
-            <p:ph type="sldNum" sz="quarter" idx="12"/>
-          </p:nvPr>
-        </p:nvSpPr>
-        <p:spPr/>
-        <p:txBody>
-          <a:bodyPr/>
-          <a:lstStyle/>
-          <a:p>
-            <a:fld id="{7497AAFE-E2E9-4BD8-8F5D-0DCF3CAF0ED9}" type="slidenum">
-              <a:rPr lang="sk-SK" smtClean="0"/>
-              <a:t>6</a:t>
-            </a:fld>
-            <a:endParaRPr lang="sk-SK"/>
-          </a:p>
-        </p:txBody>
-      </p:sp>
-      <p:sp>
-        <p:nvSpPr>
-          <p:cNvPr id="5" name="Shape 45"/>
-          <p:cNvSpPr txBox="1"/>
-          <p:nvPr/>
-        </p:nvSpPr>
-        <p:spPr>
-          <a:xfrm>
-            <a:off x="233757" y="419675"/>
-            <a:ext cx="8610652" cy="586824"/>
-          </a:xfrm>
-          <a:prstGeom prst="rect">
-            <a:avLst/>
-          </a:prstGeom>
-          <a:noFill/>
-          <a:ln>
-            <a:noFill/>
-          </a:ln>
-        </p:spPr>
-        <p:txBody>
-          <a:bodyPr lIns="91425" tIns="91425" rIns="91425" bIns="91425" anchor="t" anchorCtr="0">
-            <a:noAutofit/>
-          </a:bodyPr>
-          <a:lstStyle/>
-          <a:p>
-            <a:pPr lvl="0" algn="ctr" rtl="0">
-              <a:spcBef>
-                <a:spcPts val="0"/>
-              </a:spcBef>
-              <a:buClr>
-                <a:schemeClr val="dk1"/>
-              </a:buClr>
-              <a:buSzPct val="45833"/>
-              <a:buFont typeface="Arial"/>
-              <a:buNone/>
-            </a:pPr>
-            <a:r>
-              <a:rPr lang="en-US" sz="2400" b="1" dirty="0" smtClean="0">
-                <a:solidFill>
-                  <a:schemeClr val="tx1">
-                    <a:lumMod val="65000"/>
-                    <a:lumOff val="35000"/>
-                  </a:schemeClr>
-                </a:solidFill>
-              </a:rPr>
-              <a:t>JAVA </a:t>
-            </a:r>
-            <a:r>
-              <a:rPr lang="sk-SK" sz="2400" b="1" dirty="0" smtClean="0">
-                <a:solidFill>
-                  <a:schemeClr val="tx1">
-                    <a:lumMod val="65000"/>
-                    <a:lumOff val="35000"/>
-                  </a:schemeClr>
-                </a:solidFill>
-              </a:rPr>
-              <a:t>– Kvalifikácia programátorov</a:t>
-            </a:r>
-            <a:endParaRPr lang="sk" sz="2400" b="1" dirty="0">
-              <a:solidFill>
-                <a:schemeClr val="tx1">
-                  <a:lumMod val="65000"/>
-                  <a:lumOff val="35000"/>
-                </a:schemeClr>
-              </a:solidFill>
-            </a:endParaRPr>
-          </a:p>
-        </p:txBody>
-      </p:sp>
-      <p:pic>
-        <p:nvPicPr>
-          <p:cNvPr id="2" name="Obrázok 1"/>
-          <p:cNvPicPr>
-            <a:picLocks noChangeAspect="1"/>
-          </p:cNvPicPr>
-          <p:nvPr/>
-        </p:nvPicPr>
-        <p:blipFill>
-          <a:blip r:embed="rId3"/>
-          <a:stretch>
-            <a:fillRect/>
-          </a:stretch>
-        </p:blipFill>
-        <p:spPr>
-          <a:xfrm>
-            <a:off x="1986929" y="1006499"/>
-            <a:ext cx="5106182" cy="3921497"/>
-          </a:xfrm>
-          <a:prstGeom prst="rect">
-            <a:avLst/>
-          </a:prstGeom>
-        </p:spPr>
-      </p:pic>
-    </p:spTree>
-    <p:extLst>
-      <p:ext uri="{BB962C8B-B14F-4D97-AF65-F5344CB8AC3E}">
-        <p14:creationId xmlns:p14="http://schemas.microsoft.com/office/powerpoint/2010/main" val="1607932960"/>
-      </p:ext>
-    </p:extLst>
-  </p:cSld>
-  <p:clrMapOvr>
-    <a:masterClrMapping/>
-  </p:clrMapOvr>
-  <p:transition spd="slow">
-    <p:cut/>
-  </p:transition>
-  <p:timing>
-    <p:tnLst>
-      <p:par>
-        <p:cTn id="1" dur="indefinite" restart="never" nodeType="tmRoot"/>
-      </p:par>
-    </p:tnLst>
-  </p:timing>
-</p:sld>
-</file>
-
-<file path=ppt/slides/slide7.xml><?xml version="1.0" encoding="utf-8"?>
-<p:sld xmlns:a="http://schemas.openxmlformats.org/drawingml/2006/main" xmlns:r="http://schemas.openxmlformats.org/officeDocument/2006/relationships" xmlns:p="http://schemas.openxmlformats.org/presentationml/2006/main">
-  <p:cSld>
-    <p:spTree>
-      <p:nvGrpSpPr>
-        <p:cNvPr id="1" name="Shape 74"/>
-        <p:cNvGrpSpPr/>
-        <p:nvPr/>
-      </p:nvGrpSpPr>
-      <p:grpSpPr>
-        <a:xfrm>
-          <a:off x="0" y="0"/>
-          <a:ext cx="0" cy="0"/>
-          <a:chOff x="0" y="0"/>
-          <a:chExt cx="0" cy="0"/>
-        </a:xfrm>
-      </p:grpSpPr>
-      <p:sp>
-        <p:nvSpPr>
-          <p:cNvPr id="4" name="Zástupný symbol čísla snímky 3"/>
-          <p:cNvSpPr>
-            <a:spLocks noGrp="1"/>
-          </p:cNvSpPr>
-          <p:nvPr>
-            <p:ph type="sldNum" sz="quarter" idx="12"/>
-          </p:nvPr>
-        </p:nvSpPr>
-        <p:spPr/>
-        <p:txBody>
-          <a:bodyPr/>
-          <a:lstStyle/>
-          <a:p>
-            <a:fld id="{7497AAFE-E2E9-4BD8-8F5D-0DCF3CAF0ED9}" type="slidenum">
-              <a:rPr lang="sk-SK" smtClean="0"/>
-              <a:t>7</a:t>
-            </a:fld>
-            <a:endParaRPr lang="sk-SK"/>
-          </a:p>
-        </p:txBody>
-      </p:sp>
-      <p:sp>
-        <p:nvSpPr>
-          <p:cNvPr id="5" name="Shape 45"/>
-          <p:cNvSpPr txBox="1"/>
-          <p:nvPr/>
-        </p:nvSpPr>
-        <p:spPr>
-          <a:xfrm>
-            <a:off x="233757" y="419675"/>
-            <a:ext cx="8610652" cy="586824"/>
-          </a:xfrm>
-          <a:prstGeom prst="rect">
-            <a:avLst/>
-          </a:prstGeom>
-          <a:noFill/>
-          <a:ln>
-            <a:noFill/>
-          </a:ln>
-        </p:spPr>
-        <p:txBody>
-          <a:bodyPr lIns="91425" tIns="91425" rIns="91425" bIns="91425" anchor="t" anchorCtr="0">
-            <a:noAutofit/>
-          </a:bodyPr>
-          <a:lstStyle/>
-          <a:p>
-            <a:pPr lvl="0" algn="ctr" rtl="0">
-              <a:spcBef>
-                <a:spcPts val="0"/>
-              </a:spcBef>
-              <a:buClr>
-                <a:schemeClr val="dk1"/>
-              </a:buClr>
-              <a:buSzPct val="45833"/>
-              <a:buFont typeface="Arial"/>
-              <a:buNone/>
-            </a:pPr>
-            <a:r>
-              <a:rPr lang="en-US" sz="2400" b="1" dirty="0" smtClean="0">
-                <a:solidFill>
-                  <a:schemeClr val="tx1">
-                    <a:lumMod val="65000"/>
-                    <a:lumOff val="35000"/>
-                  </a:schemeClr>
-                </a:solidFill>
-              </a:rPr>
-              <a:t>JAVA </a:t>
-            </a:r>
-            <a:r>
-              <a:rPr lang="sk-SK" sz="2400" b="1" dirty="0" smtClean="0">
-                <a:solidFill>
-                  <a:schemeClr val="tx1">
-                    <a:lumMod val="65000"/>
-                    <a:lumOff val="35000"/>
-                  </a:schemeClr>
-                </a:solidFill>
-              </a:rPr>
-              <a:t>– Dopyt</a:t>
-            </a:r>
-            <a:endParaRPr lang="sk" sz="2400" b="1" dirty="0">
-              <a:solidFill>
-                <a:schemeClr val="tx1">
-                  <a:lumMod val="65000"/>
-                  <a:lumOff val="35000"/>
-                </a:schemeClr>
-              </a:solidFill>
-            </a:endParaRPr>
-          </a:p>
-        </p:txBody>
-      </p:sp>
-      <p:pic>
-        <p:nvPicPr>
-          <p:cNvPr id="3" name="Obrázok 2"/>
-          <p:cNvPicPr>
-            <a:picLocks noChangeAspect="1"/>
-          </p:cNvPicPr>
-          <p:nvPr/>
-        </p:nvPicPr>
-        <p:blipFill>
-          <a:blip r:embed="rId3"/>
-          <a:stretch>
-            <a:fillRect/>
-          </a:stretch>
-        </p:blipFill>
-        <p:spPr>
-          <a:xfrm>
-            <a:off x="640240" y="1006499"/>
-            <a:ext cx="7797685" cy="3531125"/>
-          </a:xfrm>
-          <a:prstGeom prst="rect">
-            <a:avLst/>
-          </a:prstGeom>
-        </p:spPr>
-      </p:pic>
-    </p:spTree>
-    <p:extLst>
-      <p:ext uri="{BB962C8B-B14F-4D97-AF65-F5344CB8AC3E}">
-        <p14:creationId xmlns:p14="http://schemas.microsoft.com/office/powerpoint/2010/main" val="2603834979"/>
-      </p:ext>
-    </p:extLst>
-  </p:cSld>
-  <p:clrMapOvr>
-    <a:masterClrMapping/>
-  </p:clrMapOvr>
-  <p:transition spd="slow">
-    <p:cut/>
-  </p:transition>
-  <p:timing>
-    <p:tnLst>
-      <p:par>
-        <p:cTn id="1" dur="indefinite" restart="never" nodeType="tmRoot"/>
-      </p:par>
-    </p:tnLst>
-  </p:timing>
-</p:sld>
-</file>
-
-<file path=ppt/slides/slide8.xml><?xml version="1.0" encoding="utf-8"?>
-<p:sld xmlns:a="http://schemas.openxmlformats.org/drawingml/2006/main" xmlns:r="http://schemas.openxmlformats.org/officeDocument/2006/relationships" xmlns:p="http://schemas.openxmlformats.org/presentationml/2006/main">
-  <p:cSld>
-    <p:spTree>
-      <p:nvGrpSpPr>
-        <p:cNvPr id="1" name="Shape 74"/>
-        <p:cNvGrpSpPr/>
-        <p:nvPr/>
-      </p:nvGrpSpPr>
-      <p:grpSpPr>
-        <a:xfrm>
-          <a:off x="0" y="0"/>
-          <a:ext cx="0" cy="0"/>
-          <a:chOff x="0" y="0"/>
-          <a:chExt cx="0" cy="0"/>
-        </a:xfrm>
-      </p:grpSpPr>
-      <p:sp>
-        <p:nvSpPr>
-          <p:cNvPr id="4" name="Zástupný symbol čísla snímky 3"/>
-          <p:cNvSpPr>
-            <a:spLocks noGrp="1"/>
-          </p:cNvSpPr>
-          <p:nvPr>
-            <p:ph type="sldNum" sz="quarter" idx="12"/>
-          </p:nvPr>
-        </p:nvSpPr>
-        <p:spPr/>
-        <p:txBody>
-          <a:bodyPr/>
-          <a:lstStyle/>
-          <a:p>
-            <a:fld id="{7497AAFE-E2E9-4BD8-8F5D-0DCF3CAF0ED9}" type="slidenum">
-              <a:rPr lang="sk-SK" smtClean="0"/>
-              <a:t>8</a:t>
-            </a:fld>
-            <a:endParaRPr lang="sk-SK"/>
-          </a:p>
-        </p:txBody>
-      </p:sp>
-      <p:sp>
-        <p:nvSpPr>
-          <p:cNvPr id="5" name="Shape 45"/>
-          <p:cNvSpPr txBox="1"/>
-          <p:nvPr/>
-        </p:nvSpPr>
-        <p:spPr>
-          <a:xfrm>
-            <a:off x="233757" y="419675"/>
-            <a:ext cx="8610652" cy="586824"/>
-          </a:xfrm>
-          <a:prstGeom prst="rect">
-            <a:avLst/>
-          </a:prstGeom>
-          <a:noFill/>
-          <a:ln>
-            <a:noFill/>
-          </a:ln>
-        </p:spPr>
-        <p:txBody>
-          <a:bodyPr lIns="91425" tIns="91425" rIns="91425" bIns="91425" anchor="t" anchorCtr="0">
-            <a:noAutofit/>
-          </a:bodyPr>
-          <a:lstStyle/>
-          <a:p>
-            <a:pPr lvl="0" algn="ctr" rtl="0">
-              <a:spcBef>
-                <a:spcPts val="0"/>
-              </a:spcBef>
-              <a:buClr>
-                <a:schemeClr val="dk1"/>
-              </a:buClr>
-              <a:buSzPct val="45833"/>
-              <a:buFont typeface="Arial"/>
-              <a:buNone/>
-            </a:pPr>
-            <a:r>
-              <a:rPr lang="en-US" sz="2400" b="1" dirty="0" smtClean="0">
-                <a:solidFill>
-                  <a:schemeClr val="tx1">
-                    <a:lumMod val="65000"/>
-                    <a:lumOff val="35000"/>
-                  </a:schemeClr>
-                </a:solidFill>
-              </a:rPr>
-              <a:t>JAVA </a:t>
-            </a:r>
-            <a:r>
-              <a:rPr lang="sk-SK" sz="2400" b="1" dirty="0" smtClean="0">
-                <a:solidFill>
-                  <a:schemeClr val="tx1">
-                    <a:lumMod val="65000"/>
-                    <a:lumOff val="35000"/>
-                  </a:schemeClr>
-                </a:solidFill>
-              </a:rPr>
-              <a:t>– Dopyt 8/2017</a:t>
-            </a:r>
-            <a:endParaRPr lang="sk" sz="2400" b="1" dirty="0">
-              <a:solidFill>
-                <a:schemeClr val="tx1">
-                  <a:lumMod val="65000"/>
-                  <a:lumOff val="35000"/>
-                </a:schemeClr>
-              </a:solidFill>
-            </a:endParaRPr>
-          </a:p>
-        </p:txBody>
-      </p:sp>
-      <p:pic>
-        <p:nvPicPr>
-          <p:cNvPr id="6" name="Obrázok 5"/>
-          <p:cNvPicPr>
-            <a:picLocks noChangeAspect="1"/>
-          </p:cNvPicPr>
-          <p:nvPr/>
-        </p:nvPicPr>
-        <p:blipFill>
-          <a:blip r:embed="rId3"/>
-          <a:stretch>
-            <a:fillRect/>
-          </a:stretch>
-        </p:blipFill>
-        <p:spPr>
-          <a:xfrm>
-            <a:off x="3180324" y="1006499"/>
-            <a:ext cx="2717518" cy="3855478"/>
-          </a:xfrm>
-          <a:prstGeom prst="rect">
-            <a:avLst/>
-          </a:prstGeom>
-        </p:spPr>
-      </p:pic>
-    </p:spTree>
-    <p:extLst>
-      <p:ext uri="{BB962C8B-B14F-4D97-AF65-F5344CB8AC3E}">
-        <p14:creationId xmlns:p14="http://schemas.microsoft.com/office/powerpoint/2010/main" val="2525331113"/>
-      </p:ext>
-    </p:extLst>
-  </p:cSld>
-  <p:clrMapOvr>
-    <a:masterClrMapping/>
-  </p:clrMapOvr>
-  <p:transition spd="slow">
-    <p:cut/>
-  </p:transition>
-  <p:timing>
-    <p:tnLst>
-      <p:par>
-        <p:cTn id="1" dur="indefinite" restart="never" nodeType="tmRoot"/>
-      </p:par>
-    </p:tnLst>
-  </p:timing>
-</p:sld>
-</file>
-
-<file path=ppt/slides/slide9.xml><?xml version="1.0" encoding="utf-8"?>
-<p:sld xmlns:a="http://schemas.openxmlformats.org/drawingml/2006/main" xmlns:r="http://schemas.openxmlformats.org/officeDocument/2006/relationships" xmlns:p="http://schemas.openxmlformats.org/presentationml/2006/main">
-  <p:cSld>
-    <p:spTree>
-      <p:nvGrpSpPr>
-        <p:cNvPr id="1" name="Shape 89"/>
-        <p:cNvGrpSpPr/>
-        <p:nvPr/>
-      </p:nvGrpSpPr>
-      <p:grpSpPr>
-        <a:xfrm>
-          <a:off x="0" y="0"/>
-          <a:ext cx="0" cy="0"/>
-          <a:chOff x="0" y="0"/>
-          <a:chExt cx="0" cy="0"/>
-        </a:xfrm>
-      </p:grpSpPr>
-      <p:sp>
-        <p:nvSpPr>
-          <p:cNvPr id="91" name="Shape 91"/>
-          <p:cNvSpPr txBox="1"/>
-          <p:nvPr/>
-        </p:nvSpPr>
-        <p:spPr>
-          <a:xfrm>
-            <a:off x="1707387" y="1131488"/>
-            <a:ext cx="6450000" cy="3245378"/>
-          </a:xfrm>
-          <a:prstGeom prst="rect">
-            <a:avLst/>
-          </a:prstGeom>
-          <a:noFill/>
-          <a:ln>
-            <a:noFill/>
-          </a:ln>
-        </p:spPr>
-        <p:txBody>
-          <a:bodyPr lIns="91425" tIns="91425" rIns="91425" bIns="91425" anchor="t" anchorCtr="0">
-            <a:noAutofit/>
-          </a:bodyPr>
-          <a:lstStyle/>
-          <a:p>
-            <a:pPr marL="457200" lvl="0" indent="-381000" rtl="0">
-              <a:lnSpc>
-                <a:spcPct val="115000"/>
-              </a:lnSpc>
-              <a:spcBef>
-                <a:spcPts val="1000"/>
-              </a:spcBef>
-              <a:buClr>
-                <a:srgbClr val="BB0000"/>
-              </a:buClr>
-              <a:buSzPct val="100000"/>
-              <a:buChar char="●"/>
-            </a:pPr>
-            <a:r>
-              <a:rPr lang="sk" sz="2400" dirty="0" smtClean="0">
-                <a:solidFill>
-                  <a:srgbClr val="C00000"/>
-                </a:solidFill>
-              </a:rPr>
-              <a:t>Ovládať </a:t>
-            </a:r>
-            <a:r>
-              <a:rPr lang="sk" sz="2400" dirty="0">
-                <a:solidFill>
-                  <a:srgbClr val="C00000"/>
-                </a:solidFill>
-              </a:rPr>
-              <a:t>programovací jazyk</a:t>
-            </a:r>
-          </a:p>
-          <a:p>
-            <a:pPr marL="457200" lvl="0" indent="-381000" rtl="0">
-              <a:lnSpc>
-                <a:spcPct val="115000"/>
-              </a:lnSpc>
-              <a:spcBef>
-                <a:spcPts val="0"/>
-              </a:spcBef>
-              <a:buClr>
-                <a:srgbClr val="BB0000"/>
-              </a:buClr>
-              <a:buSzPct val="100000"/>
-              <a:buChar char="●"/>
-            </a:pPr>
-            <a:r>
-              <a:rPr lang="sk" sz="2400" dirty="0">
-                <a:solidFill>
-                  <a:srgbClr val="C00000"/>
-                </a:solidFill>
-              </a:rPr>
-              <a:t>Schopnosť riešiť úlohy</a:t>
-            </a:r>
-          </a:p>
-          <a:p>
-            <a:pPr marL="457200" lvl="0" indent="-381000" rtl="0">
-              <a:lnSpc>
-                <a:spcPct val="115000"/>
-              </a:lnSpc>
-              <a:spcBef>
-                <a:spcPts val="0"/>
-              </a:spcBef>
-              <a:buClr>
-                <a:srgbClr val="666666"/>
-              </a:buClr>
-              <a:buSzPct val="100000"/>
-              <a:buChar char="●"/>
-            </a:pPr>
-            <a:r>
-              <a:rPr lang="sk" sz="2400" dirty="0">
-                <a:solidFill>
-                  <a:schemeClr val="tx1">
-                    <a:lumMod val="65000"/>
-                    <a:lumOff val="35000"/>
-                  </a:schemeClr>
-                </a:solidFill>
-              </a:rPr>
-              <a:t>Ovládať súvisiace technológie</a:t>
-            </a:r>
-          </a:p>
-          <a:p>
-            <a:pPr marL="457200" lvl="0" indent="-381000" rtl="0">
-              <a:lnSpc>
-                <a:spcPct val="115000"/>
-              </a:lnSpc>
-              <a:spcBef>
-                <a:spcPts val="0"/>
-              </a:spcBef>
-              <a:buClr>
-                <a:srgbClr val="666666"/>
-              </a:buClr>
-              <a:buSzPct val="100000"/>
-              <a:buChar char="●"/>
-            </a:pPr>
-            <a:r>
-              <a:rPr lang="sk" sz="2400" dirty="0">
-                <a:solidFill>
-                  <a:schemeClr val="tx1">
-                    <a:lumMod val="65000"/>
-                    <a:lumOff val="35000"/>
-                  </a:schemeClr>
-                </a:solidFill>
-              </a:rPr>
-              <a:t>Schopnosť analyzovať problém</a:t>
-            </a:r>
-          </a:p>
-          <a:p>
-            <a:pPr marL="457200" lvl="0" indent="-381000" rtl="0">
-              <a:lnSpc>
-                <a:spcPct val="115000"/>
-              </a:lnSpc>
-              <a:spcBef>
-                <a:spcPts val="0"/>
-              </a:spcBef>
-              <a:buClr>
-                <a:srgbClr val="666666"/>
-              </a:buClr>
-              <a:buSzPct val="100000"/>
-              <a:buChar char="●"/>
-            </a:pPr>
-            <a:r>
-              <a:rPr lang="sk" sz="2400" dirty="0">
-                <a:solidFill>
-                  <a:schemeClr val="tx1">
-                    <a:lumMod val="65000"/>
-                    <a:lumOff val="35000"/>
-                  </a:schemeClr>
-                </a:solidFill>
-              </a:rPr>
-              <a:t>Vedieť komunikovať so zákazníkom</a:t>
-            </a:r>
-          </a:p>
-          <a:p>
-            <a:pPr marL="457200" lvl="0" indent="-381000" rtl="0">
-              <a:lnSpc>
-                <a:spcPct val="115000"/>
-              </a:lnSpc>
-              <a:spcBef>
-                <a:spcPts val="0"/>
-              </a:spcBef>
-              <a:buClr>
-                <a:schemeClr val="dk2"/>
-              </a:buClr>
-              <a:buSzPct val="100000"/>
-              <a:buChar char="●"/>
-            </a:pPr>
-            <a:r>
-              <a:rPr lang="sk" sz="2400" dirty="0">
-                <a:solidFill>
-                  <a:schemeClr val="tx1">
-                    <a:lumMod val="65000"/>
-                    <a:lumOff val="35000"/>
-                  </a:schemeClr>
-                </a:solidFill>
-              </a:rPr>
-              <a:t>Vedieť komunikovať v tíme</a:t>
-            </a:r>
-          </a:p>
-          <a:p>
-            <a:pPr marL="457200" lvl="0" indent="-381000" rtl="0">
-              <a:lnSpc>
-                <a:spcPct val="115000"/>
-              </a:lnSpc>
-              <a:spcBef>
-                <a:spcPts val="0"/>
-              </a:spcBef>
-              <a:buClr>
-                <a:srgbClr val="666666"/>
-              </a:buClr>
-              <a:buSzPct val="100000"/>
-              <a:buChar char="●"/>
-            </a:pPr>
-            <a:r>
-              <a:rPr lang="sk" sz="2400" dirty="0">
-                <a:solidFill>
-                  <a:schemeClr val="tx1">
-                    <a:lumMod val="65000"/>
-                    <a:lumOff val="35000"/>
-                  </a:schemeClr>
-                </a:solidFill>
-              </a:rPr>
-              <a:t>Cudzí jazyk</a:t>
-            </a:r>
-          </a:p>
-          <a:p>
-            <a:pPr marL="457200" lvl="0" indent="-381000" rtl="0">
-              <a:lnSpc>
-                <a:spcPct val="115000"/>
-              </a:lnSpc>
-              <a:spcBef>
-                <a:spcPts val="0"/>
-              </a:spcBef>
-              <a:buClr>
-                <a:srgbClr val="666666"/>
-              </a:buClr>
-              <a:buSzPct val="100000"/>
-              <a:buChar char="●"/>
-            </a:pPr>
-            <a:r>
-              <a:rPr lang="sk" sz="2400" dirty="0">
-                <a:solidFill>
-                  <a:schemeClr val="tx1">
-                    <a:lumMod val="65000"/>
-                    <a:lumOff val="35000"/>
-                  </a:schemeClr>
-                </a:solidFill>
-              </a:rPr>
-              <a:t>Schopnosť učiť sa</a:t>
-            </a:r>
-          </a:p>
-        </p:txBody>
-      </p:sp>
-      <p:sp>
-        <p:nvSpPr>
-          <p:cNvPr id="5" name="Zástupný symbol čísla snímky 4"/>
-          <p:cNvSpPr>
-            <a:spLocks noGrp="1"/>
-          </p:cNvSpPr>
-          <p:nvPr>
-            <p:ph type="sldNum" sz="quarter" idx="12"/>
-          </p:nvPr>
-        </p:nvSpPr>
-        <p:spPr/>
-        <p:txBody>
-          <a:bodyPr/>
-          <a:lstStyle/>
-          <a:p>
-            <a:fld id="{7497AAFE-E2E9-4BD8-8F5D-0DCF3CAF0ED9}" type="slidenum">
-              <a:rPr lang="sk-SK" smtClean="0"/>
-              <a:t>9</a:t>
-            </a:fld>
-            <a:endParaRPr lang="sk-SK"/>
-          </a:p>
-        </p:txBody>
-      </p:sp>
-      <p:sp>
-        <p:nvSpPr>
-          <p:cNvPr id="4" name="Shape 45"/>
-          <p:cNvSpPr txBox="1"/>
-          <p:nvPr/>
-        </p:nvSpPr>
-        <p:spPr>
-          <a:xfrm>
-            <a:off x="1269636" y="333455"/>
-            <a:ext cx="6644201" cy="528318"/>
-          </a:xfrm>
-          <a:prstGeom prst="rect">
-            <a:avLst/>
-          </a:prstGeom>
-          <a:noFill/>
-          <a:ln>
-            <a:noFill/>
-          </a:ln>
-        </p:spPr>
-        <p:txBody>
-          <a:bodyPr lIns="91425" tIns="91425" rIns="91425" bIns="91425" anchor="t" anchorCtr="0">
-            <a:noAutofit/>
-          </a:bodyPr>
-          <a:lstStyle/>
-          <a:p>
-            <a:pPr lvl="0" algn="ctr">
-              <a:lnSpc>
-                <a:spcPct val="115000"/>
-              </a:lnSpc>
-            </a:pPr>
-            <a:r>
-              <a:rPr lang="sk" sz="2400" b="1" dirty="0">
-                <a:solidFill>
-                  <a:schemeClr val="tx1">
-                    <a:lumMod val="65000"/>
-                    <a:lumOff val="35000"/>
-                  </a:schemeClr>
-                </a:solidFill>
-              </a:rPr>
-              <a:t>ČO POŽADUJÚ ZAMESTNÁVATELIA</a:t>
-            </a:r>
-          </a:p>
-        </p:txBody>
-      </p:sp>
-    </p:spTree>
   </p:cSld>
   <p:clrMapOvr>
     <a:masterClrMapping/>
